--- a/Fashion Retail Analysis 1 updated.pptx
+++ b/Fashion Retail Analysis 1 updated.pptx
@@ -3363,20 +3363,15 @@
                 <a:solidFill>
                   <a:srgbClr val="1F2328"/>
                 </a:solidFill>
-                <a:latin typeface="+mn-lt"/>
-              </a:rPr>
-              <a:t>Fashion</a:t>
-            </a:r>
-            <a:r>
-              <a:rPr lang="en-US" b="1" dirty="0">
-                <a:solidFill>
-                  <a:srgbClr val="1F2328"/>
-                </a:solidFill>
-                <a:latin typeface="-apple-system"/>
-              </a:rPr>
-              <a:t> Retail Analysis</a:t>
-            </a:r>
-            <a:endParaRPr lang="en-US" b="1" dirty="0"/>
+                <a:latin typeface="Segoe UI Black" panose="020B0A02040204020203" pitchFamily="34" charset="0"/>
+                <a:ea typeface="Segoe UI Black" panose="020B0A02040204020203" pitchFamily="34" charset="0"/>
+              </a:rPr>
+              <a:t>Fashion Retail Analysis</a:t>
+            </a:r>
+            <a:endParaRPr lang="en-US" b="1" dirty="0">
+              <a:latin typeface="Segoe UI Black" panose="020B0A02040204020203" pitchFamily="34" charset="0"/>
+              <a:ea typeface="Segoe UI Black" panose="020B0A02040204020203" pitchFamily="34" charset="0"/>
+            </a:endParaRPr>
           </a:p>
         </p:txBody>
       </p:sp>
@@ -3396,7 +3391,12 @@
             <p:ph type="subTitle" idx="1"/>
           </p:nvPr>
         </p:nvSpPr>
-        <p:spPr/>
+        <p:spPr>
+          <a:xfrm>
+            <a:off x="1524000" y="3602038"/>
+            <a:ext cx="9144000" cy="2890202"/>
+          </a:xfrm>
+        </p:spPr>
         <p:txBody>
           <a:bodyPr>
             <a:normAutofit/>
@@ -3420,9 +3420,57 @@
               <a:t>Group members</a:t>
             </a:r>
             <a:r>
-              <a:rPr lang="en-US" dirty="0"/>
-              <a:t>: Dennis , Victor, Gerald</a:t>
-            </a:r>
+              <a:rPr lang="en-US" dirty="0" smtClean="0"/>
+              <a:t>:</a:t>
+            </a:r>
+          </a:p>
+          <a:p>
+            <a:pPr lvl="1" algn="l"/>
+            <a:r>
+              <a:rPr lang="en-US" dirty="0" smtClean="0">
+                <a:latin typeface="Arial" panose="020B0604020202020204" pitchFamily="34" charset="0"/>
+                <a:cs typeface="Arial" panose="020B0604020202020204" pitchFamily="34" charset="0"/>
+              </a:rPr>
+              <a:t>1. Dennis </a:t>
+            </a:r>
+          </a:p>
+          <a:p>
+            <a:pPr lvl="1" algn="l"/>
+            <a:r>
+              <a:rPr lang="en-US" dirty="0" smtClean="0">
+                <a:latin typeface="Arial" panose="020B0604020202020204" pitchFamily="34" charset="0"/>
+                <a:cs typeface="Arial" panose="020B0604020202020204" pitchFamily="34" charset="0"/>
+              </a:rPr>
+              <a:t>2. </a:t>
+            </a:r>
+            <a:r>
+              <a:rPr lang="en-US" dirty="0" smtClean="0">
+                <a:latin typeface="Arial" panose="020B0604020202020204" pitchFamily="34" charset="0"/>
+                <a:cs typeface="Arial" panose="020B0604020202020204" pitchFamily="34" charset="0"/>
+              </a:rPr>
+              <a:t>Victor </a:t>
+            </a:r>
+          </a:p>
+          <a:p>
+            <a:pPr lvl="1" algn="l"/>
+            <a:r>
+              <a:rPr lang="en-US" dirty="0" smtClean="0">
+                <a:latin typeface="Arial" panose="020B0604020202020204" pitchFamily="34" charset="0"/>
+                <a:cs typeface="Arial" panose="020B0604020202020204" pitchFamily="34" charset="0"/>
+              </a:rPr>
+              <a:t>3. </a:t>
+            </a:r>
+            <a:r>
+              <a:rPr lang="en-US" dirty="0" smtClean="0">
+                <a:latin typeface="Arial" panose="020B0604020202020204" pitchFamily="34" charset="0"/>
+                <a:cs typeface="Arial" panose="020B0604020202020204" pitchFamily="34" charset="0"/>
+              </a:rPr>
+              <a:t>Gerald</a:t>
+            </a:r>
+            <a:endParaRPr lang="en-US" dirty="0">
+              <a:latin typeface="Arial" panose="020B0604020202020204" pitchFamily="34" charset="0"/>
+              <a:cs typeface="Arial" panose="020B0604020202020204" pitchFamily="34" charset="0"/>
+            </a:endParaRPr>
           </a:p>
         </p:txBody>
       </p:sp>
@@ -3478,18 +3526,30 @@
           <a:lstStyle/>
           <a:p>
             <a:r>
-              <a:rPr lang="en-US" b="1" dirty="0"/>
+              <a:rPr lang="en-US" b="1" dirty="0">
+                <a:latin typeface="Segoe UI Semibold" panose="020B0702040204020203" pitchFamily="34" charset="0"/>
+                <a:cs typeface="Segoe UI Semibold" panose="020B0702040204020203" pitchFamily="34" charset="0"/>
+              </a:rPr>
               <a:t>Summary (</a:t>
             </a:r>
             <a:r>
-              <a:rPr lang="en-US" dirty="0"/>
+              <a:rPr lang="en-US" dirty="0">
+                <a:latin typeface="Segoe UI Semibold" panose="020B0702040204020203" pitchFamily="34" charset="0"/>
+                <a:cs typeface="Segoe UI Semibold" panose="020B0702040204020203" pitchFamily="34" charset="0"/>
+              </a:rPr>
               <a:t>Recap major insights</a:t>
             </a:r>
             <a:r>
-              <a:rPr lang="en-US" b="1" dirty="0"/>
+              <a:rPr lang="en-US" b="1" dirty="0">
+                <a:latin typeface="Segoe UI Semibold" panose="020B0702040204020203" pitchFamily="34" charset="0"/>
+                <a:cs typeface="Segoe UI Semibold" panose="020B0702040204020203" pitchFamily="34" charset="0"/>
+              </a:rPr>
               <a:t>)</a:t>
             </a:r>
-            <a:endParaRPr lang="en-US" dirty="0"/>
+            <a:endParaRPr lang="en-US" dirty="0">
+              <a:latin typeface="Segoe UI Semibold" panose="020B0702040204020203" pitchFamily="34" charset="0"/>
+              <a:cs typeface="Segoe UI Semibold" panose="020B0702040204020203" pitchFamily="34" charset="0"/>
+            </a:endParaRPr>
           </a:p>
         </p:txBody>
       </p:sp>
@@ -3517,49 +3577,76 @@
           <a:lstStyle/>
           <a:p>
             <a:r>
-              <a:rPr lang="en-US" sz="2400" dirty="0"/>
+              <a:rPr lang="en-US" sz="2400" dirty="0">
+                <a:latin typeface="Arial" panose="020B0604020202020204" pitchFamily="34" charset="0"/>
+                <a:cs typeface="Arial" panose="020B0604020202020204" pitchFamily="34" charset="0"/>
+              </a:rPr>
               <a:t>Product categories such as accessories and shoes generated the most revenue.</a:t>
             </a:r>
           </a:p>
           <a:p>
             <a:r>
-              <a:rPr lang="en-US" sz="2400" dirty="0"/>
+              <a:rPr lang="en-US" sz="2400" dirty="0">
+                <a:latin typeface="Arial" panose="020B0604020202020204" pitchFamily="34" charset="0"/>
+                <a:cs typeface="Arial" panose="020B0604020202020204" pitchFamily="34" charset="0"/>
+              </a:rPr>
               <a:t>January , April, and October yielded higher sales volume while July, august and December yielded the lowest sales volume</a:t>
             </a:r>
           </a:p>
           <a:p>
             <a:r>
-              <a:rPr lang="en-US" sz="2400" dirty="0"/>
+              <a:rPr lang="en-US" sz="2400" dirty="0">
+                <a:latin typeface="Arial" panose="020B0604020202020204" pitchFamily="34" charset="0"/>
+                <a:cs typeface="Arial" panose="020B0604020202020204" pitchFamily="34" charset="0"/>
+              </a:rPr>
               <a:t>Friday is the best the day</a:t>
             </a:r>
           </a:p>
           <a:p>
             <a:r>
-              <a:rPr lang="en-US" sz="2400" dirty="0"/>
+              <a:rPr lang="en-US" sz="2400" dirty="0">
+                <a:latin typeface="Arial" panose="020B0604020202020204" pitchFamily="34" charset="0"/>
+                <a:cs typeface="Arial" panose="020B0604020202020204" pitchFamily="34" charset="0"/>
+              </a:rPr>
               <a:t>Top Ten performing customers are shown in the table.</a:t>
             </a:r>
           </a:p>
           <a:p>
             <a:r>
-              <a:rPr lang="en-US" sz="2400" dirty="0"/>
+              <a:rPr lang="en-US" sz="2400" dirty="0">
+                <a:latin typeface="Arial" panose="020B0604020202020204" pitchFamily="34" charset="0"/>
+                <a:cs typeface="Arial" panose="020B0604020202020204" pitchFamily="34" charset="0"/>
+              </a:rPr>
               <a:t>All customers are repeated </a:t>
             </a:r>
             <a:r>
-              <a:rPr lang="en-US" sz="2400" dirty="0" err="1"/>
+              <a:rPr lang="en-US" sz="2400" dirty="0" err="1">
+                <a:latin typeface="Arial" panose="020B0604020202020204" pitchFamily="34" charset="0"/>
+                <a:cs typeface="Arial" panose="020B0604020202020204" pitchFamily="34" charset="0"/>
+              </a:rPr>
               <a:t>i.e</a:t>
             </a:r>
             <a:r>
-              <a:rPr lang="en-US" sz="2400" dirty="0"/>
+              <a:rPr lang="en-US" sz="2400" dirty="0">
+                <a:latin typeface="Arial" panose="020B0604020202020204" pitchFamily="34" charset="0"/>
+                <a:cs typeface="Arial" panose="020B0604020202020204" pitchFamily="34" charset="0"/>
+              </a:rPr>
               <a:t> no new customers so far.</a:t>
             </a:r>
           </a:p>
           <a:p>
             <a:r>
-              <a:rPr lang="en-US" sz="2400" dirty="0" err="1"/>
+              <a:rPr lang="en-US" sz="2400" dirty="0" err="1">
+                <a:latin typeface="Arial" panose="020B0604020202020204" pitchFamily="34" charset="0"/>
+                <a:cs typeface="Arial" panose="020B0604020202020204" pitchFamily="34" charset="0"/>
+              </a:rPr>
               <a:t>Brightbean</a:t>
             </a:r>
             <a:r>
-              <a:rPr lang="en-US" sz="2400" dirty="0"/>
+              <a:rPr lang="en-US" sz="2400" dirty="0">
+                <a:latin typeface="Arial" panose="020B0604020202020204" pitchFamily="34" charset="0"/>
+                <a:cs typeface="Arial" panose="020B0604020202020204" pitchFamily="34" charset="0"/>
+              </a:rPr>
               <a:t> has the most active buyers compared to other locations.</a:t>
             </a:r>
           </a:p>
@@ -3617,7 +3704,10 @@
           <a:lstStyle/>
           <a:p>
             <a:r>
-              <a:rPr lang="en-US" dirty="0"/>
+              <a:rPr lang="en-US" dirty="0">
+                <a:latin typeface="Segoe UI Semibold" panose="020B0702040204020203" pitchFamily="34" charset="0"/>
+                <a:cs typeface="Segoe UI Semibold" panose="020B0702040204020203" pitchFamily="34" charset="0"/>
+              </a:rPr>
               <a:t>Business Recommendations</a:t>
             </a:r>
           </a:p>
@@ -3642,7 +3732,7 @@
         <p:spPr bwMode="auto">
           <a:xfrm>
             <a:off x="838200" y="1600637"/>
-            <a:ext cx="10702289" cy="4801314"/>
+            <a:ext cx="11136382" cy="4801314"/>
           </a:xfrm>
           <a:prstGeom prst="rect">
             <a:avLst/>
@@ -3714,7 +3804,8 @@
                   <a:schemeClr val="tx1"/>
                 </a:solidFill>
                 <a:effectLst/>
-                <a:latin typeface="Aptos" panose="020B0004020202020204" pitchFamily="34" charset="0"/>
+                <a:latin typeface="Arial" panose="020B0604020202020204" pitchFamily="34" charset="0"/>
+                <a:cs typeface="Arial" panose="020B0604020202020204" pitchFamily="34" charset="0"/>
               </a:rPr>
               <a:t>1. </a:t>
             </a:r>
@@ -3727,7 +3818,8 @@
                   <a:schemeClr val="tx1"/>
                 </a:solidFill>
                 <a:effectLst/>
-                <a:latin typeface="Aptos" panose="020B0004020202020204" pitchFamily="34" charset="0"/>
+                <a:latin typeface="Arial" panose="020B0604020202020204" pitchFamily="34" charset="0"/>
+                <a:cs typeface="Arial" panose="020B0604020202020204" pitchFamily="34" charset="0"/>
               </a:rPr>
               <a:t>Focus on Best-Selling Categories</a:t>
             </a:r>
@@ -3750,7 +3842,8 @@
             </a:pPr>
             <a:r>
               <a:rPr lang="en-US" altLang="en-US" sz="2400" dirty="0">
-                <a:latin typeface="Aptos" panose="020B0004020202020204" pitchFamily="34" charset="0"/>
+                <a:latin typeface="Arial" panose="020B0604020202020204" pitchFamily="34" charset="0"/>
+                <a:cs typeface="Arial" panose="020B0604020202020204" pitchFamily="34" charset="0"/>
               </a:rPr>
               <a:t>    </a:t>
             </a:r>
@@ -3763,7 +3856,8 @@
                   <a:schemeClr val="tx1"/>
                 </a:solidFill>
                 <a:effectLst/>
-                <a:latin typeface="Aptos" panose="020B0004020202020204" pitchFamily="34" charset="0"/>
+                <a:latin typeface="Arial" panose="020B0604020202020204" pitchFamily="34" charset="0"/>
+                <a:cs typeface="Arial" panose="020B0604020202020204" pitchFamily="34" charset="0"/>
               </a:rPr>
               <a:t>Expand stock and marketing for accessories and shoes.</a:t>
             </a:r>
@@ -3793,7 +3887,8 @@
                   <a:schemeClr val="tx1"/>
                 </a:solidFill>
                 <a:effectLst/>
-                <a:latin typeface="Aptos" panose="020B0004020202020204" pitchFamily="34" charset="0"/>
+                <a:latin typeface="Arial" panose="020B0604020202020204" pitchFamily="34" charset="0"/>
+                <a:cs typeface="Arial" panose="020B0604020202020204" pitchFamily="34" charset="0"/>
               </a:rPr>
               <a:t>2. </a:t>
             </a:r>
@@ -3806,7 +3901,8 @@
                   <a:schemeClr val="tx1"/>
                 </a:solidFill>
                 <a:effectLst/>
-                <a:latin typeface="Aptos" panose="020B0004020202020204" pitchFamily="34" charset="0"/>
+                <a:latin typeface="Arial" panose="020B0604020202020204" pitchFamily="34" charset="0"/>
+                <a:cs typeface="Arial" panose="020B0604020202020204" pitchFamily="34" charset="0"/>
               </a:rPr>
               <a:t>Boost Sales in Low-Performing Months</a:t>
             </a:r>
@@ -3836,7 +3932,8 @@
                   <a:schemeClr val="tx1"/>
                 </a:solidFill>
                 <a:effectLst/>
-                <a:latin typeface="Aptos" panose="020B0004020202020204" pitchFamily="34" charset="0"/>
+                <a:latin typeface="Arial" panose="020B0604020202020204" pitchFamily="34" charset="0"/>
+                <a:cs typeface="Arial" panose="020B0604020202020204" pitchFamily="34" charset="0"/>
               </a:rPr>
               <a:t>    Run promotions in July, August, and December.</a:t>
             </a:r>
@@ -3866,7 +3963,8 @@
                   <a:schemeClr val="tx1"/>
                 </a:solidFill>
                 <a:effectLst/>
-                <a:latin typeface="Aptos" panose="020B0004020202020204" pitchFamily="34" charset="0"/>
+                <a:latin typeface="Arial" panose="020B0604020202020204" pitchFamily="34" charset="0"/>
+                <a:cs typeface="Arial" panose="020B0604020202020204" pitchFamily="34" charset="0"/>
               </a:rPr>
               <a:t>3.</a:t>
             </a:r>
@@ -3879,7 +3977,8 @@
                   <a:schemeClr val="tx1"/>
                 </a:solidFill>
                 <a:effectLst/>
-                <a:latin typeface="Aptos" panose="020B0004020202020204" pitchFamily="34" charset="0"/>
+                <a:latin typeface="Arial" panose="020B0604020202020204" pitchFamily="34" charset="0"/>
+                <a:cs typeface="Arial" panose="020B0604020202020204" pitchFamily="34" charset="0"/>
               </a:rPr>
               <a:t> Leverage High Sales on Fridays</a:t>
             </a:r>
@@ -3909,7 +4008,8 @@
                   <a:schemeClr val="tx1"/>
                 </a:solidFill>
                 <a:effectLst/>
-                <a:latin typeface="Aptos" panose="020B0004020202020204" pitchFamily="34" charset="0"/>
+                <a:latin typeface="Arial" panose="020B0604020202020204" pitchFamily="34" charset="0"/>
+                <a:cs typeface="Arial" panose="020B0604020202020204" pitchFamily="34" charset="0"/>
               </a:rPr>
               <a:t>    Introduce Friday flash sales or weekend kick-off offers.</a:t>
             </a:r>
@@ -3939,7 +4039,8 @@
                   <a:schemeClr val="tx1"/>
                 </a:solidFill>
                 <a:effectLst/>
-                <a:latin typeface="Aptos" panose="020B0004020202020204" pitchFamily="34" charset="0"/>
+                <a:latin typeface="Arial" panose="020B0604020202020204" pitchFamily="34" charset="0"/>
+                <a:cs typeface="Arial" panose="020B0604020202020204" pitchFamily="34" charset="0"/>
               </a:rPr>
               <a:t>4. </a:t>
             </a:r>
@@ -3952,7 +4053,8 @@
                   <a:schemeClr val="tx1"/>
                 </a:solidFill>
                 <a:effectLst/>
-                <a:latin typeface="Aptos" panose="020B0004020202020204" pitchFamily="34" charset="0"/>
+                <a:latin typeface="Arial" panose="020B0604020202020204" pitchFamily="34" charset="0"/>
+                <a:cs typeface="Arial" panose="020B0604020202020204" pitchFamily="34" charset="0"/>
               </a:rPr>
               <a:t>Strengthen Customer Loyalty</a:t>
             </a:r>
@@ -3982,7 +4084,8 @@
                   <a:schemeClr val="tx1"/>
                 </a:solidFill>
                 <a:effectLst/>
-                <a:latin typeface="Aptos" panose="020B0004020202020204" pitchFamily="34" charset="0"/>
+                <a:latin typeface="Arial" panose="020B0604020202020204" pitchFamily="34" charset="0"/>
+                <a:cs typeface="Arial" panose="020B0604020202020204" pitchFamily="34" charset="0"/>
               </a:rPr>
               <a:t>    Launch a loyalty or rewards program for repeat buyers.</a:t>
             </a:r>
@@ -4012,7 +4115,8 @@
                   <a:schemeClr val="tx1"/>
                 </a:solidFill>
                 <a:effectLst/>
-                <a:latin typeface="Aptos" panose="020B0004020202020204" pitchFamily="34" charset="0"/>
+                <a:latin typeface="Arial" panose="020B0604020202020204" pitchFamily="34" charset="0"/>
+                <a:cs typeface="Arial" panose="020B0604020202020204" pitchFamily="34" charset="0"/>
               </a:rPr>
               <a:t>5. </a:t>
             </a:r>
@@ -4025,7 +4129,8 @@
                   <a:schemeClr val="tx1"/>
                 </a:solidFill>
                 <a:effectLst/>
-                <a:latin typeface="Aptos" panose="020B0004020202020204" pitchFamily="34" charset="0"/>
+                <a:latin typeface="Arial" panose="020B0604020202020204" pitchFamily="34" charset="0"/>
+                <a:cs typeface="Arial" panose="020B0604020202020204" pitchFamily="34" charset="0"/>
               </a:rPr>
               <a:t>Replicate </a:t>
             </a:r>
@@ -4038,7 +4143,8 @@
                   <a:schemeClr val="tx1"/>
                 </a:solidFill>
                 <a:effectLst/>
-                <a:latin typeface="Aptos" panose="020B0004020202020204" pitchFamily="34" charset="0"/>
+                <a:latin typeface="Arial" panose="020B0604020202020204" pitchFamily="34" charset="0"/>
+                <a:cs typeface="Arial" panose="020B0604020202020204" pitchFamily="34" charset="0"/>
               </a:rPr>
               <a:t>Brightbean’s</a:t>
             </a:r>
@@ -4051,7 +4157,8 @@
                   <a:schemeClr val="tx1"/>
                 </a:solidFill>
                 <a:effectLst/>
-                <a:latin typeface="Aptos" panose="020B0004020202020204" pitchFamily="34" charset="0"/>
+                <a:latin typeface="Arial" panose="020B0604020202020204" pitchFamily="34" charset="0"/>
+                <a:cs typeface="Arial" panose="020B0604020202020204" pitchFamily="34" charset="0"/>
               </a:rPr>
               <a:t> Success</a:t>
             </a:r>
@@ -4081,7 +4188,8 @@
                   <a:schemeClr val="tx1"/>
                 </a:solidFill>
                 <a:effectLst/>
-                <a:latin typeface="Aptos" panose="020B0004020202020204" pitchFamily="34" charset="0"/>
+                <a:latin typeface="Arial" panose="020B0604020202020204" pitchFamily="34" charset="0"/>
+                <a:cs typeface="Arial" panose="020B0604020202020204" pitchFamily="34" charset="0"/>
               </a:rPr>
               <a:t>    Analyze and apply </a:t>
             </a:r>
@@ -4094,7 +4202,8 @@
                   <a:schemeClr val="tx1"/>
                 </a:solidFill>
                 <a:effectLst/>
-                <a:latin typeface="Aptos" panose="020B0004020202020204" pitchFamily="34" charset="0"/>
+                <a:latin typeface="Arial" panose="020B0604020202020204" pitchFamily="34" charset="0"/>
+                <a:cs typeface="Arial" panose="020B0604020202020204" pitchFamily="34" charset="0"/>
               </a:rPr>
               <a:t>Brightbean’s</a:t>
             </a:r>
@@ -4107,7 +4216,8 @@
                   <a:schemeClr val="tx1"/>
                 </a:solidFill>
                 <a:effectLst/>
-                <a:latin typeface="Aptos" panose="020B0004020202020204" pitchFamily="34" charset="0"/>
+                <a:latin typeface="Arial" panose="020B0604020202020204" pitchFamily="34" charset="0"/>
+                <a:cs typeface="Arial" panose="020B0604020202020204" pitchFamily="34" charset="0"/>
               </a:rPr>
               <a:t> strategies to other outlets.</a:t>
             </a:r>
@@ -4137,7 +4247,8 @@
                   <a:schemeClr val="tx1"/>
                 </a:solidFill>
                 <a:effectLst/>
-                <a:latin typeface="Aptos" panose="020B0004020202020204" pitchFamily="34" charset="0"/>
+                <a:latin typeface="Arial" panose="020B0604020202020204" pitchFamily="34" charset="0"/>
+                <a:cs typeface="Arial" panose="020B0604020202020204" pitchFamily="34" charset="0"/>
               </a:rPr>
               <a:t>6. </a:t>
             </a:r>
@@ -4150,7 +4261,8 @@
                   <a:schemeClr val="tx1"/>
                 </a:solidFill>
                 <a:effectLst/>
-                <a:latin typeface="Aptos" panose="020B0004020202020204" pitchFamily="34" charset="0"/>
+                <a:latin typeface="Arial" panose="020B0604020202020204" pitchFamily="34" charset="0"/>
+                <a:cs typeface="Arial" panose="020B0604020202020204" pitchFamily="34" charset="0"/>
               </a:rPr>
               <a:t>Attract New Customers</a:t>
             </a:r>
@@ -4180,7 +4292,8 @@
                   <a:schemeClr val="tx1"/>
                 </a:solidFill>
                 <a:effectLst/>
-                <a:latin typeface="Aptos" panose="020B0004020202020204" pitchFamily="34" charset="0"/>
+                <a:latin typeface="Arial" panose="020B0604020202020204" pitchFamily="34" charset="0"/>
+                <a:cs typeface="Arial" panose="020B0604020202020204" pitchFamily="34" charset="0"/>
               </a:rPr>
               <a:t>    Implement referral programs and digital marketing to grow the customer base.</a:t>
             </a:r>
@@ -4211,6 +4324,7 @@
               </a:solidFill>
               <a:effectLst/>
               <a:latin typeface="Arial" panose="020B0604020202020204" pitchFamily="34" charset="0"/>
+              <a:cs typeface="Arial" panose="020B0604020202020204" pitchFamily="34" charset="0"/>
             </a:endParaRPr>
           </a:p>
         </p:txBody>
@@ -4267,7 +4381,10 @@
           <a:lstStyle/>
           <a:p>
             <a:r>
-              <a:rPr lang="en-US" dirty="0"/>
+              <a:rPr lang="en-US" dirty="0">
+                <a:latin typeface="Segoe UI Semibold" panose="020B0702040204020203" pitchFamily="34" charset="0"/>
+                <a:cs typeface="Segoe UI Semibold" panose="020B0702040204020203" pitchFamily="34" charset="0"/>
+              </a:rPr>
               <a:t>Problem Statement &amp; Objectives</a:t>
             </a:r>
           </a:p>
@@ -4360,6 +4477,8 @@
                   <a:schemeClr val="tx1"/>
                 </a:solidFill>
                 <a:effectLst/>
+                <a:latin typeface="Arial" panose="020B0604020202020204" pitchFamily="34" charset="0"/>
+                <a:cs typeface="Arial" panose="020B0604020202020204" pitchFamily="34" charset="0"/>
               </a:rPr>
               <a:t>Analyze fashion retail data</a:t>
             </a:r>
@@ -4379,6 +4498,8 @@
                   <a:schemeClr val="tx1"/>
                 </a:solidFill>
                 <a:effectLst/>
+                <a:latin typeface="Arial" panose="020B0604020202020204" pitchFamily="34" charset="0"/>
+                <a:cs typeface="Arial" panose="020B0604020202020204" pitchFamily="34" charset="0"/>
               </a:rPr>
               <a:t>Understand customer behavior, sales patterns, and inventory dynamics.</a:t>
             </a:r>
@@ -4484,7 +4605,10 @@
           <a:lstStyle/>
           <a:p>
             <a:r>
-              <a:rPr lang="en-US" dirty="0"/>
+              <a:rPr lang="en-US" dirty="0">
+                <a:latin typeface="Segoe UI Semibold" panose="020B0702040204020203" pitchFamily="34" charset="0"/>
+                <a:cs typeface="Segoe UI Semibold" panose="020B0702040204020203" pitchFamily="34" charset="0"/>
+              </a:rPr>
               <a:t>Top 5 Selling Products</a:t>
             </a:r>
           </a:p>
@@ -4517,7 +4641,10 @@
           <a:lstStyle/>
           <a:p>
             <a:r>
-              <a:rPr lang="en-US" dirty="0"/>
+              <a:rPr lang="en-US" dirty="0">
+                <a:latin typeface="Arial" panose="020B0604020202020204" pitchFamily="34" charset="0"/>
+                <a:cs typeface="Arial" panose="020B0604020202020204" pitchFamily="34" charset="0"/>
+              </a:rPr>
               <a:t>Product categories such as accessories and shoes generated the most revenue.</a:t>
             </a:r>
           </a:p>
@@ -4622,7 +4749,10 @@
           <a:lstStyle/>
           <a:p>
             <a:r>
-              <a:rPr lang="en-US" dirty="0"/>
+              <a:rPr lang="en-US" dirty="0">
+                <a:latin typeface="Segoe UI Semibold" panose="020B0702040204020203" pitchFamily="34" charset="0"/>
+                <a:cs typeface="Segoe UI Semibold" panose="020B0702040204020203" pitchFamily="34" charset="0"/>
+              </a:rPr>
               <a:t>Monthly Sales Trend</a:t>
             </a:r>
           </a:p>
@@ -4647,7 +4777,7 @@
         <p:spPr>
           <a:xfrm>
             <a:off x="838200" y="1825625"/>
-            <a:ext cx="5382986" cy="4351338"/>
+            <a:ext cx="4776216" cy="4351338"/>
           </a:xfrm>
         </p:spPr>
         <p:txBody>
@@ -4657,27 +4787,45 @@
             <a:pPr marL="0" indent="0">
               <a:buNone/>
             </a:pPr>
-            <a:endParaRPr lang="en-US" dirty="0"/>
-          </a:p>
-          <a:p>
-            <a:r>
-              <a:rPr lang="en-US" dirty="0"/>
+            <a:endParaRPr lang="en-US" dirty="0">
+              <a:latin typeface="Arial" panose="020B0604020202020204" pitchFamily="34" charset="0"/>
+              <a:cs typeface="Arial" panose="020B0604020202020204" pitchFamily="34" charset="0"/>
+            </a:endParaRPr>
+          </a:p>
+          <a:p>
+            <a:r>
+              <a:rPr lang="en-US" dirty="0">
+                <a:latin typeface="Arial" panose="020B0604020202020204" pitchFamily="34" charset="0"/>
+                <a:cs typeface="Arial" panose="020B0604020202020204" pitchFamily="34" charset="0"/>
+              </a:rPr>
               <a:t>January , April, and October yielded higher sales volume </a:t>
             </a:r>
             <a:r>
-              <a:rPr lang="en-US" dirty="0" err="1"/>
+              <a:rPr lang="en-US" dirty="0" err="1">
+                <a:latin typeface="Arial" panose="020B0604020202020204" pitchFamily="34" charset="0"/>
+                <a:cs typeface="Arial" panose="020B0604020202020204" pitchFamily="34" charset="0"/>
+              </a:rPr>
               <a:t>i.e</a:t>
             </a:r>
             <a:r>
-              <a:rPr lang="en-US" dirty="0"/>
+              <a:rPr lang="en-US" dirty="0">
+                <a:latin typeface="Arial" panose="020B0604020202020204" pitchFamily="34" charset="0"/>
+                <a:cs typeface="Arial" panose="020B0604020202020204" pitchFamily="34" charset="0"/>
+              </a:rPr>
               <a:t> above 60,000 total revenue while July, august and December yielded the lowest sales volume </a:t>
             </a:r>
             <a:r>
-              <a:rPr lang="en-US" dirty="0" err="1"/>
+              <a:rPr lang="en-US" dirty="0" err="1">
+                <a:latin typeface="Arial" panose="020B0604020202020204" pitchFamily="34" charset="0"/>
+                <a:cs typeface="Arial" panose="020B0604020202020204" pitchFamily="34" charset="0"/>
+              </a:rPr>
               <a:t>i.e</a:t>
             </a:r>
             <a:r>
-              <a:rPr lang="en-US" dirty="0"/>
+              <a:rPr lang="en-US" dirty="0">
+                <a:latin typeface="Arial" panose="020B0604020202020204" pitchFamily="34" charset="0"/>
+                <a:cs typeface="Arial" panose="020B0604020202020204" pitchFamily="34" charset="0"/>
+              </a:rPr>
               <a:t> below 20,000 total revenue</a:t>
             </a:r>
           </a:p>
@@ -4735,7 +4883,10 @@
           <a:lstStyle/>
           <a:p>
             <a:r>
-              <a:rPr lang="en-US" dirty="0"/>
+              <a:rPr lang="en-US" dirty="0">
+                <a:latin typeface="Segoe UI Semibold" panose="020B0702040204020203" pitchFamily="34" charset="0"/>
+                <a:cs typeface="Segoe UI Semibold" panose="020B0702040204020203" pitchFamily="34" charset="0"/>
+              </a:rPr>
               <a:t>Weekly Analysis</a:t>
             </a:r>
           </a:p>
@@ -4767,11 +4918,17 @@
           <a:bodyPr/>
           <a:lstStyle/>
           <a:p>
-            <a:endParaRPr lang="en-US" dirty="0"/>
-          </a:p>
-          <a:p>
-            <a:r>
-              <a:rPr lang="en-US" dirty="0"/>
+            <a:endParaRPr lang="en-US" dirty="0">
+              <a:latin typeface="Arial" panose="020B0604020202020204" pitchFamily="34" charset="0"/>
+              <a:cs typeface="Arial" panose="020B0604020202020204" pitchFamily="34" charset="0"/>
+            </a:endParaRPr>
+          </a:p>
+          <a:p>
+            <a:r>
+              <a:rPr lang="en-US" dirty="0">
+                <a:latin typeface="Arial" panose="020B0604020202020204" pitchFamily="34" charset="0"/>
+                <a:cs typeface="Arial" panose="020B0604020202020204" pitchFamily="34" charset="0"/>
+              </a:rPr>
               <a:t>Friday is the best the day of the week with the highest revenue of 118733.37 </a:t>
             </a:r>
           </a:p>
@@ -4876,7 +5033,10 @@
           <a:lstStyle/>
           <a:p>
             <a:r>
-              <a:rPr lang="en-US" dirty="0"/>
+              <a:rPr lang="en-US" dirty="0">
+                <a:latin typeface="Segoe UI Semibold" panose="020B0702040204020203" pitchFamily="34" charset="0"/>
+                <a:cs typeface="Segoe UI Semibold" panose="020B0702040204020203" pitchFamily="34" charset="0"/>
+              </a:rPr>
               <a:t>Customer Insights</a:t>
             </a:r>
           </a:p>
@@ -4905,35 +5065,55 @@
           </a:xfrm>
         </p:spPr>
         <p:txBody>
-          <a:bodyPr/>
-          <a:lstStyle/>
-          <a:p>
-            <a:r>
-              <a:rPr lang="en-US" dirty="0"/>
+          <a:bodyPr>
+            <a:normAutofit/>
+          </a:bodyPr>
+          <a:lstStyle/>
+          <a:p>
+            <a:r>
+              <a:rPr lang="en-US" dirty="0">
+                <a:latin typeface="Arial" panose="020B0604020202020204" pitchFamily="34" charset="0"/>
+                <a:cs typeface="Arial" panose="020B0604020202020204" pitchFamily="34" charset="0"/>
+              </a:rPr>
               <a:t>Top Ten performing customers are shown in the table.</a:t>
             </a:r>
           </a:p>
           <a:p>
             <a:r>
-              <a:rPr lang="en-US" dirty="0"/>
+              <a:rPr lang="en-US" dirty="0">
+                <a:latin typeface="Arial" panose="020B0604020202020204" pitchFamily="34" charset="0"/>
+                <a:cs typeface="Arial" panose="020B0604020202020204" pitchFamily="34" charset="0"/>
+              </a:rPr>
               <a:t>All customers are repeated </a:t>
             </a:r>
             <a:r>
-              <a:rPr lang="en-US" dirty="0" err="1"/>
+              <a:rPr lang="en-US" dirty="0" err="1">
+                <a:latin typeface="Arial" panose="020B0604020202020204" pitchFamily="34" charset="0"/>
+                <a:cs typeface="Arial" panose="020B0604020202020204" pitchFamily="34" charset="0"/>
+              </a:rPr>
               <a:t>i.e</a:t>
             </a:r>
             <a:r>
-              <a:rPr lang="en-US" dirty="0"/>
+              <a:rPr lang="en-US" dirty="0">
+                <a:latin typeface="Arial" panose="020B0604020202020204" pitchFamily="34" charset="0"/>
+                <a:cs typeface="Arial" panose="020B0604020202020204" pitchFamily="34" charset="0"/>
+              </a:rPr>
               <a:t> no new customers so far.</a:t>
             </a:r>
           </a:p>
           <a:p>
             <a:r>
-              <a:rPr lang="en-US" dirty="0" err="1"/>
+              <a:rPr lang="en-US" dirty="0" err="1">
+                <a:latin typeface="Arial" panose="020B0604020202020204" pitchFamily="34" charset="0"/>
+                <a:cs typeface="Arial" panose="020B0604020202020204" pitchFamily="34" charset="0"/>
+              </a:rPr>
               <a:t>Brightbean</a:t>
             </a:r>
             <a:r>
-              <a:rPr lang="en-US" dirty="0"/>
+              <a:rPr lang="en-US" dirty="0">
+                <a:latin typeface="Arial" panose="020B0604020202020204" pitchFamily="34" charset="0"/>
+                <a:cs typeface="Arial" panose="020B0604020202020204" pitchFamily="34" charset="0"/>
+              </a:rPr>
               <a:t> has the most active buyers compared to other locations.</a:t>
             </a:r>
           </a:p>
@@ -5026,11 +5206,15 @@
                   <a:srgbClr val="1F2328"/>
                 </a:solidFill>
                 <a:effectLst/>
-                <a:latin typeface="-apple-system"/>
+                <a:latin typeface="Segoe UI Semibold" panose="020B0702040204020203" pitchFamily="34" charset="0"/>
+                <a:cs typeface="Segoe UI Semibold" panose="020B0702040204020203" pitchFamily="34" charset="0"/>
               </a:rPr>
               <a:t>Time-Based Analysis</a:t>
             </a:r>
-            <a:endParaRPr lang="en-KE" dirty="0"/>
+            <a:endParaRPr lang="en-KE" dirty="0">
+              <a:latin typeface="Segoe UI Semibold" panose="020B0702040204020203" pitchFamily="34" charset="0"/>
+              <a:cs typeface="Segoe UI Semibold" panose="020B0702040204020203" pitchFamily="34" charset="0"/>
+            </a:endParaRPr>
           </a:p>
         </p:txBody>
       </p:sp>
@@ -5056,7 +5240,10 @@
           <a:lstStyle/>
           <a:p>
             <a:r>
-              <a:rPr lang="en-GB" dirty="0"/>
+              <a:rPr lang="en-GB" dirty="0">
+                <a:latin typeface="Arial" panose="020B0604020202020204" pitchFamily="34" charset="0"/>
+                <a:cs typeface="Arial" panose="020B0604020202020204" pitchFamily="34" charset="0"/>
+              </a:rPr>
               <a:t>1. The sales during the weekdays(69.2%) far exceeded the sales during the weekend(30.8%).</a:t>
             </a:r>
           </a:p>
@@ -5067,7 +5254,8 @@
                   <a:srgbClr val="1F2328"/>
                 </a:solidFill>
                 <a:effectLst/>
-                <a:latin typeface="-apple-system"/>
+                <a:latin typeface="Arial" panose="020B0604020202020204" pitchFamily="34" charset="0"/>
+                <a:cs typeface="Arial" panose="020B0604020202020204" pitchFamily="34" charset="0"/>
               </a:rPr>
               <a:t>2. We were supposed to find the</a:t>
             </a:r>
@@ -5076,7 +5264,8 @@
                 <a:solidFill>
                   <a:srgbClr val="1F2328"/>
                 </a:solidFill>
-                <a:latin typeface="-apple-system"/>
+                <a:latin typeface="Arial" panose="020B0604020202020204" pitchFamily="34" charset="0"/>
+                <a:cs typeface="Arial" panose="020B0604020202020204" pitchFamily="34" charset="0"/>
               </a:rPr>
               <a:t> </a:t>
             </a:r>
@@ -5087,7 +5276,8 @@
                 <a:solidFill>
                   <a:srgbClr val="1F2328"/>
                 </a:solidFill>
-                <a:latin typeface="-apple-system"/>
+                <a:latin typeface="Arial" panose="020B0604020202020204" pitchFamily="34" charset="0"/>
+                <a:cs typeface="Arial" panose="020B0604020202020204" pitchFamily="34" charset="0"/>
               </a:rPr>
               <a:t>peak shopping hours(if timestamp </a:t>
             </a:r>
@@ -5098,7 +5288,8 @@
                 <a:solidFill>
                   <a:srgbClr val="1F2328"/>
                 </a:solidFill>
-                <a:latin typeface="-apple-system"/>
+                <a:latin typeface="Arial" panose="020B0604020202020204" pitchFamily="34" charset="0"/>
+                <a:cs typeface="Arial" panose="020B0604020202020204" pitchFamily="34" charset="0"/>
               </a:rPr>
               <a:t>was available) but the was no</a:t>
             </a:r>
@@ -5109,7 +5300,8 @@
                 <a:solidFill>
                   <a:srgbClr val="1F2328"/>
                 </a:solidFill>
-                <a:latin typeface="-apple-system"/>
+                <a:latin typeface="Arial" panose="020B0604020202020204" pitchFamily="34" charset="0"/>
+                <a:cs typeface="Arial" panose="020B0604020202020204" pitchFamily="34" charset="0"/>
               </a:rPr>
               <a:t> column that indicated time.</a:t>
             </a:r>
@@ -5118,11 +5310,15 @@
                 <a:srgbClr val="1F2328"/>
               </a:solidFill>
               <a:effectLst/>
-              <a:latin typeface="-apple-system"/>
+              <a:latin typeface="Arial" panose="020B0604020202020204" pitchFamily="34" charset="0"/>
+              <a:cs typeface="Arial" panose="020B0604020202020204" pitchFamily="34" charset="0"/>
             </a:endParaRPr>
           </a:p>
           <a:p>
-            <a:endParaRPr lang="en-KE" dirty="0"/>
+            <a:endParaRPr lang="en-KE" dirty="0">
+              <a:latin typeface="Arial" panose="020B0604020202020204" pitchFamily="34" charset="0"/>
+              <a:cs typeface="Arial" panose="020B0604020202020204" pitchFamily="34" charset="0"/>
+            </a:endParaRPr>
           </a:p>
         </p:txBody>
       </p:sp>
@@ -5230,11 +5426,15 @@
                   <a:srgbClr val="1F2328"/>
                 </a:solidFill>
                 <a:effectLst/>
-                <a:latin typeface="-apple-system"/>
+                <a:latin typeface="Segoe UI Semibold" panose="020B0702040204020203" pitchFamily="34" charset="0"/>
+                <a:cs typeface="Segoe UI Semibold" panose="020B0702040204020203" pitchFamily="34" charset="0"/>
               </a:rPr>
               <a:t>Inventory Insights</a:t>
             </a:r>
-            <a:endParaRPr lang="en-KE" dirty="0"/>
+            <a:endParaRPr lang="en-KE" dirty="0">
+              <a:latin typeface="Segoe UI Semibold" panose="020B0702040204020203" pitchFamily="34" charset="0"/>
+              <a:cs typeface="Segoe UI Semibold" panose="020B0702040204020203" pitchFamily="34" charset="0"/>
+            </a:endParaRPr>
           </a:p>
         </p:txBody>
       </p:sp>
@@ -5260,29 +5460,47 @@
           <a:lstStyle/>
           <a:p>
             <a:r>
-              <a:rPr lang="en-GB" dirty="0"/>
+              <a:rPr lang="en-GB" dirty="0">
+                <a:latin typeface="Arial" panose="020B0604020202020204" pitchFamily="34" charset="0"/>
+                <a:cs typeface="Arial" panose="020B0604020202020204" pitchFamily="34" charset="0"/>
+              </a:rPr>
               <a:t>1. The low stock items were; shirts(15%), dresses(19%), pants(20%), </a:t>
             </a:r>
             <a:r>
-              <a:rPr lang="en-GB" dirty="0" err="1"/>
+              <a:rPr lang="en-GB" dirty="0" err="1">
+                <a:latin typeface="Arial" panose="020B0604020202020204" pitchFamily="34" charset="0"/>
+                <a:cs typeface="Arial" panose="020B0604020202020204" pitchFamily="34" charset="0"/>
+              </a:rPr>
               <a:t>assessories</a:t>
             </a:r>
             <a:r>
-              <a:rPr lang="en-GB" dirty="0"/>
+              <a:rPr lang="en-GB" dirty="0">
+                <a:latin typeface="Arial" panose="020B0604020202020204" pitchFamily="34" charset="0"/>
+                <a:cs typeface="Arial" panose="020B0604020202020204" pitchFamily="34" charset="0"/>
+              </a:rPr>
               <a:t>(22%) and shoes(24%) in that order. </a:t>
             </a:r>
           </a:p>
           <a:p>
-            <a:endParaRPr lang="en-GB" dirty="0"/>
-          </a:p>
-          <a:p>
-            <a:r>
-              <a:rPr lang="en-GB" dirty="0"/>
+            <a:endParaRPr lang="en-GB" dirty="0">
+              <a:latin typeface="Arial" panose="020B0604020202020204" pitchFamily="34" charset="0"/>
+              <a:cs typeface="Arial" panose="020B0604020202020204" pitchFamily="34" charset="0"/>
+            </a:endParaRPr>
+          </a:p>
+          <a:p>
+            <a:r>
+              <a:rPr lang="en-GB" dirty="0">
+                <a:latin typeface="Arial" panose="020B0604020202020204" pitchFamily="34" charset="0"/>
+                <a:cs typeface="Arial" panose="020B0604020202020204" pitchFamily="34" charset="0"/>
+              </a:rPr>
               <a:t>2. Shoes were the items that were ordered more thus the ones that were frequently restocked.</a:t>
             </a:r>
           </a:p>
           <a:p>
-            <a:endParaRPr lang="en-KE" dirty="0"/>
+            <a:endParaRPr lang="en-KE" dirty="0">
+              <a:latin typeface="Arial" panose="020B0604020202020204" pitchFamily="34" charset="0"/>
+              <a:cs typeface="Arial" panose="020B0604020202020204" pitchFamily="34" charset="0"/>
+            </a:endParaRPr>
           </a:p>
         </p:txBody>
       </p:sp>
@@ -5385,10 +5603,16 @@
           <a:lstStyle/>
           <a:p>
             <a:r>
-              <a:rPr lang="en-GB" dirty="0"/>
+              <a:rPr lang="en-GB" dirty="0">
+                <a:latin typeface="Segoe UI Semibold" panose="020B0702040204020203" pitchFamily="34" charset="0"/>
+                <a:cs typeface="Segoe UI Semibold" panose="020B0702040204020203" pitchFamily="34" charset="0"/>
+              </a:rPr>
               <a:t>Custom question</a:t>
             </a:r>
-            <a:endParaRPr lang="en-KE" dirty="0"/>
+            <a:endParaRPr lang="en-KE" dirty="0">
+              <a:latin typeface="Segoe UI Semibold" panose="020B0702040204020203" pitchFamily="34" charset="0"/>
+              <a:cs typeface="Segoe UI Semibold" panose="020B0702040204020203" pitchFamily="34" charset="0"/>
+            </a:endParaRPr>
           </a:p>
         </p:txBody>
       </p:sp>
@@ -5414,55 +5638,88 @@
           <a:lstStyle/>
           <a:p>
             <a:r>
-              <a:rPr lang="en-GB" dirty="0"/>
+              <a:rPr lang="en-GB" dirty="0">
+                <a:latin typeface="Arial" panose="020B0604020202020204" pitchFamily="34" charset="0"/>
+                <a:cs typeface="Arial" panose="020B0604020202020204" pitchFamily="34" charset="0"/>
+              </a:rPr>
               <a:t>The average revenue for each category was as follows;</a:t>
             </a:r>
           </a:p>
           <a:p>
             <a:r>
-              <a:rPr lang="en-GB" dirty="0"/>
+              <a:rPr lang="en-GB" dirty="0">
+                <a:latin typeface="Arial" panose="020B0604020202020204" pitchFamily="34" charset="0"/>
+                <a:cs typeface="Arial" panose="020B0604020202020204" pitchFamily="34" charset="0"/>
+              </a:rPr>
               <a:t>Accessories - </a:t>
             </a:r>
             <a:r>
               <a:rPr lang="en-KE" sz="2800" u="none" strike="noStrike" dirty="0">
                 <a:effectLst/>
+                <a:latin typeface="Arial" panose="020B0604020202020204" pitchFamily="34" charset="0"/>
+                <a:cs typeface="Arial" panose="020B0604020202020204" pitchFamily="34" charset="0"/>
               </a:rPr>
               <a:t>6212.08</a:t>
             </a:r>
-            <a:endParaRPr lang="en-GB" dirty="0"/>
-          </a:p>
-          <a:p>
-            <a:r>
-              <a:rPr lang="en-GB" dirty="0"/>
+            <a:endParaRPr lang="en-GB" dirty="0">
+              <a:latin typeface="Arial" panose="020B0604020202020204" pitchFamily="34" charset="0"/>
+              <a:cs typeface="Arial" panose="020B0604020202020204" pitchFamily="34" charset="0"/>
+            </a:endParaRPr>
+          </a:p>
+          <a:p>
+            <a:r>
+              <a:rPr lang="en-GB" dirty="0">
+                <a:latin typeface="Arial" panose="020B0604020202020204" pitchFamily="34" charset="0"/>
+                <a:cs typeface="Arial" panose="020B0604020202020204" pitchFamily="34" charset="0"/>
+              </a:rPr>
               <a:t>Shoes -</a:t>
             </a:r>
             <a:r>
               <a:rPr lang="en-KE" sz="2800" u="none" strike="noStrike" dirty="0">
                 <a:effectLst/>
+                <a:latin typeface="Arial" panose="020B0604020202020204" pitchFamily="34" charset="0"/>
+                <a:cs typeface="Arial" panose="020B0604020202020204" pitchFamily="34" charset="0"/>
               </a:rPr>
               <a:t>5031.76</a:t>
             </a:r>
-            <a:endParaRPr lang="en-GB" dirty="0"/>
-          </a:p>
-          <a:p>
-            <a:r>
-              <a:rPr lang="en-GB" dirty="0"/>
+            <a:endParaRPr lang="en-GB" dirty="0">
+              <a:latin typeface="Arial" panose="020B0604020202020204" pitchFamily="34" charset="0"/>
+              <a:cs typeface="Arial" panose="020B0604020202020204" pitchFamily="34" charset="0"/>
+            </a:endParaRPr>
+          </a:p>
+          <a:p>
+            <a:r>
+              <a:rPr lang="en-GB" dirty="0">
+                <a:latin typeface="Arial" panose="020B0604020202020204" pitchFamily="34" charset="0"/>
+                <a:cs typeface="Arial" panose="020B0604020202020204" pitchFamily="34" charset="0"/>
+              </a:rPr>
               <a:t>Pants -</a:t>
             </a:r>
             <a:r>
               <a:rPr lang="en-KE" sz="2800" u="none" strike="noStrike" dirty="0">
                 <a:effectLst/>
+                <a:latin typeface="Arial" panose="020B0604020202020204" pitchFamily="34" charset="0"/>
+                <a:cs typeface="Arial" panose="020B0604020202020204" pitchFamily="34" charset="0"/>
               </a:rPr>
               <a:t>4551.23</a:t>
             </a:r>
-            <a:endParaRPr lang="en-GB" dirty="0"/>
-          </a:p>
-          <a:p>
-            <a:r>
-              <a:rPr lang="en-GB" dirty="0"/>
+            <a:endParaRPr lang="en-GB" dirty="0">
+              <a:latin typeface="Arial" panose="020B0604020202020204" pitchFamily="34" charset="0"/>
+              <a:cs typeface="Arial" panose="020B0604020202020204" pitchFamily="34" charset="0"/>
+            </a:endParaRPr>
+          </a:p>
+          <a:p>
+            <a:r>
+              <a:rPr lang="en-GB" dirty="0">
+                <a:latin typeface="Arial" panose="020B0604020202020204" pitchFamily="34" charset="0"/>
+                <a:cs typeface="Arial" panose="020B0604020202020204" pitchFamily="34" charset="0"/>
+              </a:rPr>
               <a:t>Dresses – 4009.62</a:t>
             </a:r>
-            <a:endParaRPr lang="en-KE" dirty="0"/>
+            <a:endParaRPr lang="en-KE" dirty="0">
+              <a:latin typeface="Arial" panose="020B0604020202020204" pitchFamily="34" charset="0"/>
+              <a:cs typeface="Arial" panose="020B0604020202020204" pitchFamily="34" charset="0"/>
+            </a:endParaRPr>
           </a:p>
         </p:txBody>
       </p:sp>

--- a/Fashion Retail Analysis 1 updated.pptx
+++ b/Fashion Retail Analysis 1 updated.pptx
@@ -2,7 +2,7 @@
 <file path=ppt/presentation.xml><?xml version="1.0" encoding="utf-8"?>
 <p:presentation xmlns:a="http://schemas.openxmlformats.org/drawingml/2006/main" xmlns:r="http://schemas.openxmlformats.org/officeDocument/2006/relationships" xmlns:p="http://schemas.openxmlformats.org/presentationml/2006/main" saveSubsetFonts="1">
   <p:sldMasterIdLst>
-    <p:sldMasterId id="2147483648" r:id="rId1"/>
+    <p:sldMasterId id="2147483677" r:id="rId1"/>
   </p:sldMasterIdLst>
   <p:sldIdLst>
     <p:sldId id="256" r:id="rId2"/>
@@ -23,7 +23,7 @@
     <a:defPPr>
       <a:defRPr lang="en-US"/>
     </a:defPPr>
-    <a:lvl1pPr marL="0" algn="l" defTabSz="914400" rtl="0" eaLnBrk="1" latinLnBrk="0" hangingPunct="1">
+    <a:lvl1pPr marL="0" algn="l" defTabSz="457200" rtl="0" eaLnBrk="1" latinLnBrk="0" hangingPunct="1">
       <a:defRPr sz="1800" kern="1200">
         <a:solidFill>
           <a:schemeClr val="tx1"/>
@@ -33,7 +33,7 @@
         <a:cs typeface="+mn-cs"/>
       </a:defRPr>
     </a:lvl1pPr>
-    <a:lvl2pPr marL="457200" algn="l" defTabSz="914400" rtl="0" eaLnBrk="1" latinLnBrk="0" hangingPunct="1">
+    <a:lvl2pPr marL="457200" algn="l" defTabSz="457200" rtl="0" eaLnBrk="1" latinLnBrk="0" hangingPunct="1">
       <a:defRPr sz="1800" kern="1200">
         <a:solidFill>
           <a:schemeClr val="tx1"/>
@@ -43,7 +43,7 @@
         <a:cs typeface="+mn-cs"/>
       </a:defRPr>
     </a:lvl2pPr>
-    <a:lvl3pPr marL="914400" algn="l" defTabSz="914400" rtl="0" eaLnBrk="1" latinLnBrk="0" hangingPunct="1">
+    <a:lvl3pPr marL="914400" algn="l" defTabSz="457200" rtl="0" eaLnBrk="1" latinLnBrk="0" hangingPunct="1">
       <a:defRPr sz="1800" kern="1200">
         <a:solidFill>
           <a:schemeClr val="tx1"/>
@@ -53,7 +53,7 @@
         <a:cs typeface="+mn-cs"/>
       </a:defRPr>
     </a:lvl3pPr>
-    <a:lvl4pPr marL="1371600" algn="l" defTabSz="914400" rtl="0" eaLnBrk="1" latinLnBrk="0" hangingPunct="1">
+    <a:lvl4pPr marL="1371600" algn="l" defTabSz="457200" rtl="0" eaLnBrk="1" latinLnBrk="0" hangingPunct="1">
       <a:defRPr sz="1800" kern="1200">
         <a:solidFill>
           <a:schemeClr val="tx1"/>
@@ -63,7 +63,7 @@
         <a:cs typeface="+mn-cs"/>
       </a:defRPr>
     </a:lvl4pPr>
-    <a:lvl5pPr marL="1828800" algn="l" defTabSz="914400" rtl="0" eaLnBrk="1" latinLnBrk="0" hangingPunct="1">
+    <a:lvl5pPr marL="1828800" algn="l" defTabSz="457200" rtl="0" eaLnBrk="1" latinLnBrk="0" hangingPunct="1">
       <a:defRPr sz="1800" kern="1200">
         <a:solidFill>
           <a:schemeClr val="tx1"/>
@@ -73,7 +73,7 @@
         <a:cs typeface="+mn-cs"/>
       </a:defRPr>
     </a:lvl5pPr>
-    <a:lvl6pPr marL="2286000" algn="l" defTabSz="914400" rtl="0" eaLnBrk="1" latinLnBrk="0" hangingPunct="1">
+    <a:lvl6pPr marL="2286000" algn="l" defTabSz="457200" rtl="0" eaLnBrk="1" latinLnBrk="0" hangingPunct="1">
       <a:defRPr sz="1800" kern="1200">
         <a:solidFill>
           <a:schemeClr val="tx1"/>
@@ -83,7 +83,7 @@
         <a:cs typeface="+mn-cs"/>
       </a:defRPr>
     </a:lvl6pPr>
-    <a:lvl7pPr marL="2743200" algn="l" defTabSz="914400" rtl="0" eaLnBrk="1" latinLnBrk="0" hangingPunct="1">
+    <a:lvl7pPr marL="2743200" algn="l" defTabSz="457200" rtl="0" eaLnBrk="1" latinLnBrk="0" hangingPunct="1">
       <a:defRPr sz="1800" kern="1200">
         <a:solidFill>
           <a:schemeClr val="tx1"/>
@@ -93,7 +93,7 @@
         <a:cs typeface="+mn-cs"/>
       </a:defRPr>
     </a:lvl7pPr>
-    <a:lvl8pPr marL="3200400" algn="l" defTabSz="914400" rtl="0" eaLnBrk="1" latinLnBrk="0" hangingPunct="1">
+    <a:lvl8pPr marL="3200400" algn="l" defTabSz="457200" rtl="0" eaLnBrk="1" latinLnBrk="0" hangingPunct="1">
       <a:defRPr sz="1800" kern="1200">
         <a:solidFill>
           <a:schemeClr val="tx1"/>
@@ -103,7 +103,7 @@
         <a:cs typeface="+mn-cs"/>
       </a:defRPr>
     </a:lvl8pPr>
-    <a:lvl9pPr marL="3657600" algn="l" defTabSz="914400" rtl="0" eaLnBrk="1" latinLnBrk="0" hangingPunct="1">
+    <a:lvl9pPr marL="3657600" algn="l" defTabSz="457200" rtl="0" eaLnBrk="1" latinLnBrk="0" hangingPunct="1">
       <a:defRPr sz="1800" kern="1200">
         <a:solidFill>
           <a:schemeClr val="tx1"/>
@@ -141,13 +141,7 @@
       </p:grpSpPr>
       <p:sp>
         <p:nvSpPr>
-          <p:cNvPr id="2" name="Title 1">
-            <a:extLst>
-              <a:ext uri="{FF2B5EF4-FFF2-40B4-BE49-F238E27FC236}">
-                <a16:creationId xmlns:a16="http://schemas.microsoft.com/office/drawing/2014/main" id="{1B7B326A-BA59-CC43-D124-FB492FD33A27}"/>
-              </a:ext>
-            </a:extLst>
-          </p:cNvPr>
+          <p:cNvPr id="2" name="Title 1"/>
           <p:cNvSpPr>
             <a:spLocks noGrp="1"/>
           </p:cNvSpPr>
@@ -157,34 +151,29 @@
         </p:nvSpPr>
         <p:spPr>
           <a:xfrm>
-            <a:off x="1524000" y="1122363"/>
-            <a:ext cx="9144000" cy="2387600"/>
+            <a:off x="1154955" y="1447800"/>
+            <a:ext cx="8825658" cy="3329581"/>
           </a:xfrm>
         </p:spPr>
         <p:txBody>
           <a:bodyPr anchor="b"/>
           <a:lstStyle>
-            <a:lvl1pPr algn="ctr">
-              <a:defRPr sz="6000"/>
+            <a:lvl1pPr>
+              <a:defRPr sz="7200"/>
             </a:lvl1pPr>
           </a:lstStyle>
           <a:p>
             <a:r>
-              <a:rPr lang="en-US"/>
+              <a:rPr lang="en-US" smtClean="0"/>
               <a:t>Click to edit Master title style</a:t>
             </a:r>
-          </a:p>
-        </p:txBody>
-      </p:sp>
-      <p:sp>
-        <p:nvSpPr>
-          <p:cNvPr id="3" name="Subtitle 2">
-            <a:extLst>
-              <a:ext uri="{FF2B5EF4-FFF2-40B4-BE49-F238E27FC236}">
-                <a16:creationId xmlns:a16="http://schemas.microsoft.com/office/drawing/2014/main" id="{B83A3A39-020F-BF25-62C7-20CA6D9C63E3}"/>
-              </a:ext>
-            </a:extLst>
-          </p:cNvPr>
+            <a:endParaRPr lang="en-US" dirty="0"/>
+          </a:p>
+        </p:txBody>
+      </p:sp>
+      <p:sp>
+        <p:nvSpPr>
+          <p:cNvPr id="3" name="Subtitle 2"/>
           <p:cNvSpPr>
             <a:spLocks noGrp="1"/>
           </p:cNvSpPr>
@@ -194,67 +183,117 @@
         </p:nvSpPr>
         <p:spPr>
           <a:xfrm>
-            <a:off x="1524000" y="3602038"/>
-            <a:ext cx="9144000" cy="1655762"/>
+            <a:off x="1154955" y="4777380"/>
+            <a:ext cx="8825658" cy="861420"/>
           </a:xfrm>
         </p:spPr>
         <p:txBody>
-          <a:bodyPr/>
+          <a:bodyPr anchor="t"/>
           <a:lstStyle>
-            <a:lvl1pPr marL="0" indent="0" algn="ctr">
-              <a:buNone/>
-              <a:defRPr sz="2400"/>
+            <a:lvl1pPr marL="0" indent="0" algn="l">
+              <a:buNone/>
+              <a:defRPr cap="all">
+                <a:solidFill>
+                  <a:schemeClr val="bg2">
+                    <a:lumMod val="40000"/>
+                    <a:lumOff val="60000"/>
+                  </a:schemeClr>
+                </a:solidFill>
+              </a:defRPr>
             </a:lvl1pPr>
             <a:lvl2pPr marL="457200" indent="0" algn="ctr">
               <a:buNone/>
-              <a:defRPr sz="2000"/>
+              <a:defRPr>
+                <a:solidFill>
+                  <a:schemeClr val="tx1">
+                    <a:tint val="75000"/>
+                  </a:schemeClr>
+                </a:solidFill>
+              </a:defRPr>
             </a:lvl2pPr>
             <a:lvl3pPr marL="914400" indent="0" algn="ctr">
               <a:buNone/>
-              <a:defRPr sz="1800"/>
+              <a:defRPr>
+                <a:solidFill>
+                  <a:schemeClr val="tx1">
+                    <a:tint val="75000"/>
+                  </a:schemeClr>
+                </a:solidFill>
+              </a:defRPr>
             </a:lvl3pPr>
             <a:lvl4pPr marL="1371600" indent="0" algn="ctr">
               <a:buNone/>
-              <a:defRPr sz="1600"/>
+              <a:defRPr>
+                <a:solidFill>
+                  <a:schemeClr val="tx1">
+                    <a:tint val="75000"/>
+                  </a:schemeClr>
+                </a:solidFill>
+              </a:defRPr>
             </a:lvl4pPr>
             <a:lvl5pPr marL="1828800" indent="0" algn="ctr">
               <a:buNone/>
-              <a:defRPr sz="1600"/>
+              <a:defRPr>
+                <a:solidFill>
+                  <a:schemeClr val="tx1">
+                    <a:tint val="75000"/>
+                  </a:schemeClr>
+                </a:solidFill>
+              </a:defRPr>
             </a:lvl5pPr>
             <a:lvl6pPr marL="2286000" indent="0" algn="ctr">
               <a:buNone/>
-              <a:defRPr sz="1600"/>
+              <a:defRPr>
+                <a:solidFill>
+                  <a:schemeClr val="tx1">
+                    <a:tint val="75000"/>
+                  </a:schemeClr>
+                </a:solidFill>
+              </a:defRPr>
             </a:lvl6pPr>
             <a:lvl7pPr marL="2743200" indent="0" algn="ctr">
               <a:buNone/>
-              <a:defRPr sz="1600"/>
+              <a:defRPr>
+                <a:solidFill>
+                  <a:schemeClr val="tx1">
+                    <a:tint val="75000"/>
+                  </a:schemeClr>
+                </a:solidFill>
+              </a:defRPr>
             </a:lvl7pPr>
             <a:lvl8pPr marL="3200400" indent="0" algn="ctr">
               <a:buNone/>
-              <a:defRPr sz="1600"/>
+              <a:defRPr>
+                <a:solidFill>
+                  <a:schemeClr val="tx1">
+                    <a:tint val="75000"/>
+                  </a:schemeClr>
+                </a:solidFill>
+              </a:defRPr>
             </a:lvl8pPr>
             <a:lvl9pPr marL="3657600" indent="0" algn="ctr">
               <a:buNone/>
-              <a:defRPr sz="1600"/>
+              <a:defRPr>
+                <a:solidFill>
+                  <a:schemeClr val="tx1">
+                    <a:tint val="75000"/>
+                  </a:schemeClr>
+                </a:solidFill>
+              </a:defRPr>
             </a:lvl9pPr>
           </a:lstStyle>
           <a:p>
             <a:r>
-              <a:rPr lang="en-US"/>
+              <a:rPr lang="en-US" smtClean="0"/>
               <a:t>Click to edit Master subtitle style</a:t>
             </a:r>
-          </a:p>
-        </p:txBody>
-      </p:sp>
-      <p:sp>
-        <p:nvSpPr>
-          <p:cNvPr id="4" name="Date Placeholder 3">
-            <a:extLst>
-              <a:ext uri="{FF2B5EF4-FFF2-40B4-BE49-F238E27FC236}">
-                <a16:creationId xmlns:a16="http://schemas.microsoft.com/office/drawing/2014/main" id="{86068187-FA8D-E022-FC8A-77AE751380A4}"/>
-              </a:ext>
-            </a:extLst>
-          </p:cNvPr>
+            <a:endParaRPr lang="en-US" dirty="0"/>
+          </a:p>
+        </p:txBody>
+      </p:sp>
+      <p:sp>
+        <p:nvSpPr>
+          <p:cNvPr id="4" name="Date Placeholder 3"/>
           <p:cNvSpPr>
             <a:spLocks noGrp="1"/>
           </p:cNvSpPr>
@@ -277,13 +316,7 @@
       </p:sp>
       <p:sp>
         <p:nvSpPr>
-          <p:cNvPr id="5" name="Footer Placeholder 4">
-            <a:extLst>
-              <a:ext uri="{FF2B5EF4-FFF2-40B4-BE49-F238E27FC236}">
-                <a16:creationId xmlns:a16="http://schemas.microsoft.com/office/drawing/2014/main" id="{FA319A30-53D0-E5C6-6C8A-7275667196A9}"/>
-              </a:ext>
-            </a:extLst>
-          </p:cNvPr>
+          <p:cNvPr id="5" name="Footer Placeholder 4"/>
           <p:cNvSpPr>
             <a:spLocks noGrp="1"/>
           </p:cNvSpPr>
@@ -302,13 +335,7 @@
       </p:sp>
       <p:sp>
         <p:nvSpPr>
-          <p:cNvPr id="6" name="Slide Number Placeholder 5">
-            <a:extLst>
-              <a:ext uri="{FF2B5EF4-FFF2-40B4-BE49-F238E27FC236}">
-                <a16:creationId xmlns:a16="http://schemas.microsoft.com/office/drawing/2014/main" id="{473C30BB-4575-20E3-ED2C-63644C2083C8}"/>
-              </a:ext>
-            </a:extLst>
-          </p:cNvPr>
+          <p:cNvPr id="6" name="Slide Number Placeholder 5"/>
           <p:cNvSpPr>
             <a:spLocks noGrp="1"/>
           </p:cNvSpPr>
@@ -332,7 +359,7 @@
     </p:spTree>
     <p:extLst>
       <p:ext uri="{BB962C8B-B14F-4D97-AF65-F5344CB8AC3E}">
-        <p14:creationId xmlns:p14="http://schemas.microsoft.com/office/powerpoint/2010/main" val="592609374"/>
+        <p14:creationId xmlns:p14="http://schemas.microsoft.com/office/powerpoint/2010/main" val="263138259"/>
       </p:ext>
     </p:extLst>
   </p:cSld>
@@ -343,6 +370,2572 @@
 </file>
 
 <file path=ppt/slideLayouts/slideLayout10.xml><?xml version="1.0" encoding="utf-8"?>
+<p:sldLayout xmlns:a="http://schemas.openxmlformats.org/drawingml/2006/main" xmlns:r="http://schemas.openxmlformats.org/officeDocument/2006/relationships" xmlns:p="http://schemas.openxmlformats.org/presentationml/2006/main" preserve="1">
+  <p:cSld name="Panoramic Picture with Caption">
+    <p:spTree>
+      <p:nvGrpSpPr>
+        <p:cNvPr id="1" name=""/>
+        <p:cNvGrpSpPr/>
+        <p:nvPr/>
+      </p:nvGrpSpPr>
+      <p:grpSpPr>
+        <a:xfrm>
+          <a:off x="0" y="0"/>
+          <a:ext cx="0" cy="0"/>
+          <a:chOff x="0" y="0"/>
+          <a:chExt cx="0" cy="0"/>
+        </a:xfrm>
+      </p:grpSpPr>
+      <p:sp>
+        <p:nvSpPr>
+          <p:cNvPr id="2" name="Title 1"/>
+          <p:cNvSpPr>
+            <a:spLocks noGrp="1"/>
+          </p:cNvSpPr>
+          <p:nvPr>
+            <p:ph type="title"/>
+          </p:nvPr>
+        </p:nvSpPr>
+        <p:spPr>
+          <a:xfrm>
+            <a:off x="1154956" y="4800587"/>
+            <a:ext cx="8825657" cy="566738"/>
+          </a:xfrm>
+        </p:spPr>
+        <p:txBody>
+          <a:bodyPr anchor="b">
+            <a:normAutofit/>
+          </a:bodyPr>
+          <a:lstStyle>
+            <a:lvl1pPr algn="l">
+              <a:defRPr sz="2400" b="0"/>
+            </a:lvl1pPr>
+          </a:lstStyle>
+          <a:p>
+            <a:r>
+              <a:rPr lang="en-US" smtClean="0"/>
+              <a:t>Click to edit Master title style</a:t>
+            </a:r>
+            <a:endParaRPr lang="en-US" dirty="0"/>
+          </a:p>
+        </p:txBody>
+      </p:sp>
+      <p:sp>
+        <p:nvSpPr>
+          <p:cNvPr id="3" name="Picture Placeholder 2"/>
+          <p:cNvSpPr>
+            <a:spLocks noGrp="1" noChangeAspect="1"/>
+          </p:cNvSpPr>
+          <p:nvPr>
+            <p:ph type="pic" idx="1"/>
+          </p:nvPr>
+        </p:nvSpPr>
+        <p:spPr>
+          <a:xfrm>
+            <a:off x="1154955" y="685800"/>
+            <a:ext cx="8825658" cy="3640666"/>
+          </a:xfrm>
+          <a:prstGeom prst="roundRect">
+            <a:avLst>
+              <a:gd name="adj" fmla="val 1858"/>
+            </a:avLst>
+          </a:prstGeom>
+          <a:effectLst>
+            <a:outerShdw blurRad="50800" dist="50800" dir="5400000" algn="tl" rotWithShape="0">
+              <a:srgbClr val="000000">
+                <a:alpha val="43000"/>
+              </a:srgbClr>
+            </a:outerShdw>
+          </a:effectLst>
+        </p:spPr>
+        <p:txBody>
+          <a:bodyPr anchor="t">
+            <a:normAutofit/>
+          </a:bodyPr>
+          <a:lstStyle>
+            <a:lvl1pPr marL="0" indent="0" algn="ctr">
+              <a:buNone/>
+              <a:defRPr sz="1600"/>
+            </a:lvl1pPr>
+            <a:lvl2pPr marL="457200" indent="0">
+              <a:buNone/>
+              <a:defRPr sz="1600"/>
+            </a:lvl2pPr>
+            <a:lvl3pPr marL="914400" indent="0">
+              <a:buNone/>
+              <a:defRPr sz="1600"/>
+            </a:lvl3pPr>
+            <a:lvl4pPr marL="1371600" indent="0">
+              <a:buNone/>
+              <a:defRPr sz="1600"/>
+            </a:lvl4pPr>
+            <a:lvl5pPr marL="1828800" indent="0">
+              <a:buNone/>
+              <a:defRPr sz="1600"/>
+            </a:lvl5pPr>
+            <a:lvl6pPr marL="2286000" indent="0">
+              <a:buNone/>
+              <a:defRPr sz="1600"/>
+            </a:lvl6pPr>
+            <a:lvl7pPr marL="2743200" indent="0">
+              <a:buNone/>
+              <a:defRPr sz="1600"/>
+            </a:lvl7pPr>
+            <a:lvl8pPr marL="3200400" indent="0">
+              <a:buNone/>
+              <a:defRPr sz="1600"/>
+            </a:lvl8pPr>
+            <a:lvl9pPr marL="3657600" indent="0">
+              <a:buNone/>
+              <a:defRPr sz="1600"/>
+            </a:lvl9pPr>
+          </a:lstStyle>
+          <a:p>
+            <a:r>
+              <a:rPr lang="en-US" smtClean="0"/>
+              <a:t>Click icon to add picture</a:t>
+            </a:r>
+            <a:endParaRPr lang="en-US" dirty="0"/>
+          </a:p>
+        </p:txBody>
+      </p:sp>
+      <p:sp>
+        <p:nvSpPr>
+          <p:cNvPr id="4" name="Text Placeholder 3"/>
+          <p:cNvSpPr>
+            <a:spLocks noGrp="1"/>
+          </p:cNvSpPr>
+          <p:nvPr>
+            <p:ph type="body" sz="half" idx="2"/>
+          </p:nvPr>
+        </p:nvSpPr>
+        <p:spPr>
+          <a:xfrm>
+            <a:off x="1154956" y="5367325"/>
+            <a:ext cx="8825656" cy="493712"/>
+          </a:xfrm>
+        </p:spPr>
+        <p:txBody>
+          <a:bodyPr>
+            <a:normAutofit/>
+          </a:bodyPr>
+          <a:lstStyle>
+            <a:lvl1pPr marL="0" indent="0">
+              <a:buNone/>
+              <a:defRPr sz="1200"/>
+            </a:lvl1pPr>
+            <a:lvl2pPr marL="457200" indent="0">
+              <a:buNone/>
+              <a:defRPr sz="1200"/>
+            </a:lvl2pPr>
+            <a:lvl3pPr marL="914400" indent="0">
+              <a:buNone/>
+              <a:defRPr sz="1000"/>
+            </a:lvl3pPr>
+            <a:lvl4pPr marL="1371600" indent="0">
+              <a:buNone/>
+              <a:defRPr sz="900"/>
+            </a:lvl4pPr>
+            <a:lvl5pPr marL="1828800" indent="0">
+              <a:buNone/>
+              <a:defRPr sz="900"/>
+            </a:lvl5pPr>
+            <a:lvl6pPr marL="2286000" indent="0">
+              <a:buNone/>
+              <a:defRPr sz="900"/>
+            </a:lvl6pPr>
+            <a:lvl7pPr marL="2743200" indent="0">
+              <a:buNone/>
+              <a:defRPr sz="900"/>
+            </a:lvl7pPr>
+            <a:lvl8pPr marL="3200400" indent="0">
+              <a:buNone/>
+              <a:defRPr sz="900"/>
+            </a:lvl8pPr>
+            <a:lvl9pPr marL="3657600" indent="0">
+              <a:buNone/>
+              <a:defRPr sz="900"/>
+            </a:lvl9pPr>
+          </a:lstStyle>
+          <a:p>
+            <a:pPr lvl="0"/>
+            <a:r>
+              <a:rPr lang="en-US" smtClean="0"/>
+              <a:t>Edit Master text styles</a:t>
+            </a:r>
+          </a:p>
+        </p:txBody>
+      </p:sp>
+      <p:sp>
+        <p:nvSpPr>
+          <p:cNvPr id="5" name="Date Placeholder 4"/>
+          <p:cNvSpPr>
+            <a:spLocks noGrp="1"/>
+          </p:cNvSpPr>
+          <p:nvPr>
+            <p:ph type="dt" sz="half" idx="10"/>
+          </p:nvPr>
+        </p:nvSpPr>
+        <p:spPr/>
+        <p:txBody>
+          <a:bodyPr/>
+          <a:lstStyle/>
+          <a:p>
+            <a:fld id="{A1421AF3-02C3-42CC-BF7E-19BA98888225}" type="datetimeFigureOut">
+              <a:rPr lang="en-US" smtClean="0"/>
+              <a:t>4/14/2025</a:t>
+            </a:fld>
+            <a:endParaRPr lang="en-US"/>
+          </a:p>
+        </p:txBody>
+      </p:sp>
+      <p:sp>
+        <p:nvSpPr>
+          <p:cNvPr id="6" name="Footer Placeholder 5"/>
+          <p:cNvSpPr>
+            <a:spLocks noGrp="1"/>
+          </p:cNvSpPr>
+          <p:nvPr>
+            <p:ph type="ftr" sz="quarter" idx="11"/>
+          </p:nvPr>
+        </p:nvSpPr>
+        <p:spPr/>
+        <p:txBody>
+          <a:bodyPr/>
+          <a:lstStyle/>
+          <a:p>
+            <a:endParaRPr lang="en-US"/>
+          </a:p>
+        </p:txBody>
+      </p:sp>
+      <p:sp>
+        <p:nvSpPr>
+          <p:cNvPr id="7" name="Slide Number Placeholder 6"/>
+          <p:cNvSpPr>
+            <a:spLocks noGrp="1"/>
+          </p:cNvSpPr>
+          <p:nvPr>
+            <p:ph type="sldNum" sz="quarter" idx="12"/>
+          </p:nvPr>
+        </p:nvSpPr>
+        <p:spPr/>
+        <p:txBody>
+          <a:bodyPr/>
+          <a:lstStyle/>
+          <a:p>
+            <a:fld id="{582FC3B6-09A2-4C22-83B5-27217B3E17AF}" type="slidenum">
+              <a:rPr lang="en-US" smtClean="0"/>
+              <a:t>‹#›</a:t>
+            </a:fld>
+            <a:endParaRPr lang="en-US"/>
+          </a:p>
+        </p:txBody>
+      </p:sp>
+    </p:spTree>
+    <p:extLst>
+      <p:ext uri="{BB962C8B-B14F-4D97-AF65-F5344CB8AC3E}">
+        <p14:creationId xmlns:p14="http://schemas.microsoft.com/office/powerpoint/2010/main" val="2847931546"/>
+      </p:ext>
+    </p:extLst>
+  </p:cSld>
+  <p:clrMapOvr>
+    <a:masterClrMapping/>
+  </p:clrMapOvr>
+</p:sldLayout>
+</file>
+
+<file path=ppt/slideLayouts/slideLayout11.xml><?xml version="1.0" encoding="utf-8"?>
+<p:sldLayout xmlns:a="http://schemas.openxmlformats.org/drawingml/2006/main" xmlns:r="http://schemas.openxmlformats.org/officeDocument/2006/relationships" xmlns:p="http://schemas.openxmlformats.org/presentationml/2006/main" preserve="1">
+  <p:cSld name="Title and Caption">
+    <p:spTree>
+      <p:nvGrpSpPr>
+        <p:cNvPr id="1" name=""/>
+        <p:cNvGrpSpPr/>
+        <p:nvPr/>
+      </p:nvGrpSpPr>
+      <p:grpSpPr>
+        <a:xfrm>
+          <a:off x="0" y="0"/>
+          <a:ext cx="0" cy="0"/>
+          <a:chOff x="0" y="0"/>
+          <a:chExt cx="0" cy="0"/>
+        </a:xfrm>
+      </p:grpSpPr>
+      <p:sp>
+        <p:nvSpPr>
+          <p:cNvPr id="2" name="Title 1"/>
+          <p:cNvSpPr>
+            <a:spLocks noGrp="1"/>
+          </p:cNvSpPr>
+          <p:nvPr>
+            <p:ph type="title"/>
+          </p:nvPr>
+        </p:nvSpPr>
+        <p:spPr>
+          <a:xfrm>
+            <a:off x="1154954" y="1447800"/>
+            <a:ext cx="8825659" cy="1981200"/>
+          </a:xfrm>
+        </p:spPr>
+        <p:txBody>
+          <a:bodyPr/>
+          <a:lstStyle>
+            <a:lvl1pPr>
+              <a:defRPr sz="4800"/>
+            </a:lvl1pPr>
+          </a:lstStyle>
+          <a:p>
+            <a:r>
+              <a:rPr lang="en-US" smtClean="0"/>
+              <a:t>Click to edit Master title style</a:t>
+            </a:r>
+            <a:endParaRPr lang="en-US" dirty="0"/>
+          </a:p>
+        </p:txBody>
+      </p:sp>
+      <p:sp>
+        <p:nvSpPr>
+          <p:cNvPr id="8" name="Text Placeholder 3"/>
+          <p:cNvSpPr>
+            <a:spLocks noGrp="1"/>
+          </p:cNvSpPr>
+          <p:nvPr>
+            <p:ph type="body" sz="half" idx="2"/>
+          </p:nvPr>
+        </p:nvSpPr>
+        <p:spPr>
+          <a:xfrm>
+            <a:off x="1154954" y="3657600"/>
+            <a:ext cx="8825659" cy="2362200"/>
+          </a:xfrm>
+        </p:spPr>
+        <p:txBody>
+          <a:bodyPr anchor="ctr">
+            <a:normAutofit/>
+          </a:bodyPr>
+          <a:lstStyle>
+            <a:lvl1pPr marL="0" indent="0">
+              <a:buNone/>
+              <a:defRPr sz="1800"/>
+            </a:lvl1pPr>
+            <a:lvl2pPr marL="457200" indent="0">
+              <a:buNone/>
+              <a:defRPr sz="1200"/>
+            </a:lvl2pPr>
+            <a:lvl3pPr marL="914400" indent="0">
+              <a:buNone/>
+              <a:defRPr sz="1000"/>
+            </a:lvl3pPr>
+            <a:lvl4pPr marL="1371600" indent="0">
+              <a:buNone/>
+              <a:defRPr sz="900"/>
+            </a:lvl4pPr>
+            <a:lvl5pPr marL="1828800" indent="0">
+              <a:buNone/>
+              <a:defRPr sz="900"/>
+            </a:lvl5pPr>
+            <a:lvl6pPr marL="2286000" indent="0">
+              <a:buNone/>
+              <a:defRPr sz="900"/>
+            </a:lvl6pPr>
+            <a:lvl7pPr marL="2743200" indent="0">
+              <a:buNone/>
+              <a:defRPr sz="900"/>
+            </a:lvl7pPr>
+            <a:lvl8pPr marL="3200400" indent="0">
+              <a:buNone/>
+              <a:defRPr sz="900"/>
+            </a:lvl8pPr>
+            <a:lvl9pPr marL="3657600" indent="0">
+              <a:buNone/>
+              <a:defRPr sz="900"/>
+            </a:lvl9pPr>
+          </a:lstStyle>
+          <a:p>
+            <a:pPr lvl="0"/>
+            <a:r>
+              <a:rPr lang="en-US" smtClean="0"/>
+              <a:t>Edit Master text styles</a:t>
+            </a:r>
+          </a:p>
+        </p:txBody>
+      </p:sp>
+      <p:sp>
+        <p:nvSpPr>
+          <p:cNvPr id="4" name="Date Placeholder 3"/>
+          <p:cNvSpPr>
+            <a:spLocks noGrp="1"/>
+          </p:cNvSpPr>
+          <p:nvPr>
+            <p:ph type="dt" sz="half" idx="10"/>
+          </p:nvPr>
+        </p:nvSpPr>
+        <p:spPr/>
+        <p:txBody>
+          <a:bodyPr/>
+          <a:lstStyle/>
+          <a:p>
+            <a:fld id="{A1421AF3-02C3-42CC-BF7E-19BA98888225}" type="datetimeFigureOut">
+              <a:rPr lang="en-US" smtClean="0"/>
+              <a:t>4/14/2025</a:t>
+            </a:fld>
+            <a:endParaRPr lang="en-US"/>
+          </a:p>
+        </p:txBody>
+      </p:sp>
+      <p:sp>
+        <p:nvSpPr>
+          <p:cNvPr id="5" name="Footer Placeholder 4"/>
+          <p:cNvSpPr>
+            <a:spLocks noGrp="1"/>
+          </p:cNvSpPr>
+          <p:nvPr>
+            <p:ph type="ftr" sz="quarter" idx="11"/>
+          </p:nvPr>
+        </p:nvSpPr>
+        <p:spPr/>
+        <p:txBody>
+          <a:bodyPr/>
+          <a:lstStyle/>
+          <a:p>
+            <a:endParaRPr lang="en-US"/>
+          </a:p>
+        </p:txBody>
+      </p:sp>
+      <p:sp>
+        <p:nvSpPr>
+          <p:cNvPr id="6" name="Slide Number Placeholder 5"/>
+          <p:cNvSpPr>
+            <a:spLocks noGrp="1"/>
+          </p:cNvSpPr>
+          <p:nvPr>
+            <p:ph type="sldNum" sz="quarter" idx="12"/>
+          </p:nvPr>
+        </p:nvSpPr>
+        <p:spPr/>
+        <p:txBody>
+          <a:bodyPr/>
+          <a:lstStyle/>
+          <a:p>
+            <a:fld id="{582FC3B6-09A2-4C22-83B5-27217B3E17AF}" type="slidenum">
+              <a:rPr lang="en-US" smtClean="0"/>
+              <a:t>‹#›</a:t>
+            </a:fld>
+            <a:endParaRPr lang="en-US"/>
+          </a:p>
+        </p:txBody>
+      </p:sp>
+    </p:spTree>
+    <p:extLst>
+      <p:ext uri="{BB962C8B-B14F-4D97-AF65-F5344CB8AC3E}">
+        <p14:creationId xmlns:p14="http://schemas.microsoft.com/office/powerpoint/2010/main" val="3852689492"/>
+      </p:ext>
+    </p:extLst>
+  </p:cSld>
+  <p:clrMapOvr>
+    <a:masterClrMapping/>
+  </p:clrMapOvr>
+</p:sldLayout>
+</file>
+
+<file path=ppt/slideLayouts/slideLayout12.xml><?xml version="1.0" encoding="utf-8"?>
+<p:sldLayout xmlns:a="http://schemas.openxmlformats.org/drawingml/2006/main" xmlns:r="http://schemas.openxmlformats.org/officeDocument/2006/relationships" xmlns:p="http://schemas.openxmlformats.org/presentationml/2006/main" preserve="1">
+  <p:cSld name="Quote with Caption">
+    <p:spTree>
+      <p:nvGrpSpPr>
+        <p:cNvPr id="1" name=""/>
+        <p:cNvGrpSpPr/>
+        <p:nvPr/>
+      </p:nvGrpSpPr>
+      <p:grpSpPr>
+        <a:xfrm>
+          <a:off x="0" y="0"/>
+          <a:ext cx="0" cy="0"/>
+          <a:chOff x="0" y="0"/>
+          <a:chExt cx="0" cy="0"/>
+        </a:xfrm>
+      </p:grpSpPr>
+      <p:sp>
+        <p:nvSpPr>
+          <p:cNvPr id="2" name="Title 1"/>
+          <p:cNvSpPr>
+            <a:spLocks noGrp="1"/>
+          </p:cNvSpPr>
+          <p:nvPr>
+            <p:ph type="title"/>
+          </p:nvPr>
+        </p:nvSpPr>
+        <p:spPr>
+          <a:xfrm>
+            <a:off x="1574801" y="1447800"/>
+            <a:ext cx="7999315" cy="2323374"/>
+          </a:xfrm>
+        </p:spPr>
+        <p:txBody>
+          <a:bodyPr/>
+          <a:lstStyle>
+            <a:lvl1pPr>
+              <a:defRPr sz="4800"/>
+            </a:lvl1pPr>
+          </a:lstStyle>
+          <a:p>
+            <a:r>
+              <a:rPr lang="en-US" smtClean="0"/>
+              <a:t>Click to edit Master title style</a:t>
+            </a:r>
+            <a:endParaRPr lang="en-US" dirty="0"/>
+          </a:p>
+        </p:txBody>
+      </p:sp>
+      <p:sp>
+        <p:nvSpPr>
+          <p:cNvPr id="11" name="Text Placeholder 3"/>
+          <p:cNvSpPr>
+            <a:spLocks noGrp="1"/>
+          </p:cNvSpPr>
+          <p:nvPr>
+            <p:ph type="body" sz="half" idx="14"/>
+          </p:nvPr>
+        </p:nvSpPr>
+        <p:spPr>
+          <a:xfrm>
+            <a:off x="1930400" y="3771174"/>
+            <a:ext cx="7279649" cy="342174"/>
+          </a:xfrm>
+        </p:spPr>
+        <p:txBody>
+          <a:bodyPr vert="horz" lIns="91440" tIns="45720" rIns="91440" bIns="45720" rtlCol="0" anchor="t">
+            <a:normAutofit/>
+          </a:bodyPr>
+          <a:lstStyle>
+            <a:lvl1pPr marL="0" indent="0">
+              <a:buNone/>
+              <a:defRPr lang="en-US" sz="1400" b="0" i="0" kern="1200" cap="small" dirty="0">
+                <a:solidFill>
+                  <a:schemeClr val="bg2">
+                    <a:lumMod val="40000"/>
+                    <a:lumOff val="60000"/>
+                  </a:schemeClr>
+                </a:solidFill>
+                <a:latin typeface="+mj-lt"/>
+                <a:ea typeface="+mj-ea"/>
+                <a:cs typeface="+mj-cs"/>
+              </a:defRPr>
+            </a:lvl1pPr>
+            <a:lvl2pPr marL="457200" indent="0">
+              <a:buNone/>
+              <a:defRPr sz="1200"/>
+            </a:lvl2pPr>
+            <a:lvl3pPr marL="914400" indent="0">
+              <a:buNone/>
+              <a:defRPr sz="1000"/>
+            </a:lvl3pPr>
+            <a:lvl4pPr marL="1371600" indent="0">
+              <a:buNone/>
+              <a:defRPr sz="900"/>
+            </a:lvl4pPr>
+            <a:lvl5pPr marL="1828800" indent="0">
+              <a:buNone/>
+              <a:defRPr sz="900"/>
+            </a:lvl5pPr>
+            <a:lvl6pPr marL="2286000" indent="0">
+              <a:buNone/>
+              <a:defRPr sz="900"/>
+            </a:lvl6pPr>
+            <a:lvl7pPr marL="2743200" indent="0">
+              <a:buNone/>
+              <a:defRPr sz="900"/>
+            </a:lvl7pPr>
+            <a:lvl8pPr marL="3200400" indent="0">
+              <a:buNone/>
+              <a:defRPr sz="900"/>
+            </a:lvl8pPr>
+            <a:lvl9pPr marL="3657600" indent="0">
+              <a:buNone/>
+              <a:defRPr sz="900"/>
+            </a:lvl9pPr>
+          </a:lstStyle>
+          <a:p>
+            <a:pPr marL="0" lvl="0" indent="0">
+              <a:buNone/>
+            </a:pPr>
+            <a:r>
+              <a:rPr lang="en-US" smtClean="0"/>
+              <a:t>Edit Master text styles</a:t>
+            </a:r>
+          </a:p>
+        </p:txBody>
+      </p:sp>
+      <p:sp>
+        <p:nvSpPr>
+          <p:cNvPr id="10" name="Text Placeholder 3"/>
+          <p:cNvSpPr>
+            <a:spLocks noGrp="1"/>
+          </p:cNvSpPr>
+          <p:nvPr>
+            <p:ph type="body" sz="half" idx="2"/>
+          </p:nvPr>
+        </p:nvSpPr>
+        <p:spPr>
+          <a:xfrm>
+            <a:off x="1154954" y="4350657"/>
+            <a:ext cx="8825659" cy="1676400"/>
+          </a:xfrm>
+        </p:spPr>
+        <p:txBody>
+          <a:bodyPr anchor="ctr">
+            <a:normAutofit/>
+          </a:bodyPr>
+          <a:lstStyle>
+            <a:lvl1pPr marL="0" indent="0">
+              <a:buNone/>
+              <a:defRPr sz="1800"/>
+            </a:lvl1pPr>
+            <a:lvl2pPr marL="457200" indent="0">
+              <a:buNone/>
+              <a:defRPr sz="1200"/>
+            </a:lvl2pPr>
+            <a:lvl3pPr marL="914400" indent="0">
+              <a:buNone/>
+              <a:defRPr sz="1000"/>
+            </a:lvl3pPr>
+            <a:lvl4pPr marL="1371600" indent="0">
+              <a:buNone/>
+              <a:defRPr sz="900"/>
+            </a:lvl4pPr>
+            <a:lvl5pPr marL="1828800" indent="0">
+              <a:buNone/>
+              <a:defRPr sz="900"/>
+            </a:lvl5pPr>
+            <a:lvl6pPr marL="2286000" indent="0">
+              <a:buNone/>
+              <a:defRPr sz="900"/>
+            </a:lvl6pPr>
+            <a:lvl7pPr marL="2743200" indent="0">
+              <a:buNone/>
+              <a:defRPr sz="900"/>
+            </a:lvl7pPr>
+            <a:lvl8pPr marL="3200400" indent="0">
+              <a:buNone/>
+              <a:defRPr sz="900"/>
+            </a:lvl8pPr>
+            <a:lvl9pPr marL="3657600" indent="0">
+              <a:buNone/>
+              <a:defRPr sz="900"/>
+            </a:lvl9pPr>
+          </a:lstStyle>
+          <a:p>
+            <a:pPr lvl="0"/>
+            <a:r>
+              <a:rPr lang="en-US" smtClean="0"/>
+              <a:t>Edit Master text styles</a:t>
+            </a:r>
+          </a:p>
+        </p:txBody>
+      </p:sp>
+      <p:sp>
+        <p:nvSpPr>
+          <p:cNvPr id="4" name="Date Placeholder 3"/>
+          <p:cNvSpPr>
+            <a:spLocks noGrp="1"/>
+          </p:cNvSpPr>
+          <p:nvPr>
+            <p:ph type="dt" sz="half" idx="10"/>
+          </p:nvPr>
+        </p:nvSpPr>
+        <p:spPr/>
+        <p:txBody>
+          <a:bodyPr/>
+          <a:lstStyle/>
+          <a:p>
+            <a:fld id="{A1421AF3-02C3-42CC-BF7E-19BA98888225}" type="datetimeFigureOut">
+              <a:rPr lang="en-US" smtClean="0"/>
+              <a:t>4/14/2025</a:t>
+            </a:fld>
+            <a:endParaRPr lang="en-US"/>
+          </a:p>
+        </p:txBody>
+      </p:sp>
+      <p:sp>
+        <p:nvSpPr>
+          <p:cNvPr id="5" name="Footer Placeholder 4"/>
+          <p:cNvSpPr>
+            <a:spLocks noGrp="1"/>
+          </p:cNvSpPr>
+          <p:nvPr>
+            <p:ph type="ftr" sz="quarter" idx="11"/>
+          </p:nvPr>
+        </p:nvSpPr>
+        <p:spPr/>
+        <p:txBody>
+          <a:bodyPr/>
+          <a:lstStyle/>
+          <a:p>
+            <a:endParaRPr lang="en-US"/>
+          </a:p>
+        </p:txBody>
+      </p:sp>
+      <p:sp>
+        <p:nvSpPr>
+          <p:cNvPr id="6" name="Slide Number Placeholder 5"/>
+          <p:cNvSpPr>
+            <a:spLocks noGrp="1"/>
+          </p:cNvSpPr>
+          <p:nvPr>
+            <p:ph type="sldNum" sz="quarter" idx="12"/>
+          </p:nvPr>
+        </p:nvSpPr>
+        <p:spPr/>
+        <p:txBody>
+          <a:bodyPr/>
+          <a:lstStyle/>
+          <a:p>
+            <a:fld id="{582FC3B6-09A2-4C22-83B5-27217B3E17AF}" type="slidenum">
+              <a:rPr lang="en-US" smtClean="0"/>
+              <a:t>‹#›</a:t>
+            </a:fld>
+            <a:endParaRPr lang="en-US"/>
+          </a:p>
+        </p:txBody>
+      </p:sp>
+      <p:sp>
+        <p:nvSpPr>
+          <p:cNvPr id="12" name="TextBox 11"/>
+          <p:cNvSpPr txBox="1"/>
+          <p:nvPr/>
+        </p:nvSpPr>
+        <p:spPr>
+          <a:xfrm>
+            <a:off x="898295" y="971253"/>
+            <a:ext cx="801912" cy="1969770"/>
+          </a:xfrm>
+          <a:prstGeom prst="rect">
+            <a:avLst/>
+          </a:prstGeom>
+          <a:noFill/>
+        </p:spPr>
+        <p:txBody>
+          <a:bodyPr wrap="square" rtlCol="0">
+            <a:spAutoFit/>
+          </a:bodyPr>
+          <a:lstStyle>
+            <a:defPPr>
+              <a:defRPr lang="en-US"/>
+            </a:defPPr>
+            <a:lvl1pPr algn="r">
+              <a:defRPr sz="12200" b="0" i="0">
+                <a:solidFill>
+                  <a:schemeClr val="bg2">
+                    <a:lumMod val="40000"/>
+                    <a:lumOff val="60000"/>
+                  </a:schemeClr>
+                </a:solidFill>
+                <a:latin typeface="Arial"/>
+                <a:ea typeface="+mj-ea"/>
+                <a:cs typeface="+mj-cs"/>
+              </a:defRPr>
+            </a:lvl1pPr>
+          </a:lstStyle>
+          <a:p>
+            <a:pPr lvl="0"/>
+            <a:r>
+              <a:rPr lang="en-US" dirty="0"/>
+              <a:t>“</a:t>
+            </a:r>
+          </a:p>
+        </p:txBody>
+      </p:sp>
+      <p:sp>
+        <p:nvSpPr>
+          <p:cNvPr id="15" name="TextBox 14"/>
+          <p:cNvSpPr txBox="1"/>
+          <p:nvPr/>
+        </p:nvSpPr>
+        <p:spPr>
+          <a:xfrm>
+            <a:off x="9330490" y="2613787"/>
+            <a:ext cx="801912" cy="1969770"/>
+          </a:xfrm>
+          <a:prstGeom prst="rect">
+            <a:avLst/>
+          </a:prstGeom>
+          <a:noFill/>
+        </p:spPr>
+        <p:txBody>
+          <a:bodyPr wrap="square" rtlCol="0">
+            <a:spAutoFit/>
+          </a:bodyPr>
+          <a:lstStyle>
+            <a:defPPr>
+              <a:defRPr lang="en-US"/>
+            </a:defPPr>
+            <a:lvl1pPr algn="r">
+              <a:defRPr sz="12200" b="0" i="0">
+                <a:solidFill>
+                  <a:schemeClr val="bg2">
+                    <a:lumMod val="40000"/>
+                    <a:lumOff val="60000"/>
+                  </a:schemeClr>
+                </a:solidFill>
+                <a:latin typeface="Arial"/>
+                <a:ea typeface="+mj-ea"/>
+                <a:cs typeface="+mj-cs"/>
+              </a:defRPr>
+            </a:lvl1pPr>
+          </a:lstStyle>
+          <a:p>
+            <a:pPr lvl="0"/>
+            <a:r>
+              <a:rPr lang="en-US" dirty="0"/>
+              <a:t>”</a:t>
+            </a:r>
+          </a:p>
+        </p:txBody>
+      </p:sp>
+    </p:spTree>
+    <p:extLst>
+      <p:ext uri="{BB962C8B-B14F-4D97-AF65-F5344CB8AC3E}">
+        <p14:creationId xmlns:p14="http://schemas.microsoft.com/office/powerpoint/2010/main" val="1378108848"/>
+      </p:ext>
+    </p:extLst>
+  </p:cSld>
+  <p:clrMapOvr>
+    <a:masterClrMapping/>
+  </p:clrMapOvr>
+</p:sldLayout>
+</file>
+
+<file path=ppt/slideLayouts/slideLayout13.xml><?xml version="1.0" encoding="utf-8"?>
+<p:sldLayout xmlns:a="http://schemas.openxmlformats.org/drawingml/2006/main" xmlns:r="http://schemas.openxmlformats.org/officeDocument/2006/relationships" xmlns:p="http://schemas.openxmlformats.org/presentationml/2006/main" preserve="1">
+  <p:cSld name="Name Card">
+    <p:spTree>
+      <p:nvGrpSpPr>
+        <p:cNvPr id="1" name=""/>
+        <p:cNvGrpSpPr/>
+        <p:nvPr/>
+      </p:nvGrpSpPr>
+      <p:grpSpPr>
+        <a:xfrm>
+          <a:off x="0" y="0"/>
+          <a:ext cx="0" cy="0"/>
+          <a:chOff x="0" y="0"/>
+          <a:chExt cx="0" cy="0"/>
+        </a:xfrm>
+      </p:grpSpPr>
+      <p:sp>
+        <p:nvSpPr>
+          <p:cNvPr id="2" name="Title 1"/>
+          <p:cNvSpPr>
+            <a:spLocks noGrp="1"/>
+          </p:cNvSpPr>
+          <p:nvPr>
+            <p:ph type="title"/>
+          </p:nvPr>
+        </p:nvSpPr>
+        <p:spPr>
+          <a:xfrm>
+            <a:off x="1154954" y="3124201"/>
+            <a:ext cx="8825660" cy="1653180"/>
+          </a:xfrm>
+        </p:spPr>
+        <p:txBody>
+          <a:bodyPr anchor="b"/>
+          <a:lstStyle>
+            <a:lvl1pPr algn="l">
+              <a:defRPr sz="4000" b="0" cap="none"/>
+            </a:lvl1pPr>
+          </a:lstStyle>
+          <a:p>
+            <a:r>
+              <a:rPr lang="en-US" smtClean="0"/>
+              <a:t>Click to edit Master title style</a:t>
+            </a:r>
+            <a:endParaRPr lang="en-US" dirty="0"/>
+          </a:p>
+        </p:txBody>
+      </p:sp>
+      <p:sp>
+        <p:nvSpPr>
+          <p:cNvPr id="3" name="Text Placeholder 2"/>
+          <p:cNvSpPr>
+            <a:spLocks noGrp="1"/>
+          </p:cNvSpPr>
+          <p:nvPr>
+            <p:ph type="body" idx="1"/>
+          </p:nvPr>
+        </p:nvSpPr>
+        <p:spPr>
+          <a:xfrm>
+            <a:off x="1154954" y="4777381"/>
+            <a:ext cx="8825659" cy="860400"/>
+          </a:xfrm>
+        </p:spPr>
+        <p:txBody>
+          <a:bodyPr anchor="t"/>
+          <a:lstStyle>
+            <a:lvl1pPr marL="0" indent="0" algn="l">
+              <a:buNone/>
+              <a:defRPr sz="2000" cap="none">
+                <a:solidFill>
+                  <a:schemeClr val="bg2">
+                    <a:lumMod val="40000"/>
+                    <a:lumOff val="60000"/>
+                  </a:schemeClr>
+                </a:solidFill>
+              </a:defRPr>
+            </a:lvl1pPr>
+            <a:lvl2pPr marL="457200" indent="0">
+              <a:buNone/>
+              <a:defRPr sz="1800">
+                <a:solidFill>
+                  <a:schemeClr val="tx1">
+                    <a:tint val="75000"/>
+                  </a:schemeClr>
+                </a:solidFill>
+              </a:defRPr>
+            </a:lvl2pPr>
+            <a:lvl3pPr marL="914400" indent="0">
+              <a:buNone/>
+              <a:defRPr sz="1600">
+                <a:solidFill>
+                  <a:schemeClr val="tx1">
+                    <a:tint val="75000"/>
+                  </a:schemeClr>
+                </a:solidFill>
+              </a:defRPr>
+            </a:lvl3pPr>
+            <a:lvl4pPr marL="1371600" indent="0">
+              <a:buNone/>
+              <a:defRPr sz="1400">
+                <a:solidFill>
+                  <a:schemeClr val="tx1">
+                    <a:tint val="75000"/>
+                  </a:schemeClr>
+                </a:solidFill>
+              </a:defRPr>
+            </a:lvl4pPr>
+            <a:lvl5pPr marL="1828800" indent="0">
+              <a:buNone/>
+              <a:defRPr sz="1400">
+                <a:solidFill>
+                  <a:schemeClr val="tx1">
+                    <a:tint val="75000"/>
+                  </a:schemeClr>
+                </a:solidFill>
+              </a:defRPr>
+            </a:lvl5pPr>
+            <a:lvl6pPr marL="2286000" indent="0">
+              <a:buNone/>
+              <a:defRPr sz="1400">
+                <a:solidFill>
+                  <a:schemeClr val="tx1">
+                    <a:tint val="75000"/>
+                  </a:schemeClr>
+                </a:solidFill>
+              </a:defRPr>
+            </a:lvl6pPr>
+            <a:lvl7pPr marL="2743200" indent="0">
+              <a:buNone/>
+              <a:defRPr sz="1400">
+                <a:solidFill>
+                  <a:schemeClr val="tx1">
+                    <a:tint val="75000"/>
+                  </a:schemeClr>
+                </a:solidFill>
+              </a:defRPr>
+            </a:lvl7pPr>
+            <a:lvl8pPr marL="3200400" indent="0">
+              <a:buNone/>
+              <a:defRPr sz="1400">
+                <a:solidFill>
+                  <a:schemeClr val="tx1">
+                    <a:tint val="75000"/>
+                  </a:schemeClr>
+                </a:solidFill>
+              </a:defRPr>
+            </a:lvl8pPr>
+            <a:lvl9pPr marL="3657600" indent="0">
+              <a:buNone/>
+              <a:defRPr sz="1400">
+                <a:solidFill>
+                  <a:schemeClr val="tx1">
+                    <a:tint val="75000"/>
+                  </a:schemeClr>
+                </a:solidFill>
+              </a:defRPr>
+            </a:lvl9pPr>
+          </a:lstStyle>
+          <a:p>
+            <a:pPr lvl="0"/>
+            <a:r>
+              <a:rPr lang="en-US" smtClean="0"/>
+              <a:t>Edit Master text styles</a:t>
+            </a:r>
+          </a:p>
+        </p:txBody>
+      </p:sp>
+      <p:sp>
+        <p:nvSpPr>
+          <p:cNvPr id="4" name="Date Placeholder 3"/>
+          <p:cNvSpPr>
+            <a:spLocks noGrp="1"/>
+          </p:cNvSpPr>
+          <p:nvPr>
+            <p:ph type="dt" sz="half" idx="10"/>
+          </p:nvPr>
+        </p:nvSpPr>
+        <p:spPr/>
+        <p:txBody>
+          <a:bodyPr/>
+          <a:lstStyle/>
+          <a:p>
+            <a:fld id="{A1421AF3-02C3-42CC-BF7E-19BA98888225}" type="datetimeFigureOut">
+              <a:rPr lang="en-US" smtClean="0"/>
+              <a:t>4/14/2025</a:t>
+            </a:fld>
+            <a:endParaRPr lang="en-US"/>
+          </a:p>
+        </p:txBody>
+      </p:sp>
+      <p:sp>
+        <p:nvSpPr>
+          <p:cNvPr id="5" name="Footer Placeholder 4"/>
+          <p:cNvSpPr>
+            <a:spLocks noGrp="1"/>
+          </p:cNvSpPr>
+          <p:nvPr>
+            <p:ph type="ftr" sz="quarter" idx="11"/>
+          </p:nvPr>
+        </p:nvSpPr>
+        <p:spPr/>
+        <p:txBody>
+          <a:bodyPr/>
+          <a:lstStyle/>
+          <a:p>
+            <a:endParaRPr lang="en-US"/>
+          </a:p>
+        </p:txBody>
+      </p:sp>
+      <p:sp>
+        <p:nvSpPr>
+          <p:cNvPr id="6" name="Slide Number Placeholder 5"/>
+          <p:cNvSpPr>
+            <a:spLocks noGrp="1"/>
+          </p:cNvSpPr>
+          <p:nvPr>
+            <p:ph type="sldNum" sz="quarter" idx="12"/>
+          </p:nvPr>
+        </p:nvSpPr>
+        <p:spPr/>
+        <p:txBody>
+          <a:bodyPr/>
+          <a:lstStyle/>
+          <a:p>
+            <a:fld id="{582FC3B6-09A2-4C22-83B5-27217B3E17AF}" type="slidenum">
+              <a:rPr lang="en-US" smtClean="0"/>
+              <a:t>‹#›</a:t>
+            </a:fld>
+            <a:endParaRPr lang="en-US"/>
+          </a:p>
+        </p:txBody>
+      </p:sp>
+    </p:spTree>
+    <p:extLst>
+      <p:ext uri="{BB962C8B-B14F-4D97-AF65-F5344CB8AC3E}">
+        <p14:creationId xmlns:p14="http://schemas.microsoft.com/office/powerpoint/2010/main" val="3565176600"/>
+      </p:ext>
+    </p:extLst>
+  </p:cSld>
+  <p:clrMapOvr>
+    <a:masterClrMapping/>
+  </p:clrMapOvr>
+</p:sldLayout>
+</file>
+
+<file path=ppt/slideLayouts/slideLayout14.xml><?xml version="1.0" encoding="utf-8"?>
+<p:sldLayout xmlns:a="http://schemas.openxmlformats.org/drawingml/2006/main" xmlns:r="http://schemas.openxmlformats.org/officeDocument/2006/relationships" xmlns:p="http://schemas.openxmlformats.org/presentationml/2006/main" preserve="1">
+  <p:cSld name="3 Column">
+    <p:spTree>
+      <p:nvGrpSpPr>
+        <p:cNvPr id="1" name=""/>
+        <p:cNvGrpSpPr/>
+        <p:nvPr/>
+      </p:nvGrpSpPr>
+      <p:grpSpPr>
+        <a:xfrm>
+          <a:off x="0" y="0"/>
+          <a:ext cx="0" cy="0"/>
+          <a:chOff x="0" y="0"/>
+          <a:chExt cx="0" cy="0"/>
+        </a:xfrm>
+      </p:grpSpPr>
+      <p:sp>
+        <p:nvSpPr>
+          <p:cNvPr id="2" name="Title 1"/>
+          <p:cNvSpPr>
+            <a:spLocks noGrp="1"/>
+          </p:cNvSpPr>
+          <p:nvPr>
+            <p:ph type="title"/>
+          </p:nvPr>
+        </p:nvSpPr>
+        <p:spPr/>
+        <p:txBody>
+          <a:bodyPr/>
+          <a:lstStyle>
+            <a:lvl1pPr>
+              <a:defRPr sz="4200"/>
+            </a:lvl1pPr>
+          </a:lstStyle>
+          <a:p>
+            <a:r>
+              <a:rPr lang="en-US" smtClean="0"/>
+              <a:t>Click to edit Master title style</a:t>
+            </a:r>
+            <a:endParaRPr lang="en-US" dirty="0"/>
+          </a:p>
+        </p:txBody>
+      </p:sp>
+      <p:sp>
+        <p:nvSpPr>
+          <p:cNvPr id="3" name="Text Placeholder 2"/>
+          <p:cNvSpPr>
+            <a:spLocks noGrp="1"/>
+          </p:cNvSpPr>
+          <p:nvPr>
+            <p:ph type="body" idx="1"/>
+          </p:nvPr>
+        </p:nvSpPr>
+        <p:spPr>
+          <a:xfrm>
+            <a:off x="632947" y="1981200"/>
+            <a:ext cx="2946866" cy="576262"/>
+          </a:xfrm>
+        </p:spPr>
+        <p:txBody>
+          <a:bodyPr anchor="b">
+            <a:noAutofit/>
+          </a:bodyPr>
+          <a:lstStyle>
+            <a:lvl1pPr marL="0" indent="0">
+              <a:buNone/>
+              <a:defRPr sz="2400" b="0">
+                <a:solidFill>
+                  <a:schemeClr val="bg2">
+                    <a:lumMod val="40000"/>
+                    <a:lumOff val="60000"/>
+                  </a:schemeClr>
+                </a:solidFill>
+              </a:defRPr>
+            </a:lvl1pPr>
+            <a:lvl2pPr marL="457200" indent="0">
+              <a:buNone/>
+              <a:defRPr sz="2000" b="1"/>
+            </a:lvl2pPr>
+            <a:lvl3pPr marL="914400" indent="0">
+              <a:buNone/>
+              <a:defRPr sz="1800" b="1"/>
+            </a:lvl3pPr>
+            <a:lvl4pPr marL="1371600" indent="0">
+              <a:buNone/>
+              <a:defRPr sz="1600" b="1"/>
+            </a:lvl4pPr>
+            <a:lvl5pPr marL="1828800" indent="0">
+              <a:buNone/>
+              <a:defRPr sz="1600" b="1"/>
+            </a:lvl5pPr>
+            <a:lvl6pPr marL="2286000" indent="0">
+              <a:buNone/>
+              <a:defRPr sz="1600" b="1"/>
+            </a:lvl6pPr>
+            <a:lvl7pPr marL="2743200" indent="0">
+              <a:buNone/>
+              <a:defRPr sz="1600" b="1"/>
+            </a:lvl7pPr>
+            <a:lvl8pPr marL="3200400" indent="0">
+              <a:buNone/>
+              <a:defRPr sz="1600" b="1"/>
+            </a:lvl8pPr>
+            <a:lvl9pPr marL="3657600" indent="0">
+              <a:buNone/>
+              <a:defRPr sz="1600" b="1"/>
+            </a:lvl9pPr>
+          </a:lstStyle>
+          <a:p>
+            <a:pPr lvl="0"/>
+            <a:r>
+              <a:rPr lang="en-US" smtClean="0"/>
+              <a:t>Edit Master text styles</a:t>
+            </a:r>
+          </a:p>
+        </p:txBody>
+      </p:sp>
+      <p:sp>
+        <p:nvSpPr>
+          <p:cNvPr id="16" name="Text Placeholder 3"/>
+          <p:cNvSpPr>
+            <a:spLocks noGrp="1"/>
+          </p:cNvSpPr>
+          <p:nvPr>
+            <p:ph type="body" sz="half" idx="15"/>
+          </p:nvPr>
+        </p:nvSpPr>
+        <p:spPr>
+          <a:xfrm>
+            <a:off x="652463" y="2667000"/>
+            <a:ext cx="2927350" cy="3589338"/>
+          </a:xfrm>
+        </p:spPr>
+        <p:txBody>
+          <a:bodyPr anchor="t">
+            <a:normAutofit/>
+          </a:bodyPr>
+          <a:lstStyle>
+            <a:lvl1pPr marL="0" indent="0">
+              <a:buNone/>
+              <a:defRPr sz="1400"/>
+            </a:lvl1pPr>
+            <a:lvl2pPr marL="457200" indent="0">
+              <a:buNone/>
+              <a:defRPr sz="1200"/>
+            </a:lvl2pPr>
+            <a:lvl3pPr marL="914400" indent="0">
+              <a:buNone/>
+              <a:defRPr sz="1000"/>
+            </a:lvl3pPr>
+            <a:lvl4pPr marL="1371600" indent="0">
+              <a:buNone/>
+              <a:defRPr sz="900"/>
+            </a:lvl4pPr>
+            <a:lvl5pPr marL="1828800" indent="0">
+              <a:buNone/>
+              <a:defRPr sz="900"/>
+            </a:lvl5pPr>
+            <a:lvl6pPr marL="2286000" indent="0">
+              <a:buNone/>
+              <a:defRPr sz="900"/>
+            </a:lvl6pPr>
+            <a:lvl7pPr marL="2743200" indent="0">
+              <a:buNone/>
+              <a:defRPr sz="900"/>
+            </a:lvl7pPr>
+            <a:lvl8pPr marL="3200400" indent="0">
+              <a:buNone/>
+              <a:defRPr sz="900"/>
+            </a:lvl8pPr>
+            <a:lvl9pPr marL="3657600" indent="0">
+              <a:buNone/>
+              <a:defRPr sz="900"/>
+            </a:lvl9pPr>
+          </a:lstStyle>
+          <a:p>
+            <a:pPr lvl="0"/>
+            <a:r>
+              <a:rPr lang="en-US" smtClean="0"/>
+              <a:t>Edit Master text styles</a:t>
+            </a:r>
+          </a:p>
+        </p:txBody>
+      </p:sp>
+      <p:sp>
+        <p:nvSpPr>
+          <p:cNvPr id="5" name="Text Placeholder 4"/>
+          <p:cNvSpPr>
+            <a:spLocks noGrp="1"/>
+          </p:cNvSpPr>
+          <p:nvPr>
+            <p:ph type="body" sz="quarter" idx="3"/>
+          </p:nvPr>
+        </p:nvSpPr>
+        <p:spPr>
+          <a:xfrm>
+            <a:off x="3883659" y="1981200"/>
+            <a:ext cx="2936241" cy="576262"/>
+          </a:xfrm>
+        </p:spPr>
+        <p:txBody>
+          <a:bodyPr anchor="b">
+            <a:noAutofit/>
+          </a:bodyPr>
+          <a:lstStyle>
+            <a:lvl1pPr marL="0" indent="0">
+              <a:buNone/>
+              <a:defRPr sz="2400" b="0">
+                <a:solidFill>
+                  <a:schemeClr val="bg2">
+                    <a:lumMod val="40000"/>
+                    <a:lumOff val="60000"/>
+                  </a:schemeClr>
+                </a:solidFill>
+              </a:defRPr>
+            </a:lvl1pPr>
+            <a:lvl2pPr marL="457200" indent="0">
+              <a:buNone/>
+              <a:defRPr sz="2000" b="1"/>
+            </a:lvl2pPr>
+            <a:lvl3pPr marL="914400" indent="0">
+              <a:buNone/>
+              <a:defRPr sz="1800" b="1"/>
+            </a:lvl3pPr>
+            <a:lvl4pPr marL="1371600" indent="0">
+              <a:buNone/>
+              <a:defRPr sz="1600" b="1"/>
+            </a:lvl4pPr>
+            <a:lvl5pPr marL="1828800" indent="0">
+              <a:buNone/>
+              <a:defRPr sz="1600" b="1"/>
+            </a:lvl5pPr>
+            <a:lvl6pPr marL="2286000" indent="0">
+              <a:buNone/>
+              <a:defRPr sz="1600" b="1"/>
+            </a:lvl6pPr>
+            <a:lvl7pPr marL="2743200" indent="0">
+              <a:buNone/>
+              <a:defRPr sz="1600" b="1"/>
+            </a:lvl7pPr>
+            <a:lvl8pPr marL="3200400" indent="0">
+              <a:buNone/>
+              <a:defRPr sz="1600" b="1"/>
+            </a:lvl8pPr>
+            <a:lvl9pPr marL="3657600" indent="0">
+              <a:buNone/>
+              <a:defRPr sz="1600" b="1"/>
+            </a:lvl9pPr>
+          </a:lstStyle>
+          <a:p>
+            <a:pPr lvl="0"/>
+            <a:r>
+              <a:rPr lang="en-US" smtClean="0"/>
+              <a:t>Edit Master text styles</a:t>
+            </a:r>
+          </a:p>
+        </p:txBody>
+      </p:sp>
+      <p:sp>
+        <p:nvSpPr>
+          <p:cNvPr id="19" name="Text Placeholder 3"/>
+          <p:cNvSpPr>
+            <a:spLocks noGrp="1"/>
+          </p:cNvSpPr>
+          <p:nvPr>
+            <p:ph type="body" sz="half" idx="16"/>
+          </p:nvPr>
+        </p:nvSpPr>
+        <p:spPr>
+          <a:xfrm>
+            <a:off x="3873106" y="2667000"/>
+            <a:ext cx="2946794" cy="3589338"/>
+          </a:xfrm>
+        </p:spPr>
+        <p:txBody>
+          <a:bodyPr anchor="t">
+            <a:normAutofit/>
+          </a:bodyPr>
+          <a:lstStyle>
+            <a:lvl1pPr marL="0" indent="0">
+              <a:buNone/>
+              <a:defRPr sz="1400"/>
+            </a:lvl1pPr>
+            <a:lvl2pPr marL="457200" indent="0">
+              <a:buNone/>
+              <a:defRPr sz="1200"/>
+            </a:lvl2pPr>
+            <a:lvl3pPr marL="914400" indent="0">
+              <a:buNone/>
+              <a:defRPr sz="1000"/>
+            </a:lvl3pPr>
+            <a:lvl4pPr marL="1371600" indent="0">
+              <a:buNone/>
+              <a:defRPr sz="900"/>
+            </a:lvl4pPr>
+            <a:lvl5pPr marL="1828800" indent="0">
+              <a:buNone/>
+              <a:defRPr sz="900"/>
+            </a:lvl5pPr>
+            <a:lvl6pPr marL="2286000" indent="0">
+              <a:buNone/>
+              <a:defRPr sz="900"/>
+            </a:lvl6pPr>
+            <a:lvl7pPr marL="2743200" indent="0">
+              <a:buNone/>
+              <a:defRPr sz="900"/>
+            </a:lvl7pPr>
+            <a:lvl8pPr marL="3200400" indent="0">
+              <a:buNone/>
+              <a:defRPr sz="900"/>
+            </a:lvl8pPr>
+            <a:lvl9pPr marL="3657600" indent="0">
+              <a:buNone/>
+              <a:defRPr sz="900"/>
+            </a:lvl9pPr>
+          </a:lstStyle>
+          <a:p>
+            <a:pPr lvl="0"/>
+            <a:r>
+              <a:rPr lang="en-US" smtClean="0"/>
+              <a:t>Edit Master text styles</a:t>
+            </a:r>
+          </a:p>
+        </p:txBody>
+      </p:sp>
+      <p:sp>
+        <p:nvSpPr>
+          <p:cNvPr id="14" name="Text Placeholder 4"/>
+          <p:cNvSpPr>
+            <a:spLocks noGrp="1"/>
+          </p:cNvSpPr>
+          <p:nvPr>
+            <p:ph type="body" sz="quarter" idx="13"/>
+          </p:nvPr>
+        </p:nvSpPr>
+        <p:spPr>
+          <a:xfrm>
+            <a:off x="7124700" y="1981200"/>
+            <a:ext cx="2932113" cy="576262"/>
+          </a:xfrm>
+        </p:spPr>
+        <p:txBody>
+          <a:bodyPr anchor="b">
+            <a:noAutofit/>
+          </a:bodyPr>
+          <a:lstStyle>
+            <a:lvl1pPr marL="0" indent="0">
+              <a:buNone/>
+              <a:defRPr sz="2400" b="0">
+                <a:solidFill>
+                  <a:schemeClr val="bg2">
+                    <a:lumMod val="40000"/>
+                    <a:lumOff val="60000"/>
+                  </a:schemeClr>
+                </a:solidFill>
+              </a:defRPr>
+            </a:lvl1pPr>
+            <a:lvl2pPr marL="457200" indent="0">
+              <a:buNone/>
+              <a:defRPr sz="2000" b="1"/>
+            </a:lvl2pPr>
+            <a:lvl3pPr marL="914400" indent="0">
+              <a:buNone/>
+              <a:defRPr sz="1800" b="1"/>
+            </a:lvl3pPr>
+            <a:lvl4pPr marL="1371600" indent="0">
+              <a:buNone/>
+              <a:defRPr sz="1600" b="1"/>
+            </a:lvl4pPr>
+            <a:lvl5pPr marL="1828800" indent="0">
+              <a:buNone/>
+              <a:defRPr sz="1600" b="1"/>
+            </a:lvl5pPr>
+            <a:lvl6pPr marL="2286000" indent="0">
+              <a:buNone/>
+              <a:defRPr sz="1600" b="1"/>
+            </a:lvl6pPr>
+            <a:lvl7pPr marL="2743200" indent="0">
+              <a:buNone/>
+              <a:defRPr sz="1600" b="1"/>
+            </a:lvl7pPr>
+            <a:lvl8pPr marL="3200400" indent="0">
+              <a:buNone/>
+              <a:defRPr sz="1600" b="1"/>
+            </a:lvl8pPr>
+            <a:lvl9pPr marL="3657600" indent="0">
+              <a:buNone/>
+              <a:defRPr sz="1600" b="1"/>
+            </a:lvl9pPr>
+          </a:lstStyle>
+          <a:p>
+            <a:pPr lvl="0"/>
+            <a:r>
+              <a:rPr lang="en-US" smtClean="0"/>
+              <a:t>Edit Master text styles</a:t>
+            </a:r>
+          </a:p>
+        </p:txBody>
+      </p:sp>
+      <p:sp>
+        <p:nvSpPr>
+          <p:cNvPr id="20" name="Text Placeholder 3"/>
+          <p:cNvSpPr>
+            <a:spLocks noGrp="1"/>
+          </p:cNvSpPr>
+          <p:nvPr>
+            <p:ph type="body" sz="half" idx="17"/>
+          </p:nvPr>
+        </p:nvSpPr>
+        <p:spPr>
+          <a:xfrm>
+            <a:off x="7124700" y="2667000"/>
+            <a:ext cx="2932113" cy="3589338"/>
+          </a:xfrm>
+        </p:spPr>
+        <p:txBody>
+          <a:bodyPr anchor="t">
+            <a:normAutofit/>
+          </a:bodyPr>
+          <a:lstStyle>
+            <a:lvl1pPr marL="0" indent="0">
+              <a:buNone/>
+              <a:defRPr sz="1400"/>
+            </a:lvl1pPr>
+            <a:lvl2pPr marL="457200" indent="0">
+              <a:buNone/>
+              <a:defRPr sz="1200"/>
+            </a:lvl2pPr>
+            <a:lvl3pPr marL="914400" indent="0">
+              <a:buNone/>
+              <a:defRPr sz="1000"/>
+            </a:lvl3pPr>
+            <a:lvl4pPr marL="1371600" indent="0">
+              <a:buNone/>
+              <a:defRPr sz="900"/>
+            </a:lvl4pPr>
+            <a:lvl5pPr marL="1828800" indent="0">
+              <a:buNone/>
+              <a:defRPr sz="900"/>
+            </a:lvl5pPr>
+            <a:lvl6pPr marL="2286000" indent="0">
+              <a:buNone/>
+              <a:defRPr sz="900"/>
+            </a:lvl6pPr>
+            <a:lvl7pPr marL="2743200" indent="0">
+              <a:buNone/>
+              <a:defRPr sz="900"/>
+            </a:lvl7pPr>
+            <a:lvl8pPr marL="3200400" indent="0">
+              <a:buNone/>
+              <a:defRPr sz="900"/>
+            </a:lvl8pPr>
+            <a:lvl9pPr marL="3657600" indent="0">
+              <a:buNone/>
+              <a:defRPr sz="900"/>
+            </a:lvl9pPr>
+          </a:lstStyle>
+          <a:p>
+            <a:pPr lvl="0"/>
+            <a:r>
+              <a:rPr lang="en-US" smtClean="0"/>
+              <a:t>Edit Master text styles</a:t>
+            </a:r>
+          </a:p>
+        </p:txBody>
+      </p:sp>
+      <p:cxnSp>
+        <p:nvCxnSpPr>
+          <p:cNvPr id="17" name="Straight Connector 16"/>
+          <p:cNvCxnSpPr/>
+          <p:nvPr/>
+        </p:nvCxnSpPr>
+        <p:spPr>
+          <a:xfrm>
+            <a:off x="3726142" y="2133600"/>
+            <a:ext cx="0" cy="3962400"/>
+          </a:xfrm>
+          <a:prstGeom prst="line">
+            <a:avLst/>
+          </a:prstGeom>
+          <a:ln w="12700" cmpd="sng">
+            <a:solidFill>
+              <a:schemeClr val="bg2">
+                <a:lumMod val="40000"/>
+                <a:lumOff val="60000"/>
+                <a:alpha val="40000"/>
+              </a:schemeClr>
+            </a:solidFill>
+          </a:ln>
+        </p:spPr>
+        <p:style>
+          <a:lnRef idx="2">
+            <a:schemeClr val="accent1"/>
+          </a:lnRef>
+          <a:fillRef idx="0">
+            <a:schemeClr val="accent1"/>
+          </a:fillRef>
+          <a:effectRef idx="1">
+            <a:schemeClr val="accent1"/>
+          </a:effectRef>
+          <a:fontRef idx="minor">
+            <a:schemeClr val="tx1"/>
+          </a:fontRef>
+        </p:style>
+      </p:cxnSp>
+      <p:cxnSp>
+        <p:nvCxnSpPr>
+          <p:cNvPr id="18" name="Straight Connector 17"/>
+          <p:cNvCxnSpPr/>
+          <p:nvPr/>
+        </p:nvCxnSpPr>
+        <p:spPr>
+          <a:xfrm>
+            <a:off x="6962227" y="2133600"/>
+            <a:ext cx="0" cy="3966882"/>
+          </a:xfrm>
+          <a:prstGeom prst="line">
+            <a:avLst/>
+          </a:prstGeom>
+          <a:ln w="12700" cmpd="sng">
+            <a:solidFill>
+              <a:schemeClr val="bg2">
+                <a:lumMod val="40000"/>
+                <a:lumOff val="60000"/>
+                <a:alpha val="40000"/>
+              </a:schemeClr>
+            </a:solidFill>
+          </a:ln>
+        </p:spPr>
+        <p:style>
+          <a:lnRef idx="2">
+            <a:schemeClr val="accent1"/>
+          </a:lnRef>
+          <a:fillRef idx="0">
+            <a:schemeClr val="accent1"/>
+          </a:fillRef>
+          <a:effectRef idx="1">
+            <a:schemeClr val="accent1"/>
+          </a:effectRef>
+          <a:fontRef idx="minor">
+            <a:schemeClr val="tx1"/>
+          </a:fontRef>
+        </p:style>
+      </p:cxnSp>
+      <p:sp>
+        <p:nvSpPr>
+          <p:cNvPr id="7" name="Date Placeholder 3"/>
+          <p:cNvSpPr>
+            <a:spLocks noGrp="1"/>
+          </p:cNvSpPr>
+          <p:nvPr>
+            <p:ph type="dt" sz="half" idx="10"/>
+          </p:nvPr>
+        </p:nvSpPr>
+        <p:spPr/>
+        <p:txBody>
+          <a:bodyPr/>
+          <a:lstStyle/>
+          <a:p>
+            <a:fld id="{A1421AF3-02C3-42CC-BF7E-19BA98888225}" type="datetimeFigureOut">
+              <a:rPr lang="en-US" smtClean="0"/>
+              <a:t>4/14/2025</a:t>
+            </a:fld>
+            <a:endParaRPr lang="en-US"/>
+          </a:p>
+        </p:txBody>
+      </p:sp>
+      <p:sp>
+        <p:nvSpPr>
+          <p:cNvPr id="4" name="Footer Placeholder 4"/>
+          <p:cNvSpPr>
+            <a:spLocks noGrp="1"/>
+          </p:cNvSpPr>
+          <p:nvPr>
+            <p:ph type="ftr" sz="quarter" idx="11"/>
+          </p:nvPr>
+        </p:nvSpPr>
+        <p:spPr/>
+        <p:txBody>
+          <a:bodyPr/>
+          <a:lstStyle/>
+          <a:p>
+            <a:endParaRPr lang="en-US"/>
+          </a:p>
+        </p:txBody>
+      </p:sp>
+      <p:sp>
+        <p:nvSpPr>
+          <p:cNvPr id="6" name="Slide Number Placeholder 5"/>
+          <p:cNvSpPr>
+            <a:spLocks noGrp="1"/>
+          </p:cNvSpPr>
+          <p:nvPr>
+            <p:ph type="sldNum" sz="quarter" idx="12"/>
+          </p:nvPr>
+        </p:nvSpPr>
+        <p:spPr/>
+        <p:txBody>
+          <a:bodyPr/>
+          <a:lstStyle/>
+          <a:p>
+            <a:fld id="{582FC3B6-09A2-4C22-83B5-27217B3E17AF}" type="slidenum">
+              <a:rPr lang="en-US" smtClean="0"/>
+              <a:t>‹#›</a:t>
+            </a:fld>
+            <a:endParaRPr lang="en-US"/>
+          </a:p>
+        </p:txBody>
+      </p:sp>
+    </p:spTree>
+    <p:extLst>
+      <p:ext uri="{BB962C8B-B14F-4D97-AF65-F5344CB8AC3E}">
+        <p14:creationId xmlns:p14="http://schemas.microsoft.com/office/powerpoint/2010/main" val="3201379027"/>
+      </p:ext>
+    </p:extLst>
+  </p:cSld>
+  <p:clrMapOvr>
+    <a:masterClrMapping/>
+  </p:clrMapOvr>
+</p:sldLayout>
+</file>
+
+<file path=ppt/slideLayouts/slideLayout15.xml><?xml version="1.0" encoding="utf-8"?>
+<p:sldLayout xmlns:a="http://schemas.openxmlformats.org/drawingml/2006/main" xmlns:r="http://schemas.openxmlformats.org/officeDocument/2006/relationships" xmlns:p="http://schemas.openxmlformats.org/presentationml/2006/main" preserve="1">
+  <p:cSld name="3 Picture Column">
+    <p:spTree>
+      <p:nvGrpSpPr>
+        <p:cNvPr id="1" name=""/>
+        <p:cNvGrpSpPr/>
+        <p:nvPr/>
+      </p:nvGrpSpPr>
+      <p:grpSpPr>
+        <a:xfrm>
+          <a:off x="0" y="0"/>
+          <a:ext cx="0" cy="0"/>
+          <a:chOff x="0" y="0"/>
+          <a:chExt cx="0" cy="0"/>
+        </a:xfrm>
+      </p:grpSpPr>
+      <p:sp>
+        <p:nvSpPr>
+          <p:cNvPr id="2" name="Title 1"/>
+          <p:cNvSpPr>
+            <a:spLocks noGrp="1"/>
+          </p:cNvSpPr>
+          <p:nvPr>
+            <p:ph type="title"/>
+          </p:nvPr>
+        </p:nvSpPr>
+        <p:spPr/>
+        <p:txBody>
+          <a:bodyPr/>
+          <a:lstStyle>
+            <a:lvl1pPr>
+              <a:defRPr sz="4200"/>
+            </a:lvl1pPr>
+          </a:lstStyle>
+          <a:p>
+            <a:r>
+              <a:rPr lang="en-US" smtClean="0"/>
+              <a:t>Click to edit Master title style</a:t>
+            </a:r>
+            <a:endParaRPr lang="en-US" dirty="0"/>
+          </a:p>
+        </p:txBody>
+      </p:sp>
+      <p:sp>
+        <p:nvSpPr>
+          <p:cNvPr id="3" name="Text Placeholder 2"/>
+          <p:cNvSpPr>
+            <a:spLocks noGrp="1"/>
+          </p:cNvSpPr>
+          <p:nvPr>
+            <p:ph type="body" idx="1"/>
+          </p:nvPr>
+        </p:nvSpPr>
+        <p:spPr>
+          <a:xfrm>
+            <a:off x="652463" y="4250949"/>
+            <a:ext cx="2940050" cy="576262"/>
+          </a:xfrm>
+        </p:spPr>
+        <p:txBody>
+          <a:bodyPr anchor="b">
+            <a:noAutofit/>
+          </a:bodyPr>
+          <a:lstStyle>
+            <a:lvl1pPr marL="0" indent="0">
+              <a:buNone/>
+              <a:defRPr sz="2400" b="0">
+                <a:solidFill>
+                  <a:schemeClr val="bg2">
+                    <a:lumMod val="40000"/>
+                    <a:lumOff val="60000"/>
+                  </a:schemeClr>
+                </a:solidFill>
+              </a:defRPr>
+            </a:lvl1pPr>
+            <a:lvl2pPr marL="457200" indent="0">
+              <a:buNone/>
+              <a:defRPr sz="2000" b="1"/>
+            </a:lvl2pPr>
+            <a:lvl3pPr marL="914400" indent="0">
+              <a:buNone/>
+              <a:defRPr sz="1800" b="1"/>
+            </a:lvl3pPr>
+            <a:lvl4pPr marL="1371600" indent="0">
+              <a:buNone/>
+              <a:defRPr sz="1600" b="1"/>
+            </a:lvl4pPr>
+            <a:lvl5pPr marL="1828800" indent="0">
+              <a:buNone/>
+              <a:defRPr sz="1600" b="1"/>
+            </a:lvl5pPr>
+            <a:lvl6pPr marL="2286000" indent="0">
+              <a:buNone/>
+              <a:defRPr sz="1600" b="1"/>
+            </a:lvl6pPr>
+            <a:lvl7pPr marL="2743200" indent="0">
+              <a:buNone/>
+              <a:defRPr sz="1600" b="1"/>
+            </a:lvl7pPr>
+            <a:lvl8pPr marL="3200400" indent="0">
+              <a:buNone/>
+              <a:defRPr sz="1600" b="1"/>
+            </a:lvl8pPr>
+            <a:lvl9pPr marL="3657600" indent="0">
+              <a:buNone/>
+              <a:defRPr sz="1600" b="1"/>
+            </a:lvl9pPr>
+          </a:lstStyle>
+          <a:p>
+            <a:pPr lvl="0"/>
+            <a:r>
+              <a:rPr lang="en-US" smtClean="0"/>
+              <a:t>Edit Master text styles</a:t>
+            </a:r>
+          </a:p>
+        </p:txBody>
+      </p:sp>
+      <p:sp>
+        <p:nvSpPr>
+          <p:cNvPr id="29" name="Picture Placeholder 2"/>
+          <p:cNvSpPr>
+            <a:spLocks noGrp="1" noChangeAspect="1"/>
+          </p:cNvSpPr>
+          <p:nvPr>
+            <p:ph type="pic" idx="15"/>
+          </p:nvPr>
+        </p:nvSpPr>
+        <p:spPr>
+          <a:xfrm>
+            <a:off x="652463" y="2209800"/>
+            <a:ext cx="2940050" cy="1524000"/>
+          </a:xfrm>
+          <a:prstGeom prst="roundRect">
+            <a:avLst>
+              <a:gd name="adj" fmla="val 1858"/>
+            </a:avLst>
+          </a:prstGeom>
+          <a:effectLst>
+            <a:outerShdw blurRad="50800" dist="50800" dir="5400000" algn="tl" rotWithShape="0">
+              <a:srgbClr val="000000">
+                <a:alpha val="43000"/>
+              </a:srgbClr>
+            </a:outerShdw>
+          </a:effectLst>
+        </p:spPr>
+        <p:txBody>
+          <a:bodyPr anchor="t">
+            <a:normAutofit/>
+          </a:bodyPr>
+          <a:lstStyle>
+            <a:lvl1pPr marL="0" indent="0" algn="ctr">
+              <a:buNone/>
+              <a:defRPr sz="1600"/>
+            </a:lvl1pPr>
+            <a:lvl2pPr marL="457200" indent="0">
+              <a:buNone/>
+              <a:defRPr sz="1600"/>
+            </a:lvl2pPr>
+            <a:lvl3pPr marL="914400" indent="0">
+              <a:buNone/>
+              <a:defRPr sz="1600"/>
+            </a:lvl3pPr>
+            <a:lvl4pPr marL="1371600" indent="0">
+              <a:buNone/>
+              <a:defRPr sz="1600"/>
+            </a:lvl4pPr>
+            <a:lvl5pPr marL="1828800" indent="0">
+              <a:buNone/>
+              <a:defRPr sz="1600"/>
+            </a:lvl5pPr>
+            <a:lvl6pPr marL="2286000" indent="0">
+              <a:buNone/>
+              <a:defRPr sz="1600"/>
+            </a:lvl6pPr>
+            <a:lvl7pPr marL="2743200" indent="0">
+              <a:buNone/>
+              <a:defRPr sz="1600"/>
+            </a:lvl7pPr>
+            <a:lvl8pPr marL="3200400" indent="0">
+              <a:buNone/>
+              <a:defRPr sz="1600"/>
+            </a:lvl8pPr>
+            <a:lvl9pPr marL="3657600" indent="0">
+              <a:buNone/>
+              <a:defRPr sz="1600"/>
+            </a:lvl9pPr>
+          </a:lstStyle>
+          <a:p>
+            <a:r>
+              <a:rPr lang="en-US" smtClean="0"/>
+              <a:t>Click icon to add picture</a:t>
+            </a:r>
+            <a:endParaRPr lang="en-US" dirty="0"/>
+          </a:p>
+        </p:txBody>
+      </p:sp>
+      <p:sp>
+        <p:nvSpPr>
+          <p:cNvPr id="22" name="Text Placeholder 3"/>
+          <p:cNvSpPr>
+            <a:spLocks noGrp="1"/>
+          </p:cNvSpPr>
+          <p:nvPr>
+            <p:ph type="body" sz="half" idx="18"/>
+          </p:nvPr>
+        </p:nvSpPr>
+        <p:spPr>
+          <a:xfrm>
+            <a:off x="652463" y="4827211"/>
+            <a:ext cx="2940050" cy="659189"/>
+          </a:xfrm>
+        </p:spPr>
+        <p:txBody>
+          <a:bodyPr anchor="t">
+            <a:normAutofit/>
+          </a:bodyPr>
+          <a:lstStyle>
+            <a:lvl1pPr marL="0" indent="0">
+              <a:buNone/>
+              <a:defRPr sz="1400"/>
+            </a:lvl1pPr>
+            <a:lvl2pPr marL="457200" indent="0">
+              <a:buNone/>
+              <a:defRPr sz="1200"/>
+            </a:lvl2pPr>
+            <a:lvl3pPr marL="914400" indent="0">
+              <a:buNone/>
+              <a:defRPr sz="1000"/>
+            </a:lvl3pPr>
+            <a:lvl4pPr marL="1371600" indent="0">
+              <a:buNone/>
+              <a:defRPr sz="900"/>
+            </a:lvl4pPr>
+            <a:lvl5pPr marL="1828800" indent="0">
+              <a:buNone/>
+              <a:defRPr sz="900"/>
+            </a:lvl5pPr>
+            <a:lvl6pPr marL="2286000" indent="0">
+              <a:buNone/>
+              <a:defRPr sz="900"/>
+            </a:lvl6pPr>
+            <a:lvl7pPr marL="2743200" indent="0">
+              <a:buNone/>
+              <a:defRPr sz="900"/>
+            </a:lvl7pPr>
+            <a:lvl8pPr marL="3200400" indent="0">
+              <a:buNone/>
+              <a:defRPr sz="900"/>
+            </a:lvl8pPr>
+            <a:lvl9pPr marL="3657600" indent="0">
+              <a:buNone/>
+              <a:defRPr sz="900"/>
+            </a:lvl9pPr>
+          </a:lstStyle>
+          <a:p>
+            <a:pPr lvl="0"/>
+            <a:r>
+              <a:rPr lang="en-US" smtClean="0"/>
+              <a:t>Edit Master text styles</a:t>
+            </a:r>
+          </a:p>
+        </p:txBody>
+      </p:sp>
+      <p:sp>
+        <p:nvSpPr>
+          <p:cNvPr id="5" name="Text Placeholder 4"/>
+          <p:cNvSpPr>
+            <a:spLocks noGrp="1"/>
+          </p:cNvSpPr>
+          <p:nvPr>
+            <p:ph type="body" sz="quarter" idx="3"/>
+          </p:nvPr>
+        </p:nvSpPr>
+        <p:spPr>
+          <a:xfrm>
+            <a:off x="3889375" y="4250949"/>
+            <a:ext cx="2930525" cy="576262"/>
+          </a:xfrm>
+        </p:spPr>
+        <p:txBody>
+          <a:bodyPr anchor="b">
+            <a:noAutofit/>
+          </a:bodyPr>
+          <a:lstStyle>
+            <a:lvl1pPr marL="0" indent="0">
+              <a:buNone/>
+              <a:defRPr sz="2400" b="0">
+                <a:solidFill>
+                  <a:schemeClr val="bg2">
+                    <a:lumMod val="40000"/>
+                    <a:lumOff val="60000"/>
+                  </a:schemeClr>
+                </a:solidFill>
+              </a:defRPr>
+            </a:lvl1pPr>
+            <a:lvl2pPr marL="457200" indent="0">
+              <a:buNone/>
+              <a:defRPr sz="2000" b="1"/>
+            </a:lvl2pPr>
+            <a:lvl3pPr marL="914400" indent="0">
+              <a:buNone/>
+              <a:defRPr sz="1800" b="1"/>
+            </a:lvl3pPr>
+            <a:lvl4pPr marL="1371600" indent="0">
+              <a:buNone/>
+              <a:defRPr sz="1600" b="1"/>
+            </a:lvl4pPr>
+            <a:lvl5pPr marL="1828800" indent="0">
+              <a:buNone/>
+              <a:defRPr sz="1600" b="1"/>
+            </a:lvl5pPr>
+            <a:lvl6pPr marL="2286000" indent="0">
+              <a:buNone/>
+              <a:defRPr sz="1600" b="1"/>
+            </a:lvl6pPr>
+            <a:lvl7pPr marL="2743200" indent="0">
+              <a:buNone/>
+              <a:defRPr sz="1600" b="1"/>
+            </a:lvl7pPr>
+            <a:lvl8pPr marL="3200400" indent="0">
+              <a:buNone/>
+              <a:defRPr sz="1600" b="1"/>
+            </a:lvl8pPr>
+            <a:lvl9pPr marL="3657600" indent="0">
+              <a:buNone/>
+              <a:defRPr sz="1600" b="1"/>
+            </a:lvl9pPr>
+          </a:lstStyle>
+          <a:p>
+            <a:pPr lvl="0"/>
+            <a:r>
+              <a:rPr lang="en-US" smtClean="0"/>
+              <a:t>Edit Master text styles</a:t>
+            </a:r>
+          </a:p>
+        </p:txBody>
+      </p:sp>
+      <p:sp>
+        <p:nvSpPr>
+          <p:cNvPr id="30" name="Picture Placeholder 2"/>
+          <p:cNvSpPr>
+            <a:spLocks noGrp="1" noChangeAspect="1"/>
+          </p:cNvSpPr>
+          <p:nvPr>
+            <p:ph type="pic" idx="21"/>
+          </p:nvPr>
+        </p:nvSpPr>
+        <p:spPr>
+          <a:xfrm>
+            <a:off x="3889374" y="2209800"/>
+            <a:ext cx="2930525" cy="1524000"/>
+          </a:xfrm>
+          <a:prstGeom prst="roundRect">
+            <a:avLst>
+              <a:gd name="adj" fmla="val 1858"/>
+            </a:avLst>
+          </a:prstGeom>
+          <a:effectLst>
+            <a:outerShdw blurRad="50800" dist="50800" dir="5400000" algn="tl" rotWithShape="0">
+              <a:srgbClr val="000000">
+                <a:alpha val="43000"/>
+              </a:srgbClr>
+            </a:outerShdw>
+          </a:effectLst>
+        </p:spPr>
+        <p:txBody>
+          <a:bodyPr anchor="t">
+            <a:normAutofit/>
+          </a:bodyPr>
+          <a:lstStyle>
+            <a:lvl1pPr marL="0" indent="0" algn="ctr">
+              <a:buNone/>
+              <a:defRPr sz="1600"/>
+            </a:lvl1pPr>
+            <a:lvl2pPr marL="457200" indent="0">
+              <a:buNone/>
+              <a:defRPr sz="1600"/>
+            </a:lvl2pPr>
+            <a:lvl3pPr marL="914400" indent="0">
+              <a:buNone/>
+              <a:defRPr sz="1600"/>
+            </a:lvl3pPr>
+            <a:lvl4pPr marL="1371600" indent="0">
+              <a:buNone/>
+              <a:defRPr sz="1600"/>
+            </a:lvl4pPr>
+            <a:lvl5pPr marL="1828800" indent="0">
+              <a:buNone/>
+              <a:defRPr sz="1600"/>
+            </a:lvl5pPr>
+            <a:lvl6pPr marL="2286000" indent="0">
+              <a:buNone/>
+              <a:defRPr sz="1600"/>
+            </a:lvl6pPr>
+            <a:lvl7pPr marL="2743200" indent="0">
+              <a:buNone/>
+              <a:defRPr sz="1600"/>
+            </a:lvl7pPr>
+            <a:lvl8pPr marL="3200400" indent="0">
+              <a:buNone/>
+              <a:defRPr sz="1600"/>
+            </a:lvl8pPr>
+            <a:lvl9pPr marL="3657600" indent="0">
+              <a:buNone/>
+              <a:defRPr sz="1600"/>
+            </a:lvl9pPr>
+          </a:lstStyle>
+          <a:p>
+            <a:r>
+              <a:rPr lang="en-US" smtClean="0"/>
+              <a:t>Click icon to add picture</a:t>
+            </a:r>
+            <a:endParaRPr lang="en-US" dirty="0"/>
+          </a:p>
+        </p:txBody>
+      </p:sp>
+      <p:sp>
+        <p:nvSpPr>
+          <p:cNvPr id="23" name="Text Placeholder 3"/>
+          <p:cNvSpPr>
+            <a:spLocks noGrp="1"/>
+          </p:cNvSpPr>
+          <p:nvPr>
+            <p:ph type="body" sz="half" idx="19"/>
+          </p:nvPr>
+        </p:nvSpPr>
+        <p:spPr>
+          <a:xfrm>
+            <a:off x="3888022" y="4827210"/>
+            <a:ext cx="2934406" cy="659189"/>
+          </a:xfrm>
+        </p:spPr>
+        <p:txBody>
+          <a:bodyPr anchor="t">
+            <a:normAutofit/>
+          </a:bodyPr>
+          <a:lstStyle>
+            <a:lvl1pPr marL="0" indent="0">
+              <a:buNone/>
+              <a:defRPr sz="1400"/>
+            </a:lvl1pPr>
+            <a:lvl2pPr marL="457200" indent="0">
+              <a:buNone/>
+              <a:defRPr sz="1200"/>
+            </a:lvl2pPr>
+            <a:lvl3pPr marL="914400" indent="0">
+              <a:buNone/>
+              <a:defRPr sz="1000"/>
+            </a:lvl3pPr>
+            <a:lvl4pPr marL="1371600" indent="0">
+              <a:buNone/>
+              <a:defRPr sz="900"/>
+            </a:lvl4pPr>
+            <a:lvl5pPr marL="1828800" indent="0">
+              <a:buNone/>
+              <a:defRPr sz="900"/>
+            </a:lvl5pPr>
+            <a:lvl6pPr marL="2286000" indent="0">
+              <a:buNone/>
+              <a:defRPr sz="900"/>
+            </a:lvl6pPr>
+            <a:lvl7pPr marL="2743200" indent="0">
+              <a:buNone/>
+              <a:defRPr sz="900"/>
+            </a:lvl7pPr>
+            <a:lvl8pPr marL="3200400" indent="0">
+              <a:buNone/>
+              <a:defRPr sz="900"/>
+            </a:lvl8pPr>
+            <a:lvl9pPr marL="3657600" indent="0">
+              <a:buNone/>
+              <a:defRPr sz="900"/>
+            </a:lvl9pPr>
+          </a:lstStyle>
+          <a:p>
+            <a:pPr lvl="0"/>
+            <a:r>
+              <a:rPr lang="en-US" smtClean="0"/>
+              <a:t>Edit Master text styles</a:t>
+            </a:r>
+          </a:p>
+        </p:txBody>
+      </p:sp>
+      <p:sp>
+        <p:nvSpPr>
+          <p:cNvPr id="14" name="Text Placeholder 4"/>
+          <p:cNvSpPr>
+            <a:spLocks noGrp="1"/>
+          </p:cNvSpPr>
+          <p:nvPr>
+            <p:ph type="body" sz="quarter" idx="13"/>
+          </p:nvPr>
+        </p:nvSpPr>
+        <p:spPr>
+          <a:xfrm>
+            <a:off x="7124700" y="4250949"/>
+            <a:ext cx="2932113" cy="576262"/>
+          </a:xfrm>
+        </p:spPr>
+        <p:txBody>
+          <a:bodyPr anchor="b">
+            <a:noAutofit/>
+          </a:bodyPr>
+          <a:lstStyle>
+            <a:lvl1pPr marL="0" indent="0">
+              <a:buNone/>
+              <a:defRPr sz="2400" b="0">
+                <a:solidFill>
+                  <a:schemeClr val="bg2">
+                    <a:lumMod val="40000"/>
+                    <a:lumOff val="60000"/>
+                  </a:schemeClr>
+                </a:solidFill>
+              </a:defRPr>
+            </a:lvl1pPr>
+            <a:lvl2pPr marL="457200" indent="0">
+              <a:buNone/>
+              <a:defRPr sz="2000" b="1"/>
+            </a:lvl2pPr>
+            <a:lvl3pPr marL="914400" indent="0">
+              <a:buNone/>
+              <a:defRPr sz="1800" b="1"/>
+            </a:lvl3pPr>
+            <a:lvl4pPr marL="1371600" indent="0">
+              <a:buNone/>
+              <a:defRPr sz="1600" b="1"/>
+            </a:lvl4pPr>
+            <a:lvl5pPr marL="1828800" indent="0">
+              <a:buNone/>
+              <a:defRPr sz="1600" b="1"/>
+            </a:lvl5pPr>
+            <a:lvl6pPr marL="2286000" indent="0">
+              <a:buNone/>
+              <a:defRPr sz="1600" b="1"/>
+            </a:lvl6pPr>
+            <a:lvl7pPr marL="2743200" indent="0">
+              <a:buNone/>
+              <a:defRPr sz="1600" b="1"/>
+            </a:lvl7pPr>
+            <a:lvl8pPr marL="3200400" indent="0">
+              <a:buNone/>
+              <a:defRPr sz="1600" b="1"/>
+            </a:lvl8pPr>
+            <a:lvl9pPr marL="3657600" indent="0">
+              <a:buNone/>
+              <a:defRPr sz="1600" b="1"/>
+            </a:lvl9pPr>
+          </a:lstStyle>
+          <a:p>
+            <a:pPr lvl="0"/>
+            <a:r>
+              <a:rPr lang="en-US" smtClean="0"/>
+              <a:t>Edit Master text styles</a:t>
+            </a:r>
+          </a:p>
+        </p:txBody>
+      </p:sp>
+      <p:sp>
+        <p:nvSpPr>
+          <p:cNvPr id="31" name="Picture Placeholder 2"/>
+          <p:cNvSpPr>
+            <a:spLocks noGrp="1" noChangeAspect="1"/>
+          </p:cNvSpPr>
+          <p:nvPr>
+            <p:ph type="pic" idx="22"/>
+          </p:nvPr>
+        </p:nvSpPr>
+        <p:spPr>
+          <a:xfrm>
+            <a:off x="7124699" y="2209800"/>
+            <a:ext cx="2932113" cy="1524000"/>
+          </a:xfrm>
+          <a:prstGeom prst="roundRect">
+            <a:avLst>
+              <a:gd name="adj" fmla="val 1858"/>
+            </a:avLst>
+          </a:prstGeom>
+          <a:effectLst>
+            <a:outerShdw blurRad="50800" dist="50800" dir="5400000" algn="tl" rotWithShape="0">
+              <a:srgbClr val="000000">
+                <a:alpha val="43000"/>
+              </a:srgbClr>
+            </a:outerShdw>
+          </a:effectLst>
+        </p:spPr>
+        <p:txBody>
+          <a:bodyPr anchor="t">
+            <a:normAutofit/>
+          </a:bodyPr>
+          <a:lstStyle>
+            <a:lvl1pPr marL="0" indent="0" algn="ctr">
+              <a:buNone/>
+              <a:defRPr sz="1600"/>
+            </a:lvl1pPr>
+            <a:lvl2pPr marL="457200" indent="0">
+              <a:buNone/>
+              <a:defRPr sz="1600"/>
+            </a:lvl2pPr>
+            <a:lvl3pPr marL="914400" indent="0">
+              <a:buNone/>
+              <a:defRPr sz="1600"/>
+            </a:lvl3pPr>
+            <a:lvl4pPr marL="1371600" indent="0">
+              <a:buNone/>
+              <a:defRPr sz="1600"/>
+            </a:lvl4pPr>
+            <a:lvl5pPr marL="1828800" indent="0">
+              <a:buNone/>
+              <a:defRPr sz="1600"/>
+            </a:lvl5pPr>
+            <a:lvl6pPr marL="2286000" indent="0">
+              <a:buNone/>
+              <a:defRPr sz="1600"/>
+            </a:lvl6pPr>
+            <a:lvl7pPr marL="2743200" indent="0">
+              <a:buNone/>
+              <a:defRPr sz="1600"/>
+            </a:lvl7pPr>
+            <a:lvl8pPr marL="3200400" indent="0">
+              <a:buNone/>
+              <a:defRPr sz="1600"/>
+            </a:lvl8pPr>
+            <a:lvl9pPr marL="3657600" indent="0">
+              <a:buNone/>
+              <a:defRPr sz="1600"/>
+            </a:lvl9pPr>
+          </a:lstStyle>
+          <a:p>
+            <a:r>
+              <a:rPr lang="en-US" smtClean="0"/>
+              <a:t>Click icon to add picture</a:t>
+            </a:r>
+            <a:endParaRPr lang="en-US" dirty="0"/>
+          </a:p>
+        </p:txBody>
+      </p:sp>
+      <p:sp>
+        <p:nvSpPr>
+          <p:cNvPr id="24" name="Text Placeholder 3"/>
+          <p:cNvSpPr>
+            <a:spLocks noGrp="1"/>
+          </p:cNvSpPr>
+          <p:nvPr>
+            <p:ph type="body" sz="half" idx="20"/>
+          </p:nvPr>
+        </p:nvSpPr>
+        <p:spPr>
+          <a:xfrm>
+            <a:off x="7124575" y="4827208"/>
+            <a:ext cx="2935997" cy="659189"/>
+          </a:xfrm>
+        </p:spPr>
+        <p:txBody>
+          <a:bodyPr anchor="t">
+            <a:normAutofit/>
+          </a:bodyPr>
+          <a:lstStyle>
+            <a:lvl1pPr marL="0" indent="0">
+              <a:buNone/>
+              <a:defRPr sz="1400"/>
+            </a:lvl1pPr>
+            <a:lvl2pPr marL="457200" indent="0">
+              <a:buNone/>
+              <a:defRPr sz="1200"/>
+            </a:lvl2pPr>
+            <a:lvl3pPr marL="914400" indent="0">
+              <a:buNone/>
+              <a:defRPr sz="1000"/>
+            </a:lvl3pPr>
+            <a:lvl4pPr marL="1371600" indent="0">
+              <a:buNone/>
+              <a:defRPr sz="900"/>
+            </a:lvl4pPr>
+            <a:lvl5pPr marL="1828800" indent="0">
+              <a:buNone/>
+              <a:defRPr sz="900"/>
+            </a:lvl5pPr>
+            <a:lvl6pPr marL="2286000" indent="0">
+              <a:buNone/>
+              <a:defRPr sz="900"/>
+            </a:lvl6pPr>
+            <a:lvl7pPr marL="2743200" indent="0">
+              <a:buNone/>
+              <a:defRPr sz="900"/>
+            </a:lvl7pPr>
+            <a:lvl8pPr marL="3200400" indent="0">
+              <a:buNone/>
+              <a:defRPr sz="900"/>
+            </a:lvl8pPr>
+            <a:lvl9pPr marL="3657600" indent="0">
+              <a:buNone/>
+              <a:defRPr sz="900"/>
+            </a:lvl9pPr>
+          </a:lstStyle>
+          <a:p>
+            <a:pPr lvl="0"/>
+            <a:r>
+              <a:rPr lang="en-US" smtClean="0"/>
+              <a:t>Edit Master text styles</a:t>
+            </a:r>
+          </a:p>
+        </p:txBody>
+      </p:sp>
+      <p:cxnSp>
+        <p:nvCxnSpPr>
+          <p:cNvPr id="19" name="Straight Connector 18"/>
+          <p:cNvCxnSpPr/>
+          <p:nvPr/>
+        </p:nvCxnSpPr>
+        <p:spPr>
+          <a:xfrm>
+            <a:off x="3726142" y="2133600"/>
+            <a:ext cx="0" cy="3962400"/>
+          </a:xfrm>
+          <a:prstGeom prst="line">
+            <a:avLst/>
+          </a:prstGeom>
+          <a:ln w="12700" cmpd="sng">
+            <a:solidFill>
+              <a:schemeClr val="bg2">
+                <a:lumMod val="40000"/>
+                <a:lumOff val="60000"/>
+                <a:alpha val="40000"/>
+              </a:schemeClr>
+            </a:solidFill>
+          </a:ln>
+        </p:spPr>
+        <p:style>
+          <a:lnRef idx="2">
+            <a:schemeClr val="accent1"/>
+          </a:lnRef>
+          <a:fillRef idx="0">
+            <a:schemeClr val="accent1"/>
+          </a:fillRef>
+          <a:effectRef idx="1">
+            <a:schemeClr val="accent1"/>
+          </a:effectRef>
+          <a:fontRef idx="minor">
+            <a:schemeClr val="tx1"/>
+          </a:fontRef>
+        </p:style>
+      </p:cxnSp>
+      <p:cxnSp>
+        <p:nvCxnSpPr>
+          <p:cNvPr id="20" name="Straight Connector 19"/>
+          <p:cNvCxnSpPr/>
+          <p:nvPr/>
+        </p:nvCxnSpPr>
+        <p:spPr>
+          <a:xfrm>
+            <a:off x="6962227" y="2133600"/>
+            <a:ext cx="0" cy="3966882"/>
+          </a:xfrm>
+          <a:prstGeom prst="line">
+            <a:avLst/>
+          </a:prstGeom>
+          <a:ln w="12700" cmpd="sng">
+            <a:solidFill>
+              <a:schemeClr val="bg2">
+                <a:lumMod val="40000"/>
+                <a:lumOff val="60000"/>
+                <a:alpha val="40000"/>
+              </a:schemeClr>
+            </a:solidFill>
+          </a:ln>
+        </p:spPr>
+        <p:style>
+          <a:lnRef idx="2">
+            <a:schemeClr val="accent1"/>
+          </a:lnRef>
+          <a:fillRef idx="0">
+            <a:schemeClr val="accent1"/>
+          </a:fillRef>
+          <a:effectRef idx="1">
+            <a:schemeClr val="accent1"/>
+          </a:effectRef>
+          <a:fontRef idx="minor">
+            <a:schemeClr val="tx1"/>
+          </a:fontRef>
+        </p:style>
+      </p:cxnSp>
+      <p:sp>
+        <p:nvSpPr>
+          <p:cNvPr id="7" name="Date Placeholder 3"/>
+          <p:cNvSpPr>
+            <a:spLocks noGrp="1"/>
+          </p:cNvSpPr>
+          <p:nvPr>
+            <p:ph type="dt" sz="half" idx="10"/>
+          </p:nvPr>
+        </p:nvSpPr>
+        <p:spPr/>
+        <p:txBody>
+          <a:bodyPr/>
+          <a:lstStyle/>
+          <a:p>
+            <a:fld id="{A1421AF3-02C3-42CC-BF7E-19BA98888225}" type="datetimeFigureOut">
+              <a:rPr lang="en-US" smtClean="0"/>
+              <a:t>4/14/2025</a:t>
+            </a:fld>
+            <a:endParaRPr lang="en-US"/>
+          </a:p>
+        </p:txBody>
+      </p:sp>
+      <p:sp>
+        <p:nvSpPr>
+          <p:cNvPr id="4" name="Footer Placeholder 4"/>
+          <p:cNvSpPr>
+            <a:spLocks noGrp="1"/>
+          </p:cNvSpPr>
+          <p:nvPr>
+            <p:ph type="ftr" sz="quarter" idx="11"/>
+          </p:nvPr>
+        </p:nvSpPr>
+        <p:spPr/>
+        <p:txBody>
+          <a:bodyPr/>
+          <a:lstStyle/>
+          <a:p>
+            <a:endParaRPr lang="en-US"/>
+          </a:p>
+        </p:txBody>
+      </p:sp>
+      <p:sp>
+        <p:nvSpPr>
+          <p:cNvPr id="6" name="Slide Number Placeholder 5"/>
+          <p:cNvSpPr>
+            <a:spLocks noGrp="1"/>
+          </p:cNvSpPr>
+          <p:nvPr>
+            <p:ph type="sldNum" sz="quarter" idx="12"/>
+          </p:nvPr>
+        </p:nvSpPr>
+        <p:spPr/>
+        <p:txBody>
+          <a:bodyPr/>
+          <a:lstStyle/>
+          <a:p>
+            <a:fld id="{582FC3B6-09A2-4C22-83B5-27217B3E17AF}" type="slidenum">
+              <a:rPr lang="en-US" smtClean="0"/>
+              <a:t>‹#›</a:t>
+            </a:fld>
+            <a:endParaRPr lang="en-US"/>
+          </a:p>
+        </p:txBody>
+      </p:sp>
+    </p:spTree>
+    <p:extLst>
+      <p:ext uri="{BB962C8B-B14F-4D97-AF65-F5344CB8AC3E}">
+        <p14:creationId xmlns:p14="http://schemas.microsoft.com/office/powerpoint/2010/main" val="2831894074"/>
+      </p:ext>
+    </p:extLst>
+  </p:cSld>
+  <p:clrMapOvr>
+    <a:masterClrMapping/>
+  </p:clrMapOvr>
+</p:sldLayout>
+</file>
+
+<file path=ppt/slideLayouts/slideLayout16.xml><?xml version="1.0" encoding="utf-8"?>
 <p:sldLayout xmlns:a="http://schemas.openxmlformats.org/drawingml/2006/main" xmlns:r="http://schemas.openxmlformats.org/officeDocument/2006/relationships" xmlns:p="http://schemas.openxmlformats.org/presentationml/2006/main" type="vertTx" preserve="1">
   <p:cSld name="Title and Vertical Text">
     <p:spTree>
@@ -361,13 +2954,7 @@
       </p:grpSpPr>
       <p:sp>
         <p:nvSpPr>
-          <p:cNvPr id="2" name="Title 1">
-            <a:extLst>
-              <a:ext uri="{FF2B5EF4-FFF2-40B4-BE49-F238E27FC236}">
-                <a16:creationId xmlns:a16="http://schemas.microsoft.com/office/drawing/2014/main" id="{31937776-42EF-6316-BD88-57FF0D38CB28}"/>
-              </a:ext>
-            </a:extLst>
-          </p:cNvPr>
+          <p:cNvPr id="2" name="Title 1"/>
           <p:cNvSpPr>
             <a:spLocks noGrp="1"/>
           </p:cNvSpPr>
@@ -381,21 +2968,16 @@
           <a:lstStyle/>
           <a:p>
             <a:r>
-              <a:rPr lang="en-US"/>
+              <a:rPr lang="en-US" smtClean="0"/>
               <a:t>Click to edit Master title style</a:t>
             </a:r>
-          </a:p>
-        </p:txBody>
-      </p:sp>
-      <p:sp>
-        <p:nvSpPr>
-          <p:cNvPr id="3" name="Vertical Text Placeholder 2">
-            <a:extLst>
-              <a:ext uri="{FF2B5EF4-FFF2-40B4-BE49-F238E27FC236}">
-                <a16:creationId xmlns:a16="http://schemas.microsoft.com/office/drawing/2014/main" id="{902469C1-120B-8E5C-4B27-98B838F452F9}"/>
-              </a:ext>
-            </a:extLst>
-          </p:cNvPr>
+            <a:endParaRPr lang="en-US" dirty="0"/>
+          </a:p>
+        </p:txBody>
+      </p:sp>
+      <p:sp>
+        <p:nvSpPr>
+          <p:cNvPr id="3" name="Vertical Text Placeholder 2"/>
           <p:cNvSpPr>
             <a:spLocks noGrp="1"/>
           </p:cNvSpPr>
@@ -405,54 +2987,49 @@
         </p:nvSpPr>
         <p:spPr/>
         <p:txBody>
-          <a:bodyPr vert="eaVert"/>
+          <a:bodyPr vert="eaVert" anchor="t" anchorCtr="0"/>
           <a:lstStyle/>
           <a:p>
             <a:pPr lvl="0"/>
             <a:r>
-              <a:rPr lang="en-US"/>
-              <a:t>Click to edit Master text styles</a:t>
+              <a:rPr lang="en-US" smtClean="0"/>
+              <a:t>Edit Master text styles</a:t>
             </a:r>
           </a:p>
           <a:p>
             <a:pPr lvl="1"/>
             <a:r>
-              <a:rPr lang="en-US"/>
+              <a:rPr lang="en-US" smtClean="0"/>
               <a:t>Second level</a:t>
             </a:r>
           </a:p>
           <a:p>
             <a:pPr lvl="2"/>
             <a:r>
-              <a:rPr lang="en-US"/>
+              <a:rPr lang="en-US" smtClean="0"/>
               <a:t>Third level</a:t>
             </a:r>
           </a:p>
           <a:p>
             <a:pPr lvl="3"/>
             <a:r>
-              <a:rPr lang="en-US"/>
+              <a:rPr lang="en-US" smtClean="0"/>
               <a:t>Fourth level</a:t>
             </a:r>
           </a:p>
           <a:p>
             <a:pPr lvl="4"/>
             <a:r>
-              <a:rPr lang="en-US"/>
+              <a:rPr lang="en-US" smtClean="0"/>
               <a:t>Fifth level</a:t>
             </a:r>
-          </a:p>
-        </p:txBody>
-      </p:sp>
-      <p:sp>
-        <p:nvSpPr>
-          <p:cNvPr id="4" name="Date Placeholder 3">
-            <a:extLst>
-              <a:ext uri="{FF2B5EF4-FFF2-40B4-BE49-F238E27FC236}">
-                <a16:creationId xmlns:a16="http://schemas.microsoft.com/office/drawing/2014/main" id="{DAAA1883-F27C-17BA-E5A2-1A10EF0AB0EE}"/>
-              </a:ext>
-            </a:extLst>
-          </p:cNvPr>
+            <a:endParaRPr lang="en-US" dirty="0"/>
+          </a:p>
+        </p:txBody>
+      </p:sp>
+      <p:sp>
+        <p:nvSpPr>
+          <p:cNvPr id="4" name="Date Placeholder 3"/>
           <p:cNvSpPr>
             <a:spLocks noGrp="1"/>
           </p:cNvSpPr>
@@ -475,13 +3052,7 @@
       </p:sp>
       <p:sp>
         <p:nvSpPr>
-          <p:cNvPr id="5" name="Footer Placeholder 4">
-            <a:extLst>
-              <a:ext uri="{FF2B5EF4-FFF2-40B4-BE49-F238E27FC236}">
-                <a16:creationId xmlns:a16="http://schemas.microsoft.com/office/drawing/2014/main" id="{4FC8E716-554A-5ABD-B9DE-EF3B3B00850A}"/>
-              </a:ext>
-            </a:extLst>
-          </p:cNvPr>
+          <p:cNvPr id="5" name="Footer Placeholder 4"/>
           <p:cNvSpPr>
             <a:spLocks noGrp="1"/>
           </p:cNvSpPr>
@@ -500,13 +3071,7 @@
       </p:sp>
       <p:sp>
         <p:nvSpPr>
-          <p:cNvPr id="6" name="Slide Number Placeholder 5">
-            <a:extLst>
-              <a:ext uri="{FF2B5EF4-FFF2-40B4-BE49-F238E27FC236}">
-                <a16:creationId xmlns:a16="http://schemas.microsoft.com/office/drawing/2014/main" id="{C0B150B2-5C54-1AC4-FE30-9AE493A9A727}"/>
-              </a:ext>
-            </a:extLst>
-          </p:cNvPr>
+          <p:cNvPr id="6" name="Slide Number Placeholder 5"/>
           <p:cNvSpPr>
             <a:spLocks noGrp="1"/>
           </p:cNvSpPr>
@@ -530,7 +3095,7 @@
     </p:spTree>
     <p:extLst>
       <p:ext uri="{BB962C8B-B14F-4D97-AF65-F5344CB8AC3E}">
-        <p14:creationId xmlns:p14="http://schemas.microsoft.com/office/powerpoint/2010/main" val="1033739214"/>
+        <p14:creationId xmlns:p14="http://schemas.microsoft.com/office/powerpoint/2010/main" val="2271581807"/>
       </p:ext>
     </p:extLst>
   </p:cSld>
@@ -540,7 +3105,7 @@
 </p:sldLayout>
 </file>
 
-<file path=ppt/slideLayouts/slideLayout11.xml><?xml version="1.0" encoding="utf-8"?>
+<file path=ppt/slideLayouts/slideLayout17.xml><?xml version="1.0" encoding="utf-8"?>
 <p:sldLayout xmlns:a="http://schemas.openxmlformats.org/drawingml/2006/main" xmlns:r="http://schemas.openxmlformats.org/officeDocument/2006/relationships" xmlns:p="http://schemas.openxmlformats.org/presentationml/2006/main" type="vertTitleAndTx" preserve="1">
   <p:cSld name="Vertical Title and Text">
     <p:spTree>
@@ -559,13 +3124,7 @@
       </p:grpSpPr>
       <p:sp>
         <p:nvSpPr>
-          <p:cNvPr id="2" name="Vertical Title 1">
-            <a:extLst>
-              <a:ext uri="{FF2B5EF4-FFF2-40B4-BE49-F238E27FC236}">
-                <a16:creationId xmlns:a16="http://schemas.microsoft.com/office/drawing/2014/main" id="{52AA6A46-B319-C664-822B-12AFB926799A}"/>
-              </a:ext>
-            </a:extLst>
-          </p:cNvPr>
+          <p:cNvPr id="2" name="Vertical Title 1"/>
           <p:cNvSpPr>
             <a:spLocks noGrp="1"/>
           </p:cNvSpPr>
@@ -575,92 +3134,82 @@
         </p:nvSpPr>
         <p:spPr>
           <a:xfrm>
-            <a:off x="8724900" y="365125"/>
-            <a:ext cx="2628900" cy="5811838"/>
+            <a:off x="8304212" y="430213"/>
+            <a:ext cx="1752601" cy="5826125"/>
           </a:xfrm>
         </p:spPr>
         <p:txBody>
+          <a:bodyPr vert="eaVert" anchor="b" anchorCtr="0"/>
+          <a:lstStyle/>
+          <a:p>
+            <a:r>
+              <a:rPr lang="en-US" smtClean="0"/>
+              <a:t>Click to edit Master title style</a:t>
+            </a:r>
+            <a:endParaRPr lang="en-US" dirty="0"/>
+          </a:p>
+        </p:txBody>
+      </p:sp>
+      <p:sp>
+        <p:nvSpPr>
+          <p:cNvPr id="3" name="Vertical Text Placeholder 2"/>
+          <p:cNvSpPr>
+            <a:spLocks noGrp="1"/>
+          </p:cNvSpPr>
+          <p:nvPr>
+            <p:ph type="body" orient="vert" idx="1"/>
+          </p:nvPr>
+        </p:nvSpPr>
+        <p:spPr>
+          <a:xfrm>
+            <a:off x="652463" y="887414"/>
+            <a:ext cx="7423149" cy="5368924"/>
+          </a:xfrm>
+        </p:spPr>
+        <p:txBody>
           <a:bodyPr vert="eaVert"/>
           <a:lstStyle/>
           <a:p>
-            <a:r>
-              <a:rPr lang="en-US"/>
-              <a:t>Click to edit Master title style</a:t>
-            </a:r>
-          </a:p>
-        </p:txBody>
-      </p:sp>
-      <p:sp>
-        <p:nvSpPr>
-          <p:cNvPr id="3" name="Vertical Text Placeholder 2">
-            <a:extLst>
-              <a:ext uri="{FF2B5EF4-FFF2-40B4-BE49-F238E27FC236}">
-                <a16:creationId xmlns:a16="http://schemas.microsoft.com/office/drawing/2014/main" id="{E09C682A-3C28-B4A7-7151-706F5165D1CE}"/>
-              </a:ext>
-            </a:extLst>
-          </p:cNvPr>
-          <p:cNvSpPr>
-            <a:spLocks noGrp="1"/>
-          </p:cNvSpPr>
-          <p:nvPr>
-            <p:ph type="body" orient="vert" idx="1"/>
-          </p:nvPr>
-        </p:nvSpPr>
-        <p:spPr>
-          <a:xfrm>
-            <a:off x="838200" y="365125"/>
-            <a:ext cx="7734300" cy="5811838"/>
-          </a:xfrm>
-        </p:spPr>
-        <p:txBody>
-          <a:bodyPr vert="eaVert"/>
-          <a:lstStyle/>
-          <a:p>
             <a:pPr lvl="0"/>
             <a:r>
-              <a:rPr lang="en-US"/>
-              <a:t>Click to edit Master text styles</a:t>
+              <a:rPr lang="en-US" smtClean="0"/>
+              <a:t>Edit Master text styles</a:t>
             </a:r>
           </a:p>
           <a:p>
             <a:pPr lvl="1"/>
             <a:r>
-              <a:rPr lang="en-US"/>
+              <a:rPr lang="en-US" smtClean="0"/>
               <a:t>Second level</a:t>
             </a:r>
           </a:p>
           <a:p>
             <a:pPr lvl="2"/>
             <a:r>
-              <a:rPr lang="en-US"/>
+              <a:rPr lang="en-US" smtClean="0"/>
               <a:t>Third level</a:t>
             </a:r>
           </a:p>
           <a:p>
             <a:pPr lvl="3"/>
             <a:r>
-              <a:rPr lang="en-US"/>
+              <a:rPr lang="en-US" smtClean="0"/>
               <a:t>Fourth level</a:t>
             </a:r>
           </a:p>
           <a:p>
             <a:pPr lvl="4"/>
             <a:r>
-              <a:rPr lang="en-US"/>
+              <a:rPr lang="en-US" smtClean="0"/>
               <a:t>Fifth level</a:t>
             </a:r>
-          </a:p>
-        </p:txBody>
-      </p:sp>
-      <p:sp>
-        <p:nvSpPr>
-          <p:cNvPr id="4" name="Date Placeholder 3">
-            <a:extLst>
-              <a:ext uri="{FF2B5EF4-FFF2-40B4-BE49-F238E27FC236}">
-                <a16:creationId xmlns:a16="http://schemas.microsoft.com/office/drawing/2014/main" id="{2A6D3EAD-64EB-62D3-20A2-93064CFEAE66}"/>
-              </a:ext>
-            </a:extLst>
-          </p:cNvPr>
+            <a:endParaRPr lang="en-US" dirty="0"/>
+          </a:p>
+        </p:txBody>
+      </p:sp>
+      <p:sp>
+        <p:nvSpPr>
+          <p:cNvPr id="4" name="Date Placeholder 3"/>
           <p:cNvSpPr>
             <a:spLocks noGrp="1"/>
           </p:cNvSpPr>
@@ -683,13 +3232,7 @@
       </p:sp>
       <p:sp>
         <p:nvSpPr>
-          <p:cNvPr id="5" name="Footer Placeholder 4">
-            <a:extLst>
-              <a:ext uri="{FF2B5EF4-FFF2-40B4-BE49-F238E27FC236}">
-                <a16:creationId xmlns:a16="http://schemas.microsoft.com/office/drawing/2014/main" id="{92118BDD-63C5-B154-E7AC-33A48B4CEF19}"/>
-              </a:ext>
-            </a:extLst>
-          </p:cNvPr>
+          <p:cNvPr id="5" name="Footer Placeholder 4"/>
           <p:cNvSpPr>
             <a:spLocks noGrp="1"/>
           </p:cNvSpPr>
@@ -708,13 +3251,7 @@
       </p:sp>
       <p:sp>
         <p:nvSpPr>
-          <p:cNvPr id="6" name="Slide Number Placeholder 5">
-            <a:extLst>
-              <a:ext uri="{FF2B5EF4-FFF2-40B4-BE49-F238E27FC236}">
-                <a16:creationId xmlns:a16="http://schemas.microsoft.com/office/drawing/2014/main" id="{A0877E51-44C8-FF5D-4AD5-913854028DA8}"/>
-              </a:ext>
-            </a:extLst>
-          </p:cNvPr>
+          <p:cNvPr id="6" name="Slide Number Placeholder 5"/>
           <p:cNvSpPr>
             <a:spLocks noGrp="1"/>
           </p:cNvSpPr>
@@ -738,7 +3275,7 @@
     </p:spTree>
     <p:extLst>
       <p:ext uri="{BB962C8B-B14F-4D97-AF65-F5344CB8AC3E}">
-        <p14:creationId xmlns:p14="http://schemas.microsoft.com/office/powerpoint/2010/main" val="2605751706"/>
+        <p14:creationId xmlns:p14="http://schemas.microsoft.com/office/powerpoint/2010/main" val="116500534"/>
       </p:ext>
     </p:extLst>
   </p:cSld>
@@ -767,13 +3304,7 @@
       </p:grpSpPr>
       <p:sp>
         <p:nvSpPr>
-          <p:cNvPr id="2" name="Title 1">
-            <a:extLst>
-              <a:ext uri="{FF2B5EF4-FFF2-40B4-BE49-F238E27FC236}">
-                <a16:creationId xmlns:a16="http://schemas.microsoft.com/office/drawing/2014/main" id="{9D13BE81-F189-8A03-AEA9-FC2F291B8D23}"/>
-              </a:ext>
-            </a:extLst>
-          </p:cNvPr>
+          <p:cNvPr id="2" name="Title 1"/>
           <p:cNvSpPr>
             <a:spLocks noGrp="1"/>
           </p:cNvSpPr>
@@ -787,21 +3318,16 @@
           <a:lstStyle/>
           <a:p>
             <a:r>
-              <a:rPr lang="en-US"/>
+              <a:rPr lang="en-US" smtClean="0"/>
               <a:t>Click to edit Master title style</a:t>
             </a:r>
-          </a:p>
-        </p:txBody>
-      </p:sp>
-      <p:sp>
-        <p:nvSpPr>
-          <p:cNvPr id="3" name="Content Placeholder 2">
-            <a:extLst>
-              <a:ext uri="{FF2B5EF4-FFF2-40B4-BE49-F238E27FC236}">
-                <a16:creationId xmlns:a16="http://schemas.microsoft.com/office/drawing/2014/main" id="{68C80CFC-C28E-8042-C5A3-23EAEF9C5175}"/>
-              </a:ext>
-            </a:extLst>
-          </p:cNvPr>
+            <a:endParaRPr lang="en-US" dirty="0"/>
+          </a:p>
+        </p:txBody>
+      </p:sp>
+      <p:sp>
+        <p:nvSpPr>
+          <p:cNvPr id="3" name="Content Placeholder 2"/>
           <p:cNvSpPr>
             <a:spLocks noGrp="1"/>
           </p:cNvSpPr>
@@ -816,49 +3342,44 @@
           <a:p>
             <a:pPr lvl="0"/>
             <a:r>
-              <a:rPr lang="en-US"/>
-              <a:t>Click to edit Master text styles</a:t>
+              <a:rPr lang="en-US" smtClean="0"/>
+              <a:t>Edit Master text styles</a:t>
             </a:r>
           </a:p>
           <a:p>
             <a:pPr lvl="1"/>
             <a:r>
-              <a:rPr lang="en-US"/>
+              <a:rPr lang="en-US" smtClean="0"/>
               <a:t>Second level</a:t>
             </a:r>
           </a:p>
           <a:p>
             <a:pPr lvl="2"/>
             <a:r>
-              <a:rPr lang="en-US"/>
+              <a:rPr lang="en-US" smtClean="0"/>
               <a:t>Third level</a:t>
             </a:r>
           </a:p>
           <a:p>
             <a:pPr lvl="3"/>
             <a:r>
-              <a:rPr lang="en-US"/>
+              <a:rPr lang="en-US" smtClean="0"/>
               <a:t>Fourth level</a:t>
             </a:r>
           </a:p>
           <a:p>
             <a:pPr lvl="4"/>
             <a:r>
-              <a:rPr lang="en-US"/>
+              <a:rPr lang="en-US" smtClean="0"/>
               <a:t>Fifth level</a:t>
             </a:r>
-          </a:p>
-        </p:txBody>
-      </p:sp>
-      <p:sp>
-        <p:nvSpPr>
-          <p:cNvPr id="4" name="Date Placeholder 3">
-            <a:extLst>
-              <a:ext uri="{FF2B5EF4-FFF2-40B4-BE49-F238E27FC236}">
-                <a16:creationId xmlns:a16="http://schemas.microsoft.com/office/drawing/2014/main" id="{7D9D2DFA-B663-02BA-E6B8-2C2E4CFE016C}"/>
-              </a:ext>
-            </a:extLst>
-          </p:cNvPr>
+            <a:endParaRPr lang="en-US" dirty="0"/>
+          </a:p>
+        </p:txBody>
+      </p:sp>
+      <p:sp>
+        <p:nvSpPr>
+          <p:cNvPr id="7" name="Date Placeholder 3"/>
           <p:cNvSpPr>
             <a:spLocks noGrp="1"/>
           </p:cNvSpPr>
@@ -881,13 +3402,7 @@
       </p:sp>
       <p:sp>
         <p:nvSpPr>
-          <p:cNvPr id="5" name="Footer Placeholder 4">
-            <a:extLst>
-              <a:ext uri="{FF2B5EF4-FFF2-40B4-BE49-F238E27FC236}">
-                <a16:creationId xmlns:a16="http://schemas.microsoft.com/office/drawing/2014/main" id="{683BEB05-CD03-5461-C72F-5055FB4BB283}"/>
-              </a:ext>
-            </a:extLst>
-          </p:cNvPr>
+          <p:cNvPr id="5" name="Footer Placeholder 4"/>
           <p:cNvSpPr>
             <a:spLocks noGrp="1"/>
           </p:cNvSpPr>
@@ -906,13 +3421,7 @@
       </p:sp>
       <p:sp>
         <p:nvSpPr>
-          <p:cNvPr id="6" name="Slide Number Placeholder 5">
-            <a:extLst>
-              <a:ext uri="{FF2B5EF4-FFF2-40B4-BE49-F238E27FC236}">
-                <a16:creationId xmlns:a16="http://schemas.microsoft.com/office/drawing/2014/main" id="{CE00994A-A71A-7059-C215-A7ED35FC98DF}"/>
-              </a:ext>
-            </a:extLst>
-          </p:cNvPr>
+          <p:cNvPr id="6" name="Slide Number Placeholder 5"/>
           <p:cNvSpPr>
             <a:spLocks noGrp="1"/>
           </p:cNvSpPr>
@@ -936,7 +3445,7 @@
     </p:spTree>
     <p:extLst>
       <p:ext uri="{BB962C8B-B14F-4D97-AF65-F5344CB8AC3E}">
-        <p14:creationId xmlns:p14="http://schemas.microsoft.com/office/powerpoint/2010/main" val="3743499326"/>
+        <p14:creationId xmlns:p14="http://schemas.microsoft.com/office/powerpoint/2010/main" val="3186999073"/>
       </p:ext>
     </p:extLst>
   </p:cSld>
@@ -965,13 +3474,7 @@
       </p:grpSpPr>
       <p:sp>
         <p:nvSpPr>
-          <p:cNvPr id="2" name="Title 1">
-            <a:extLst>
-              <a:ext uri="{FF2B5EF4-FFF2-40B4-BE49-F238E27FC236}">
-                <a16:creationId xmlns:a16="http://schemas.microsoft.com/office/drawing/2014/main" id="{0F71C8E8-58BA-8B57-E15B-15341260CBCC}"/>
-              </a:ext>
-            </a:extLst>
-          </p:cNvPr>
+          <p:cNvPr id="2" name="Title 1"/>
           <p:cNvSpPr>
             <a:spLocks noGrp="1"/>
           </p:cNvSpPr>
@@ -981,34 +3484,29 @@
         </p:nvSpPr>
         <p:spPr>
           <a:xfrm>
-            <a:off x="831850" y="1709738"/>
-            <a:ext cx="10515600" cy="2852737"/>
+            <a:off x="1154956" y="2861733"/>
+            <a:ext cx="8825657" cy="1915647"/>
           </a:xfrm>
         </p:spPr>
         <p:txBody>
           <a:bodyPr anchor="b"/>
           <a:lstStyle>
-            <a:lvl1pPr>
-              <a:defRPr sz="6000"/>
+            <a:lvl1pPr algn="l">
+              <a:defRPr sz="4000" b="0" cap="none"/>
             </a:lvl1pPr>
           </a:lstStyle>
           <a:p>
             <a:r>
-              <a:rPr lang="en-US"/>
+              <a:rPr lang="en-US" smtClean="0"/>
               <a:t>Click to edit Master title style</a:t>
             </a:r>
-          </a:p>
-        </p:txBody>
-      </p:sp>
-      <p:sp>
-        <p:nvSpPr>
-          <p:cNvPr id="3" name="Text Placeholder 2">
-            <a:extLst>
-              <a:ext uri="{FF2B5EF4-FFF2-40B4-BE49-F238E27FC236}">
-                <a16:creationId xmlns:a16="http://schemas.microsoft.com/office/drawing/2014/main" id="{D0F37974-7B34-3929-C998-E928814C2BBA}"/>
-              </a:ext>
-            </a:extLst>
-          </p:cNvPr>
+            <a:endParaRPr lang="en-US" dirty="0"/>
+          </a:p>
+        </p:txBody>
+      </p:sp>
+      <p:sp>
+        <p:nvSpPr>
+          <p:cNvPr id="3" name="Text Placeholder 2"/>
           <p:cNvSpPr>
             <a:spLocks noGrp="1"/>
           </p:cNvSpPr>
@@ -1018,99 +3516,100 @@
         </p:nvSpPr>
         <p:spPr>
           <a:xfrm>
-            <a:off x="831850" y="4589463"/>
-            <a:ext cx="10515600" cy="1500187"/>
+            <a:off x="1154955" y="4777381"/>
+            <a:ext cx="8825658" cy="860400"/>
           </a:xfrm>
         </p:spPr>
         <p:txBody>
-          <a:bodyPr/>
+          <a:bodyPr anchor="t"/>
           <a:lstStyle>
-            <a:lvl1pPr marL="0" indent="0">
-              <a:buNone/>
-              <a:defRPr sz="2400">
-                <a:solidFill>
-                  <a:schemeClr val="tx1">
-                    <a:tint val="82000"/>
+            <a:lvl1pPr marL="0" indent="0" algn="l">
+              <a:buNone/>
+              <a:defRPr sz="2000" cap="all">
+                <a:solidFill>
+                  <a:schemeClr val="bg2">
+                    <a:lumMod val="40000"/>
+                    <a:lumOff val="60000"/>
                   </a:schemeClr>
                 </a:solidFill>
               </a:defRPr>
             </a:lvl1pPr>
             <a:lvl2pPr marL="457200" indent="0">
               <a:buNone/>
-              <a:defRPr sz="2000">
+              <a:defRPr sz="1800">
                 <a:solidFill>
                   <a:schemeClr val="tx1">
-                    <a:tint val="82000"/>
+                    <a:tint val="75000"/>
                   </a:schemeClr>
                 </a:solidFill>
               </a:defRPr>
             </a:lvl2pPr>
             <a:lvl3pPr marL="914400" indent="0">
               <a:buNone/>
-              <a:defRPr sz="1800">
+              <a:defRPr sz="1600">
                 <a:solidFill>
                   <a:schemeClr val="tx1">
-                    <a:tint val="82000"/>
+                    <a:tint val="75000"/>
                   </a:schemeClr>
                 </a:solidFill>
               </a:defRPr>
             </a:lvl3pPr>
             <a:lvl4pPr marL="1371600" indent="0">
               <a:buNone/>
-              <a:defRPr sz="1600">
+              <a:defRPr sz="1400">
                 <a:solidFill>
                   <a:schemeClr val="tx1">
-                    <a:tint val="82000"/>
+                    <a:tint val="75000"/>
                   </a:schemeClr>
                 </a:solidFill>
               </a:defRPr>
             </a:lvl4pPr>
             <a:lvl5pPr marL="1828800" indent="0">
               <a:buNone/>
-              <a:defRPr sz="1600">
+              <a:defRPr sz="1400">
                 <a:solidFill>
                   <a:schemeClr val="tx1">
-                    <a:tint val="82000"/>
+                    <a:tint val="75000"/>
                   </a:schemeClr>
                 </a:solidFill>
               </a:defRPr>
             </a:lvl5pPr>
             <a:lvl6pPr marL="2286000" indent="0">
               <a:buNone/>
-              <a:defRPr sz="1600">
+              <a:defRPr sz="1400">
                 <a:solidFill>
                   <a:schemeClr val="tx1">
-                    <a:tint val="82000"/>
+                    <a:tint val="75000"/>
                   </a:schemeClr>
                 </a:solidFill>
               </a:defRPr>
             </a:lvl6pPr>
             <a:lvl7pPr marL="2743200" indent="0">
               <a:buNone/>
-              <a:defRPr sz="1600">
+              <a:defRPr sz="1400">
                 <a:solidFill>
                   <a:schemeClr val="tx1">
-                    <a:tint val="82000"/>
+                    <a:tint val="75000"/>
                   </a:schemeClr>
                 </a:solidFill>
               </a:defRPr>
             </a:lvl7pPr>
             <a:lvl8pPr marL="3200400" indent="0">
               <a:buNone/>
-              <a:defRPr sz="1600">
+              <a:defRPr sz="1400">
                 <a:solidFill>
                   <a:schemeClr val="tx1">
-                    <a:tint val="82000"/>
+                    <a:tint val="75000"/>
                   </a:schemeClr>
                 </a:solidFill>
               </a:defRPr>
             </a:lvl8pPr>
             <a:lvl9pPr marL="3657600" indent="0">
               <a:buNone/>
-              <a:defRPr sz="1600">
+              <a:defRPr sz="1400">
                 <a:solidFill>
                   <a:schemeClr val="tx1">
-                    <a:tint val="82000"/>
+                    <a:tint val="75000"/>
                   </a:schemeClr>
                 </a:solidFill>
               </a:defRPr>
@@ -1119,21 +3618,15 @@
           <a:p>
             <a:pPr lvl="0"/>
             <a:r>
-              <a:rPr lang="en-US"/>
-              <a:t>Click to edit Master text styles</a:t>
-            </a:r>
-          </a:p>
-        </p:txBody>
-      </p:sp>
-      <p:sp>
-        <p:nvSpPr>
-          <p:cNvPr id="4" name="Date Placeholder 3">
-            <a:extLst>
-              <a:ext uri="{FF2B5EF4-FFF2-40B4-BE49-F238E27FC236}">
-                <a16:creationId xmlns:a16="http://schemas.microsoft.com/office/drawing/2014/main" id="{D396711D-4257-D041-836F-61C0B0E7F702}"/>
-              </a:ext>
-            </a:extLst>
-          </p:cNvPr>
+              <a:rPr lang="en-US" smtClean="0"/>
+              <a:t>Edit Master text styles</a:t>
+            </a:r>
+          </a:p>
+        </p:txBody>
+      </p:sp>
+      <p:sp>
+        <p:nvSpPr>
+          <p:cNvPr id="4" name="Date Placeholder 3"/>
           <p:cNvSpPr>
             <a:spLocks noGrp="1"/>
           </p:cNvSpPr>
@@ -1156,13 +3649,7 @@
       </p:sp>
       <p:sp>
         <p:nvSpPr>
-          <p:cNvPr id="5" name="Footer Placeholder 4">
-            <a:extLst>
-              <a:ext uri="{FF2B5EF4-FFF2-40B4-BE49-F238E27FC236}">
-                <a16:creationId xmlns:a16="http://schemas.microsoft.com/office/drawing/2014/main" id="{4CAE9473-32B0-1436-BF67-DEEB0C71EF00}"/>
-              </a:ext>
-            </a:extLst>
-          </p:cNvPr>
+          <p:cNvPr id="5" name="Footer Placeholder 4"/>
           <p:cNvSpPr>
             <a:spLocks noGrp="1"/>
           </p:cNvSpPr>
@@ -1181,13 +3668,7 @@
       </p:sp>
       <p:sp>
         <p:nvSpPr>
-          <p:cNvPr id="6" name="Slide Number Placeholder 5">
-            <a:extLst>
-              <a:ext uri="{FF2B5EF4-FFF2-40B4-BE49-F238E27FC236}">
-                <a16:creationId xmlns:a16="http://schemas.microsoft.com/office/drawing/2014/main" id="{9D1B2FE9-960D-1D01-AA52-88014A60DFE8}"/>
-              </a:ext>
-            </a:extLst>
-          </p:cNvPr>
+          <p:cNvPr id="6" name="Slide Number Placeholder 5"/>
           <p:cNvSpPr>
             <a:spLocks noGrp="1"/>
           </p:cNvSpPr>
@@ -1211,7 +3692,7 @@
     </p:spTree>
     <p:extLst>
       <p:ext uri="{BB962C8B-B14F-4D97-AF65-F5344CB8AC3E}">
-        <p14:creationId xmlns:p14="http://schemas.microsoft.com/office/powerpoint/2010/main" val="1825497341"/>
+        <p14:creationId xmlns:p14="http://schemas.microsoft.com/office/powerpoint/2010/main" val="3215402117"/>
       </p:ext>
     </p:extLst>
   </p:cSld>
@@ -1240,13 +3721,7 @@
       </p:grpSpPr>
       <p:sp>
         <p:nvSpPr>
-          <p:cNvPr id="2" name="Title 1">
-            <a:extLst>
-              <a:ext uri="{FF2B5EF4-FFF2-40B4-BE49-F238E27FC236}">
-                <a16:creationId xmlns:a16="http://schemas.microsoft.com/office/drawing/2014/main" id="{EC342CDB-53D8-FC4E-D0AE-4EF30E41E2C4}"/>
-              </a:ext>
-            </a:extLst>
-          </p:cNvPr>
+          <p:cNvPr id="2" name="Title 1"/>
           <p:cNvSpPr>
             <a:spLocks noGrp="1"/>
           </p:cNvSpPr>
@@ -1260,21 +3735,16 @@
           <a:lstStyle/>
           <a:p>
             <a:r>
-              <a:rPr lang="en-US"/>
+              <a:rPr lang="en-US" smtClean="0"/>
               <a:t>Click to edit Master title style</a:t>
             </a:r>
-          </a:p>
-        </p:txBody>
-      </p:sp>
-      <p:sp>
-        <p:nvSpPr>
-          <p:cNvPr id="3" name="Content Placeholder 2">
-            <a:extLst>
-              <a:ext uri="{FF2B5EF4-FFF2-40B4-BE49-F238E27FC236}">
-                <a16:creationId xmlns:a16="http://schemas.microsoft.com/office/drawing/2014/main" id="{02F76893-5629-2081-9C0E-12BC3C06FED8}"/>
-              </a:ext>
-            </a:extLst>
-          </p:cNvPr>
+            <a:endParaRPr lang="en-US" dirty="0"/>
+          </a:p>
+        </p:txBody>
+      </p:sp>
+      <p:sp>
+        <p:nvSpPr>
+          <p:cNvPr id="3" name="Content Placeholder 2"/>
           <p:cNvSpPr>
             <a:spLocks noGrp="1"/>
           </p:cNvSpPr>
@@ -1284,59 +3754,84 @@
         </p:nvSpPr>
         <p:spPr>
           <a:xfrm>
-            <a:off x="838200" y="1825625"/>
-            <a:ext cx="5181600" cy="4351338"/>
+            <a:off x="1103312" y="2060575"/>
+            <a:ext cx="4396339" cy="4195763"/>
           </a:xfrm>
         </p:spPr>
         <p:txBody>
-          <a:bodyPr/>
-          <a:lstStyle/>
+          <a:bodyPr>
+            <a:normAutofit/>
+          </a:bodyPr>
+          <a:lstStyle>
+            <a:lvl1pPr>
+              <a:defRPr sz="1800"/>
+            </a:lvl1pPr>
+            <a:lvl2pPr>
+              <a:defRPr sz="1600"/>
+            </a:lvl2pPr>
+            <a:lvl3pPr>
+              <a:defRPr sz="1400"/>
+            </a:lvl3pPr>
+            <a:lvl4pPr>
+              <a:defRPr sz="1200"/>
+            </a:lvl4pPr>
+            <a:lvl5pPr>
+              <a:defRPr sz="1200"/>
+            </a:lvl5pPr>
+            <a:lvl6pPr>
+              <a:defRPr sz="1200"/>
+            </a:lvl6pPr>
+            <a:lvl7pPr>
+              <a:defRPr sz="1200"/>
+            </a:lvl7pPr>
+            <a:lvl8pPr>
+              <a:defRPr sz="1200"/>
+            </a:lvl8pPr>
+            <a:lvl9pPr>
+              <a:defRPr sz="1200"/>
+            </a:lvl9pPr>
+          </a:lstStyle>
           <a:p>
             <a:pPr lvl="0"/>
             <a:r>
-              <a:rPr lang="en-US"/>
-              <a:t>Click to edit Master text styles</a:t>
+              <a:rPr lang="en-US" smtClean="0"/>
+              <a:t>Edit Master text styles</a:t>
             </a:r>
           </a:p>
           <a:p>
             <a:pPr lvl="1"/>
             <a:r>
-              <a:rPr lang="en-US"/>
+              <a:rPr lang="en-US" smtClean="0"/>
               <a:t>Second level</a:t>
             </a:r>
           </a:p>
           <a:p>
             <a:pPr lvl="2"/>
             <a:r>
-              <a:rPr lang="en-US"/>
+              <a:rPr lang="en-US" smtClean="0"/>
               <a:t>Third level</a:t>
             </a:r>
           </a:p>
           <a:p>
             <a:pPr lvl="3"/>
             <a:r>
-              <a:rPr lang="en-US"/>
+              <a:rPr lang="en-US" smtClean="0"/>
               <a:t>Fourth level</a:t>
             </a:r>
           </a:p>
           <a:p>
             <a:pPr lvl="4"/>
             <a:r>
-              <a:rPr lang="en-US"/>
+              <a:rPr lang="en-US" smtClean="0"/>
               <a:t>Fifth level</a:t>
             </a:r>
-          </a:p>
-        </p:txBody>
-      </p:sp>
-      <p:sp>
-        <p:nvSpPr>
-          <p:cNvPr id="4" name="Content Placeholder 3">
-            <a:extLst>
-              <a:ext uri="{FF2B5EF4-FFF2-40B4-BE49-F238E27FC236}">
-                <a16:creationId xmlns:a16="http://schemas.microsoft.com/office/drawing/2014/main" id="{3733ADEC-9106-CE94-CA36-9D05610D004B}"/>
-              </a:ext>
-            </a:extLst>
-          </p:cNvPr>
+            <a:endParaRPr lang="en-US" dirty="0"/>
+          </a:p>
+        </p:txBody>
+      </p:sp>
+      <p:sp>
+        <p:nvSpPr>
+          <p:cNvPr id="4" name="Content Placeholder 3"/>
           <p:cNvSpPr>
             <a:spLocks noGrp="1"/>
           </p:cNvSpPr>
@@ -1346,59 +3841,84 @@
         </p:nvSpPr>
         <p:spPr>
           <a:xfrm>
-            <a:off x="6172200" y="1825625"/>
-            <a:ext cx="5181600" cy="4351338"/>
+            <a:off x="5654493" y="2056092"/>
+            <a:ext cx="4396341" cy="4200245"/>
           </a:xfrm>
         </p:spPr>
         <p:txBody>
-          <a:bodyPr/>
-          <a:lstStyle/>
+          <a:bodyPr>
+            <a:normAutofit/>
+          </a:bodyPr>
+          <a:lstStyle>
+            <a:lvl1pPr>
+              <a:defRPr sz="1800"/>
+            </a:lvl1pPr>
+            <a:lvl2pPr>
+              <a:defRPr sz="1600"/>
+            </a:lvl2pPr>
+            <a:lvl3pPr>
+              <a:defRPr sz="1400"/>
+            </a:lvl3pPr>
+            <a:lvl4pPr>
+              <a:defRPr sz="1200"/>
+            </a:lvl4pPr>
+            <a:lvl5pPr>
+              <a:defRPr sz="1200"/>
+            </a:lvl5pPr>
+            <a:lvl6pPr>
+              <a:defRPr sz="1200"/>
+            </a:lvl6pPr>
+            <a:lvl7pPr>
+              <a:defRPr sz="1200"/>
+            </a:lvl7pPr>
+            <a:lvl8pPr>
+              <a:defRPr sz="1200"/>
+            </a:lvl8pPr>
+            <a:lvl9pPr>
+              <a:defRPr sz="1200"/>
+            </a:lvl9pPr>
+          </a:lstStyle>
           <a:p>
             <a:pPr lvl="0"/>
             <a:r>
-              <a:rPr lang="en-US"/>
-              <a:t>Click to edit Master text styles</a:t>
+              <a:rPr lang="en-US" smtClean="0"/>
+              <a:t>Edit Master text styles</a:t>
             </a:r>
           </a:p>
           <a:p>
             <a:pPr lvl="1"/>
             <a:r>
-              <a:rPr lang="en-US"/>
+              <a:rPr lang="en-US" smtClean="0"/>
               <a:t>Second level</a:t>
             </a:r>
           </a:p>
           <a:p>
             <a:pPr lvl="2"/>
             <a:r>
-              <a:rPr lang="en-US"/>
+              <a:rPr lang="en-US" smtClean="0"/>
               <a:t>Third level</a:t>
             </a:r>
           </a:p>
           <a:p>
             <a:pPr lvl="3"/>
             <a:r>
-              <a:rPr lang="en-US"/>
+              <a:rPr lang="en-US" smtClean="0"/>
               <a:t>Fourth level</a:t>
             </a:r>
           </a:p>
           <a:p>
             <a:pPr lvl="4"/>
             <a:r>
-              <a:rPr lang="en-US"/>
+              <a:rPr lang="en-US" smtClean="0"/>
               <a:t>Fifth level</a:t>
             </a:r>
-          </a:p>
-        </p:txBody>
-      </p:sp>
-      <p:sp>
-        <p:nvSpPr>
-          <p:cNvPr id="5" name="Date Placeholder 4">
-            <a:extLst>
-              <a:ext uri="{FF2B5EF4-FFF2-40B4-BE49-F238E27FC236}">
-                <a16:creationId xmlns:a16="http://schemas.microsoft.com/office/drawing/2014/main" id="{5DA07AB5-E93C-BF3B-F6D9-FC6C0DBFFA60}"/>
-              </a:ext>
-            </a:extLst>
-          </p:cNvPr>
+            <a:endParaRPr lang="en-US" dirty="0"/>
+          </a:p>
+        </p:txBody>
+      </p:sp>
+      <p:sp>
+        <p:nvSpPr>
+          <p:cNvPr id="5" name="Date Placeholder 4"/>
           <p:cNvSpPr>
             <a:spLocks noGrp="1"/>
           </p:cNvSpPr>
@@ -1421,13 +3941,7 @@
       </p:sp>
       <p:sp>
         <p:nvSpPr>
-          <p:cNvPr id="6" name="Footer Placeholder 5">
-            <a:extLst>
-              <a:ext uri="{FF2B5EF4-FFF2-40B4-BE49-F238E27FC236}">
-                <a16:creationId xmlns:a16="http://schemas.microsoft.com/office/drawing/2014/main" id="{B2B205EC-39E3-CF9D-4747-69D2FD4952BB}"/>
-              </a:ext>
-            </a:extLst>
-          </p:cNvPr>
+          <p:cNvPr id="6" name="Footer Placeholder 5"/>
           <p:cNvSpPr>
             <a:spLocks noGrp="1"/>
           </p:cNvSpPr>
@@ -1446,13 +3960,7 @@
       </p:sp>
       <p:sp>
         <p:nvSpPr>
-          <p:cNvPr id="7" name="Slide Number Placeholder 6">
-            <a:extLst>
-              <a:ext uri="{FF2B5EF4-FFF2-40B4-BE49-F238E27FC236}">
-                <a16:creationId xmlns:a16="http://schemas.microsoft.com/office/drawing/2014/main" id="{224256F3-5619-F023-85AA-D4C1BCE0944B}"/>
-              </a:ext>
-            </a:extLst>
-          </p:cNvPr>
+          <p:cNvPr id="7" name="Slide Number Placeholder 6"/>
           <p:cNvSpPr>
             <a:spLocks noGrp="1"/>
           </p:cNvSpPr>
@@ -1476,7 +3984,7 @@
     </p:spTree>
     <p:extLst>
       <p:ext uri="{BB962C8B-B14F-4D97-AF65-F5344CB8AC3E}">
-        <p14:creationId xmlns:p14="http://schemas.microsoft.com/office/powerpoint/2010/main" val="667528757"/>
+        <p14:creationId xmlns:p14="http://schemas.microsoft.com/office/powerpoint/2010/main" val="2223060809"/>
       </p:ext>
     </p:extLst>
   </p:cSld>
@@ -1505,65 +4013,62 @@
       </p:grpSpPr>
       <p:sp>
         <p:nvSpPr>
-          <p:cNvPr id="2" name="Title 1">
-            <a:extLst>
-              <a:ext uri="{FF2B5EF4-FFF2-40B4-BE49-F238E27FC236}">
-                <a16:creationId xmlns:a16="http://schemas.microsoft.com/office/drawing/2014/main" id="{E61A66BF-82DA-BE5F-795A-75B2D840FCDD}"/>
-              </a:ext>
-            </a:extLst>
-          </p:cNvPr>
+          <p:cNvPr id="2" name="Title 1"/>
           <p:cNvSpPr>
             <a:spLocks noGrp="1"/>
           </p:cNvSpPr>
           <p:nvPr>
             <p:ph type="title"/>
+          </p:nvPr>
+        </p:nvSpPr>
+        <p:spPr/>
+        <p:txBody>
+          <a:bodyPr/>
+          <a:lstStyle>
+            <a:lvl1pPr>
+              <a:defRPr/>
+            </a:lvl1pPr>
+          </a:lstStyle>
+          <a:p>
+            <a:r>
+              <a:rPr lang="en-US" smtClean="0"/>
+              <a:t>Click to edit Master title style</a:t>
+            </a:r>
+            <a:endParaRPr lang="en-US" dirty="0"/>
+          </a:p>
+        </p:txBody>
+      </p:sp>
+      <p:sp>
+        <p:nvSpPr>
+          <p:cNvPr id="3" name="Text Placeholder 2"/>
+          <p:cNvSpPr>
+            <a:spLocks noGrp="1"/>
+          </p:cNvSpPr>
+          <p:nvPr>
+            <p:ph type="body" idx="1"/>
           </p:nvPr>
         </p:nvSpPr>
         <p:spPr>
           <a:xfrm>
-            <a:off x="839788" y="365125"/>
-            <a:ext cx="10515600" cy="1325563"/>
+            <a:off x="1103313" y="1905000"/>
+            <a:ext cx="4396338" cy="576262"/>
           </a:xfrm>
         </p:spPr>
         <p:txBody>
-          <a:bodyPr/>
-          <a:lstStyle/>
-          <a:p>
-            <a:r>
-              <a:rPr lang="en-US"/>
-              <a:t>Click to edit Master title style</a:t>
-            </a:r>
-          </a:p>
-        </p:txBody>
-      </p:sp>
-      <p:sp>
-        <p:nvSpPr>
-          <p:cNvPr id="3" name="Text Placeholder 2">
-            <a:extLst>
-              <a:ext uri="{FF2B5EF4-FFF2-40B4-BE49-F238E27FC236}">
-                <a16:creationId xmlns:a16="http://schemas.microsoft.com/office/drawing/2014/main" id="{DA010DF5-F689-04FA-9B87-03E8F23119F3}"/>
-              </a:ext>
-            </a:extLst>
-          </p:cNvPr>
-          <p:cNvSpPr>
-            <a:spLocks noGrp="1"/>
-          </p:cNvSpPr>
-          <p:nvPr>
-            <p:ph type="body" idx="1"/>
-          </p:nvPr>
-        </p:nvSpPr>
-        <p:spPr>
-          <a:xfrm>
-            <a:off x="839788" y="1681163"/>
-            <a:ext cx="5157787" cy="823912"/>
-          </a:xfrm>
-        </p:spPr>
-        <p:txBody>
-          <a:bodyPr anchor="b"/>
+          <a:bodyPr anchor="b">
+            <a:noAutofit/>
+          </a:bodyPr>
           <a:lstStyle>
             <a:lvl1pPr marL="0" indent="0">
               <a:buNone/>
-              <a:defRPr sz="2400" b="1"/>
+              <a:defRPr sz="2400" b="0">
+                <a:solidFill>
+                  <a:schemeClr val="bg2">
+                    <a:lumMod val="40000"/>
+                    <a:lumOff val="60000"/>
+                  </a:schemeClr>
+                </a:solidFill>
+              </a:defRPr>
             </a:lvl1pPr>
             <a:lvl2pPr marL="457200" indent="0">
               <a:buNone/>
@@ -1601,21 +4106,15 @@
           <a:p>
             <a:pPr lvl="0"/>
             <a:r>
-              <a:rPr lang="en-US"/>
-              <a:t>Click to edit Master text styles</a:t>
-            </a:r>
-          </a:p>
-        </p:txBody>
-      </p:sp>
-      <p:sp>
-        <p:nvSpPr>
-          <p:cNvPr id="4" name="Content Placeholder 3">
-            <a:extLst>
-              <a:ext uri="{FF2B5EF4-FFF2-40B4-BE49-F238E27FC236}">
-                <a16:creationId xmlns:a16="http://schemas.microsoft.com/office/drawing/2014/main" id="{10016B9A-DD31-3087-FF18-D7BAC7098094}"/>
-              </a:ext>
-            </a:extLst>
-          </p:cNvPr>
+              <a:rPr lang="en-US" smtClean="0"/>
+              <a:t>Edit Master text styles</a:t>
+            </a:r>
+          </a:p>
+        </p:txBody>
+      </p:sp>
+      <p:sp>
+        <p:nvSpPr>
+          <p:cNvPr id="4" name="Content Placeholder 3"/>
           <p:cNvSpPr>
             <a:spLocks noGrp="1"/>
           </p:cNvSpPr>
@@ -1625,59 +4124,84 @@
         </p:nvSpPr>
         <p:spPr>
           <a:xfrm>
-            <a:off x="839788" y="2505075"/>
-            <a:ext cx="5157787" cy="3684588"/>
+            <a:off x="1103312" y="2514600"/>
+            <a:ext cx="4396339" cy="3741738"/>
           </a:xfrm>
         </p:spPr>
         <p:txBody>
-          <a:bodyPr/>
-          <a:lstStyle/>
+          <a:bodyPr>
+            <a:normAutofit/>
+          </a:bodyPr>
+          <a:lstStyle>
+            <a:lvl1pPr>
+              <a:defRPr sz="1800"/>
+            </a:lvl1pPr>
+            <a:lvl2pPr>
+              <a:defRPr sz="1600"/>
+            </a:lvl2pPr>
+            <a:lvl3pPr>
+              <a:defRPr sz="1400"/>
+            </a:lvl3pPr>
+            <a:lvl4pPr>
+              <a:defRPr sz="1200"/>
+            </a:lvl4pPr>
+            <a:lvl5pPr>
+              <a:defRPr sz="1200"/>
+            </a:lvl5pPr>
+            <a:lvl6pPr>
+              <a:defRPr sz="1200"/>
+            </a:lvl6pPr>
+            <a:lvl7pPr>
+              <a:defRPr sz="1200"/>
+            </a:lvl7pPr>
+            <a:lvl8pPr>
+              <a:defRPr sz="1200"/>
+            </a:lvl8pPr>
+            <a:lvl9pPr>
+              <a:defRPr sz="1200"/>
+            </a:lvl9pPr>
+          </a:lstStyle>
           <a:p>
             <a:pPr lvl="0"/>
             <a:r>
-              <a:rPr lang="en-US"/>
-              <a:t>Click to edit Master text styles</a:t>
+              <a:rPr lang="en-US" smtClean="0"/>
+              <a:t>Edit Master text styles</a:t>
             </a:r>
           </a:p>
           <a:p>
             <a:pPr lvl="1"/>
             <a:r>
-              <a:rPr lang="en-US"/>
+              <a:rPr lang="en-US" smtClean="0"/>
               <a:t>Second level</a:t>
             </a:r>
           </a:p>
           <a:p>
             <a:pPr lvl="2"/>
             <a:r>
-              <a:rPr lang="en-US"/>
+              <a:rPr lang="en-US" smtClean="0"/>
               <a:t>Third level</a:t>
             </a:r>
           </a:p>
           <a:p>
             <a:pPr lvl="3"/>
             <a:r>
-              <a:rPr lang="en-US"/>
+              <a:rPr lang="en-US" smtClean="0"/>
               <a:t>Fourth level</a:t>
             </a:r>
           </a:p>
           <a:p>
             <a:pPr lvl="4"/>
             <a:r>
-              <a:rPr lang="en-US"/>
+              <a:rPr lang="en-US" smtClean="0"/>
               <a:t>Fifth level</a:t>
             </a:r>
-          </a:p>
-        </p:txBody>
-      </p:sp>
-      <p:sp>
-        <p:nvSpPr>
-          <p:cNvPr id="5" name="Text Placeholder 4">
-            <a:extLst>
-              <a:ext uri="{FF2B5EF4-FFF2-40B4-BE49-F238E27FC236}">
-                <a16:creationId xmlns:a16="http://schemas.microsoft.com/office/drawing/2014/main" id="{11519CA1-D54E-D8AA-3EB0-FE422159A6E5}"/>
-              </a:ext>
-            </a:extLst>
-          </p:cNvPr>
+            <a:endParaRPr lang="en-US" dirty="0"/>
+          </a:p>
+        </p:txBody>
+      </p:sp>
+      <p:sp>
+        <p:nvSpPr>
+          <p:cNvPr id="5" name="Text Placeholder 4"/>
           <p:cNvSpPr>
             <a:spLocks noGrp="1"/>
           </p:cNvSpPr>
@@ -1687,16 +4211,25 @@
         </p:nvSpPr>
         <p:spPr>
           <a:xfrm>
-            <a:off x="6172200" y="1681163"/>
-            <a:ext cx="5183188" cy="823912"/>
+            <a:off x="5654495" y="1905000"/>
+            <a:ext cx="4396339" cy="576262"/>
           </a:xfrm>
         </p:spPr>
         <p:txBody>
-          <a:bodyPr anchor="b"/>
+          <a:bodyPr anchor="b">
+            <a:noAutofit/>
+          </a:bodyPr>
           <a:lstStyle>
             <a:lvl1pPr marL="0" indent="0">
               <a:buNone/>
-              <a:defRPr sz="2400" b="1"/>
+              <a:defRPr sz="2400" b="0">
+                <a:solidFill>
+                  <a:schemeClr val="bg2">
+                    <a:lumMod val="40000"/>
+                    <a:lumOff val="60000"/>
+                  </a:schemeClr>
+                </a:solidFill>
+              </a:defRPr>
             </a:lvl1pPr>
             <a:lvl2pPr marL="457200" indent="0">
               <a:buNone/>
@@ -1734,21 +4267,15 @@
           <a:p>
             <a:pPr lvl="0"/>
             <a:r>
-              <a:rPr lang="en-US"/>
-              <a:t>Click to edit Master text styles</a:t>
-            </a:r>
-          </a:p>
-        </p:txBody>
-      </p:sp>
-      <p:sp>
-        <p:nvSpPr>
-          <p:cNvPr id="6" name="Content Placeholder 5">
-            <a:extLst>
-              <a:ext uri="{FF2B5EF4-FFF2-40B4-BE49-F238E27FC236}">
-                <a16:creationId xmlns:a16="http://schemas.microsoft.com/office/drawing/2014/main" id="{DEC06CBC-24DB-EEE8-A053-703568EAF6C4}"/>
-              </a:ext>
-            </a:extLst>
-          </p:cNvPr>
+              <a:rPr lang="en-US" smtClean="0"/>
+              <a:t>Edit Master text styles</a:t>
+            </a:r>
+          </a:p>
+        </p:txBody>
+      </p:sp>
+      <p:sp>
+        <p:nvSpPr>
+          <p:cNvPr id="6" name="Content Placeholder 5"/>
           <p:cNvSpPr>
             <a:spLocks noGrp="1"/>
           </p:cNvSpPr>
@@ -1758,59 +4285,84 @@
         </p:nvSpPr>
         <p:spPr>
           <a:xfrm>
-            <a:off x="6172200" y="2505075"/>
-            <a:ext cx="5183188" cy="3684588"/>
+            <a:off x="5654495" y="2514600"/>
+            <a:ext cx="4396339" cy="3741738"/>
           </a:xfrm>
         </p:spPr>
         <p:txBody>
-          <a:bodyPr/>
-          <a:lstStyle/>
+          <a:bodyPr>
+            <a:normAutofit/>
+          </a:bodyPr>
+          <a:lstStyle>
+            <a:lvl1pPr>
+              <a:defRPr sz="1800"/>
+            </a:lvl1pPr>
+            <a:lvl2pPr>
+              <a:defRPr sz="1600"/>
+            </a:lvl2pPr>
+            <a:lvl3pPr>
+              <a:defRPr sz="1400"/>
+            </a:lvl3pPr>
+            <a:lvl4pPr>
+              <a:defRPr sz="1200"/>
+            </a:lvl4pPr>
+            <a:lvl5pPr>
+              <a:defRPr sz="1200"/>
+            </a:lvl5pPr>
+            <a:lvl6pPr>
+              <a:defRPr sz="1200"/>
+            </a:lvl6pPr>
+            <a:lvl7pPr>
+              <a:defRPr sz="1200"/>
+            </a:lvl7pPr>
+            <a:lvl8pPr>
+              <a:defRPr sz="1200"/>
+            </a:lvl8pPr>
+            <a:lvl9pPr>
+              <a:defRPr sz="1200"/>
+            </a:lvl9pPr>
+          </a:lstStyle>
           <a:p>
             <a:pPr lvl="0"/>
             <a:r>
-              <a:rPr lang="en-US"/>
-              <a:t>Click to edit Master text styles</a:t>
+              <a:rPr lang="en-US" smtClean="0"/>
+              <a:t>Edit Master text styles</a:t>
             </a:r>
           </a:p>
           <a:p>
             <a:pPr lvl="1"/>
             <a:r>
-              <a:rPr lang="en-US"/>
+              <a:rPr lang="en-US" smtClean="0"/>
               <a:t>Second level</a:t>
             </a:r>
           </a:p>
           <a:p>
             <a:pPr lvl="2"/>
             <a:r>
-              <a:rPr lang="en-US"/>
+              <a:rPr lang="en-US" smtClean="0"/>
               <a:t>Third level</a:t>
             </a:r>
           </a:p>
           <a:p>
             <a:pPr lvl="3"/>
             <a:r>
-              <a:rPr lang="en-US"/>
+              <a:rPr lang="en-US" smtClean="0"/>
               <a:t>Fourth level</a:t>
             </a:r>
           </a:p>
           <a:p>
             <a:pPr lvl="4"/>
             <a:r>
-              <a:rPr lang="en-US"/>
+              <a:rPr lang="en-US" smtClean="0"/>
               <a:t>Fifth level</a:t>
             </a:r>
-          </a:p>
-        </p:txBody>
-      </p:sp>
-      <p:sp>
-        <p:nvSpPr>
-          <p:cNvPr id="7" name="Date Placeholder 6">
-            <a:extLst>
-              <a:ext uri="{FF2B5EF4-FFF2-40B4-BE49-F238E27FC236}">
-                <a16:creationId xmlns:a16="http://schemas.microsoft.com/office/drawing/2014/main" id="{1CB6E0D5-BC9D-C1F3-08E1-7E3651C615D2}"/>
-              </a:ext>
-            </a:extLst>
-          </p:cNvPr>
+            <a:endParaRPr lang="en-US" dirty="0"/>
+          </a:p>
+        </p:txBody>
+      </p:sp>
+      <p:sp>
+        <p:nvSpPr>
+          <p:cNvPr id="7" name="Date Placeholder 6"/>
           <p:cNvSpPr>
             <a:spLocks noGrp="1"/>
           </p:cNvSpPr>
@@ -1833,13 +4385,7 @@
       </p:sp>
       <p:sp>
         <p:nvSpPr>
-          <p:cNvPr id="8" name="Footer Placeholder 7">
-            <a:extLst>
-              <a:ext uri="{FF2B5EF4-FFF2-40B4-BE49-F238E27FC236}">
-                <a16:creationId xmlns:a16="http://schemas.microsoft.com/office/drawing/2014/main" id="{153D6D54-CD6A-658A-1835-216DF094504B}"/>
-              </a:ext>
-            </a:extLst>
-          </p:cNvPr>
+          <p:cNvPr id="8" name="Footer Placeholder 7"/>
           <p:cNvSpPr>
             <a:spLocks noGrp="1"/>
           </p:cNvSpPr>
@@ -1858,13 +4404,7 @@
       </p:sp>
       <p:sp>
         <p:nvSpPr>
-          <p:cNvPr id="9" name="Slide Number Placeholder 8">
-            <a:extLst>
-              <a:ext uri="{FF2B5EF4-FFF2-40B4-BE49-F238E27FC236}">
-                <a16:creationId xmlns:a16="http://schemas.microsoft.com/office/drawing/2014/main" id="{210DD6B5-1DB9-8EEA-1778-08D0556B7536}"/>
-              </a:ext>
-            </a:extLst>
-          </p:cNvPr>
+          <p:cNvPr id="9" name="Slide Number Placeholder 8"/>
           <p:cNvSpPr>
             <a:spLocks noGrp="1"/>
           </p:cNvSpPr>
@@ -1888,7 +4428,7 @@
     </p:spTree>
     <p:extLst>
       <p:ext uri="{BB962C8B-B14F-4D97-AF65-F5344CB8AC3E}">
-        <p14:creationId xmlns:p14="http://schemas.microsoft.com/office/powerpoint/2010/main" val="871182756"/>
+        <p14:creationId xmlns:p14="http://schemas.microsoft.com/office/powerpoint/2010/main" val="1259504774"/>
       </p:ext>
     </p:extLst>
   </p:cSld>
@@ -1917,13 +4457,7 @@
       </p:grpSpPr>
       <p:sp>
         <p:nvSpPr>
-          <p:cNvPr id="2" name="Title 1">
-            <a:extLst>
-              <a:ext uri="{FF2B5EF4-FFF2-40B4-BE49-F238E27FC236}">
-                <a16:creationId xmlns:a16="http://schemas.microsoft.com/office/drawing/2014/main" id="{43BC517D-5D23-61D9-C240-BC1316592267}"/>
-              </a:ext>
-            </a:extLst>
-          </p:cNvPr>
+          <p:cNvPr id="2" name="Title 1"/>
           <p:cNvSpPr>
             <a:spLocks noGrp="1"/>
           </p:cNvSpPr>
@@ -1937,21 +4471,16 @@
           <a:lstStyle/>
           <a:p>
             <a:r>
-              <a:rPr lang="en-US"/>
+              <a:rPr lang="en-US" smtClean="0"/>
               <a:t>Click to edit Master title style</a:t>
             </a:r>
-          </a:p>
-        </p:txBody>
-      </p:sp>
-      <p:sp>
-        <p:nvSpPr>
-          <p:cNvPr id="3" name="Date Placeholder 2">
-            <a:extLst>
-              <a:ext uri="{FF2B5EF4-FFF2-40B4-BE49-F238E27FC236}">
-                <a16:creationId xmlns:a16="http://schemas.microsoft.com/office/drawing/2014/main" id="{AEAD1B98-7FCC-A88C-0439-7B6CA9CE6416}"/>
-              </a:ext>
-            </a:extLst>
-          </p:cNvPr>
+            <a:endParaRPr lang="en-US" dirty="0"/>
+          </a:p>
+        </p:txBody>
+      </p:sp>
+      <p:sp>
+        <p:nvSpPr>
+          <p:cNvPr id="7" name="Date Placeholder 2"/>
           <p:cNvSpPr>
             <a:spLocks noGrp="1"/>
           </p:cNvSpPr>
@@ -1974,13 +4503,7 @@
       </p:sp>
       <p:sp>
         <p:nvSpPr>
-          <p:cNvPr id="4" name="Footer Placeholder 3">
-            <a:extLst>
-              <a:ext uri="{FF2B5EF4-FFF2-40B4-BE49-F238E27FC236}">
-                <a16:creationId xmlns:a16="http://schemas.microsoft.com/office/drawing/2014/main" id="{61DFDA7C-A1DD-1E91-3327-B010DAA964B5}"/>
-              </a:ext>
-            </a:extLst>
-          </p:cNvPr>
+          <p:cNvPr id="5" name="Footer Placeholder 3"/>
           <p:cNvSpPr>
             <a:spLocks noGrp="1"/>
           </p:cNvSpPr>
@@ -1999,13 +4522,7 @@
       </p:sp>
       <p:sp>
         <p:nvSpPr>
-          <p:cNvPr id="5" name="Slide Number Placeholder 4">
-            <a:extLst>
-              <a:ext uri="{FF2B5EF4-FFF2-40B4-BE49-F238E27FC236}">
-                <a16:creationId xmlns:a16="http://schemas.microsoft.com/office/drawing/2014/main" id="{0D29516E-AF79-2847-BDBA-7FB6224C5EA3}"/>
-              </a:ext>
-            </a:extLst>
-          </p:cNvPr>
+          <p:cNvPr id="6" name="Slide Number Placeholder 4"/>
           <p:cNvSpPr>
             <a:spLocks noGrp="1"/>
           </p:cNvSpPr>
@@ -2029,7 +4546,7 @@
     </p:spTree>
     <p:extLst>
       <p:ext uri="{BB962C8B-B14F-4D97-AF65-F5344CB8AC3E}">
-        <p14:creationId xmlns:p14="http://schemas.microsoft.com/office/powerpoint/2010/main" val="2610917549"/>
+        <p14:creationId xmlns:p14="http://schemas.microsoft.com/office/powerpoint/2010/main" val="452003875"/>
       </p:ext>
     </p:extLst>
   </p:cSld>
@@ -2058,13 +4575,7 @@
       </p:grpSpPr>
       <p:sp>
         <p:nvSpPr>
-          <p:cNvPr id="2" name="Date Placeholder 1">
-            <a:extLst>
-              <a:ext uri="{FF2B5EF4-FFF2-40B4-BE49-F238E27FC236}">
-                <a16:creationId xmlns:a16="http://schemas.microsoft.com/office/drawing/2014/main" id="{0DA5A6E2-AC42-04B2-7D57-EACB012EFF3A}"/>
-              </a:ext>
-            </a:extLst>
-          </p:cNvPr>
+          <p:cNvPr id="7" name="Date Placeholder 1"/>
           <p:cNvSpPr>
             <a:spLocks noGrp="1"/>
           </p:cNvSpPr>
@@ -2087,13 +4598,7 @@
       </p:sp>
       <p:sp>
         <p:nvSpPr>
-          <p:cNvPr id="3" name="Footer Placeholder 2">
-            <a:extLst>
-              <a:ext uri="{FF2B5EF4-FFF2-40B4-BE49-F238E27FC236}">
-                <a16:creationId xmlns:a16="http://schemas.microsoft.com/office/drawing/2014/main" id="{26779BC8-F3ED-E58D-7B15-2E5E41376034}"/>
-              </a:ext>
-            </a:extLst>
-          </p:cNvPr>
+          <p:cNvPr id="5" name="Footer Placeholder 2"/>
           <p:cNvSpPr>
             <a:spLocks noGrp="1"/>
           </p:cNvSpPr>
@@ -2112,13 +4617,7 @@
       </p:sp>
       <p:sp>
         <p:nvSpPr>
-          <p:cNvPr id="4" name="Slide Number Placeholder 3">
-            <a:extLst>
-              <a:ext uri="{FF2B5EF4-FFF2-40B4-BE49-F238E27FC236}">
-                <a16:creationId xmlns:a16="http://schemas.microsoft.com/office/drawing/2014/main" id="{8ABE2F41-6AB1-94AA-1674-664FB983AEB9}"/>
-              </a:ext>
-            </a:extLst>
-          </p:cNvPr>
+          <p:cNvPr id="6" name="Slide Number Placeholder 3"/>
           <p:cNvSpPr>
             <a:spLocks noGrp="1"/>
           </p:cNvSpPr>
@@ -2142,7 +4641,7 @@
     </p:spTree>
     <p:extLst>
       <p:ext uri="{BB962C8B-B14F-4D97-AF65-F5344CB8AC3E}">
-        <p14:creationId xmlns:p14="http://schemas.microsoft.com/office/powerpoint/2010/main" val="3861803927"/>
+        <p14:creationId xmlns:p14="http://schemas.microsoft.com/office/powerpoint/2010/main" val="3870746263"/>
       </p:ext>
     </p:extLst>
   </p:cSld>
@@ -2171,13 +4670,7 @@
       </p:grpSpPr>
       <p:sp>
         <p:nvSpPr>
-          <p:cNvPr id="2" name="Title 1">
-            <a:extLst>
-              <a:ext uri="{FF2B5EF4-FFF2-40B4-BE49-F238E27FC236}">
-                <a16:creationId xmlns:a16="http://schemas.microsoft.com/office/drawing/2014/main" id="{163B55A9-007D-2398-9D2C-613E5D33C6EC}"/>
-              </a:ext>
-            </a:extLst>
-          </p:cNvPr>
+          <p:cNvPr id="2" name="Title 1"/>
           <p:cNvSpPr>
             <a:spLocks noGrp="1"/>
           </p:cNvSpPr>
@@ -2187,34 +4680,29 @@
         </p:nvSpPr>
         <p:spPr>
           <a:xfrm>
-            <a:off x="839788" y="457200"/>
-            <a:ext cx="3932237" cy="1600200"/>
+            <a:off x="1154953" y="1447800"/>
+            <a:ext cx="3401064" cy="1447800"/>
           </a:xfrm>
         </p:spPr>
         <p:txBody>
           <a:bodyPr anchor="b"/>
           <a:lstStyle>
-            <a:lvl1pPr>
-              <a:defRPr sz="3200"/>
+            <a:lvl1pPr algn="l">
+              <a:defRPr sz="2400" b="0"/>
             </a:lvl1pPr>
           </a:lstStyle>
           <a:p>
             <a:r>
-              <a:rPr lang="en-US"/>
+              <a:rPr lang="en-US" smtClean="0"/>
               <a:t>Click to edit Master title style</a:t>
             </a:r>
-          </a:p>
-        </p:txBody>
-      </p:sp>
-      <p:sp>
-        <p:nvSpPr>
-          <p:cNvPr id="3" name="Content Placeholder 2">
-            <a:extLst>
-              <a:ext uri="{FF2B5EF4-FFF2-40B4-BE49-F238E27FC236}">
-                <a16:creationId xmlns:a16="http://schemas.microsoft.com/office/drawing/2014/main" id="{24E552CD-7CA9-23B6-3D19-9412C9B2CF92}"/>
-              </a:ext>
-            </a:extLst>
-          </p:cNvPr>
+            <a:endParaRPr lang="en-US" dirty="0"/>
+          </a:p>
+        </p:txBody>
+      </p:sp>
+      <p:sp>
+        <p:nvSpPr>
+          <p:cNvPr id="3" name="Content Placeholder 2"/>
           <p:cNvSpPr>
             <a:spLocks noGrp="1"/>
           </p:cNvSpPr>
@@ -2224,87 +4712,84 @@
         </p:nvSpPr>
         <p:spPr>
           <a:xfrm>
-            <a:off x="5183188" y="987425"/>
-            <a:ext cx="6172200" cy="4873625"/>
+            <a:off x="4784616" y="1447800"/>
+            <a:ext cx="5195997" cy="4572000"/>
           </a:xfrm>
         </p:spPr>
         <p:txBody>
-          <a:bodyPr/>
+          <a:bodyPr anchor="ctr">
+            <a:normAutofit/>
+          </a:bodyPr>
           <a:lstStyle>
             <a:lvl1pPr>
-              <a:defRPr sz="3200"/>
+              <a:defRPr sz="2000"/>
             </a:lvl1pPr>
             <a:lvl2pPr>
-              <a:defRPr sz="2800"/>
+              <a:defRPr sz="1800"/>
             </a:lvl2pPr>
             <a:lvl3pPr>
-              <a:defRPr sz="2400"/>
+              <a:defRPr sz="1600"/>
             </a:lvl3pPr>
             <a:lvl4pPr>
-              <a:defRPr sz="2000"/>
+              <a:defRPr sz="1400"/>
             </a:lvl4pPr>
             <a:lvl5pPr>
-              <a:defRPr sz="2000"/>
+              <a:defRPr sz="1400"/>
             </a:lvl5pPr>
             <a:lvl6pPr>
-              <a:defRPr sz="2000"/>
+              <a:defRPr sz="1400"/>
             </a:lvl6pPr>
             <a:lvl7pPr>
-              <a:defRPr sz="2000"/>
+              <a:defRPr sz="1400"/>
             </a:lvl7pPr>
             <a:lvl8pPr>
-              <a:defRPr sz="2000"/>
+              <a:defRPr sz="1400"/>
             </a:lvl8pPr>
             <a:lvl9pPr>
-              <a:defRPr sz="2000"/>
+              <a:defRPr sz="1400"/>
             </a:lvl9pPr>
           </a:lstStyle>
           <a:p>
             <a:pPr lvl="0"/>
             <a:r>
-              <a:rPr lang="en-US"/>
-              <a:t>Click to edit Master text styles</a:t>
+              <a:rPr lang="en-US" smtClean="0"/>
+              <a:t>Edit Master text styles</a:t>
             </a:r>
           </a:p>
           <a:p>
             <a:pPr lvl="1"/>
             <a:r>
-              <a:rPr lang="en-US"/>
+              <a:rPr lang="en-US" smtClean="0"/>
               <a:t>Second level</a:t>
             </a:r>
           </a:p>
           <a:p>
             <a:pPr lvl="2"/>
             <a:r>
-              <a:rPr lang="en-US"/>
+              <a:rPr lang="en-US" smtClean="0"/>
               <a:t>Third level</a:t>
             </a:r>
           </a:p>
           <a:p>
             <a:pPr lvl="3"/>
             <a:r>
-              <a:rPr lang="en-US"/>
+              <a:rPr lang="en-US" smtClean="0"/>
               <a:t>Fourth level</a:t>
             </a:r>
           </a:p>
           <a:p>
             <a:pPr lvl="4"/>
             <a:r>
-              <a:rPr lang="en-US"/>
+              <a:rPr lang="en-US" smtClean="0"/>
               <a:t>Fifth level</a:t>
             </a:r>
-          </a:p>
-        </p:txBody>
-      </p:sp>
-      <p:sp>
-        <p:nvSpPr>
-          <p:cNvPr id="4" name="Text Placeholder 3">
-            <a:extLst>
-              <a:ext uri="{FF2B5EF4-FFF2-40B4-BE49-F238E27FC236}">
-                <a16:creationId xmlns:a16="http://schemas.microsoft.com/office/drawing/2014/main" id="{ED5854F5-C825-E92F-A593-074A4DC55954}"/>
-              </a:ext>
-            </a:extLst>
-          </p:cNvPr>
+            <a:endParaRPr lang="en-US" dirty="0"/>
+          </a:p>
+        </p:txBody>
+      </p:sp>
+      <p:sp>
+        <p:nvSpPr>
+          <p:cNvPr id="4" name="Text Placeholder 3"/>
           <p:cNvSpPr>
             <a:spLocks noGrp="1"/>
           </p:cNvSpPr>
@@ -2314,8 +4799,8 @@
         </p:nvSpPr>
         <p:spPr>
           <a:xfrm>
-            <a:off x="839788" y="2057400"/>
-            <a:ext cx="3932237" cy="3811588"/>
+            <a:off x="1154953" y="3129280"/>
+            <a:ext cx="3401063" cy="2895599"/>
           </a:xfrm>
         </p:spPr>
         <p:txBody>
@@ -2323,59 +4808,53 @@
           <a:lstStyle>
             <a:lvl1pPr marL="0" indent="0">
               <a:buNone/>
-              <a:defRPr sz="1600"/>
+              <a:defRPr sz="1400"/>
             </a:lvl1pPr>
             <a:lvl2pPr marL="457200" indent="0">
               <a:buNone/>
-              <a:defRPr sz="1400"/>
+              <a:defRPr sz="1200"/>
             </a:lvl2pPr>
             <a:lvl3pPr marL="914400" indent="0">
               <a:buNone/>
-              <a:defRPr sz="1200"/>
+              <a:defRPr sz="1000"/>
             </a:lvl3pPr>
             <a:lvl4pPr marL="1371600" indent="0">
               <a:buNone/>
-              <a:defRPr sz="1000"/>
+              <a:defRPr sz="900"/>
             </a:lvl4pPr>
             <a:lvl5pPr marL="1828800" indent="0">
               <a:buNone/>
-              <a:defRPr sz="1000"/>
+              <a:defRPr sz="900"/>
             </a:lvl5pPr>
             <a:lvl6pPr marL="2286000" indent="0">
               <a:buNone/>
-              <a:defRPr sz="1000"/>
+              <a:defRPr sz="900"/>
             </a:lvl6pPr>
             <a:lvl7pPr marL="2743200" indent="0">
               <a:buNone/>
-              <a:defRPr sz="1000"/>
+              <a:defRPr sz="900"/>
             </a:lvl7pPr>
             <a:lvl8pPr marL="3200400" indent="0">
               <a:buNone/>
-              <a:defRPr sz="1000"/>
+              <a:defRPr sz="900"/>
             </a:lvl8pPr>
             <a:lvl9pPr marL="3657600" indent="0">
               <a:buNone/>
-              <a:defRPr sz="1000"/>
+              <a:defRPr sz="900"/>
             </a:lvl9pPr>
           </a:lstStyle>
           <a:p>
             <a:pPr lvl="0"/>
             <a:r>
-              <a:rPr lang="en-US"/>
-              <a:t>Click to edit Master text styles</a:t>
-            </a:r>
-          </a:p>
-        </p:txBody>
-      </p:sp>
-      <p:sp>
-        <p:nvSpPr>
-          <p:cNvPr id="5" name="Date Placeholder 4">
-            <a:extLst>
-              <a:ext uri="{FF2B5EF4-FFF2-40B4-BE49-F238E27FC236}">
-                <a16:creationId xmlns:a16="http://schemas.microsoft.com/office/drawing/2014/main" id="{35F20418-5B24-427E-4EE2-6BA3F8008B26}"/>
-              </a:ext>
-            </a:extLst>
-          </p:cNvPr>
+              <a:rPr lang="en-US" smtClean="0"/>
+              <a:t>Edit Master text styles</a:t>
+            </a:r>
+          </a:p>
+        </p:txBody>
+      </p:sp>
+      <p:sp>
+        <p:nvSpPr>
+          <p:cNvPr id="7" name="Date Placeholder 4"/>
           <p:cNvSpPr>
             <a:spLocks noGrp="1"/>
           </p:cNvSpPr>
@@ -2398,13 +4877,7 @@
       </p:sp>
       <p:sp>
         <p:nvSpPr>
-          <p:cNvPr id="6" name="Footer Placeholder 5">
-            <a:extLst>
-              <a:ext uri="{FF2B5EF4-FFF2-40B4-BE49-F238E27FC236}">
-                <a16:creationId xmlns:a16="http://schemas.microsoft.com/office/drawing/2014/main" id="{02F40160-5A40-80B4-2127-E23632641884}"/>
-              </a:ext>
-            </a:extLst>
-          </p:cNvPr>
+          <p:cNvPr id="5" name="Footer Placeholder 5"/>
           <p:cNvSpPr>
             <a:spLocks noGrp="1"/>
           </p:cNvSpPr>
@@ -2423,13 +4896,7 @@
       </p:sp>
       <p:sp>
         <p:nvSpPr>
-          <p:cNvPr id="7" name="Slide Number Placeholder 6">
-            <a:extLst>
-              <a:ext uri="{FF2B5EF4-FFF2-40B4-BE49-F238E27FC236}">
-                <a16:creationId xmlns:a16="http://schemas.microsoft.com/office/drawing/2014/main" id="{CB150A22-4D16-B4CF-FBAC-8CA639E14BEF}"/>
-              </a:ext>
-            </a:extLst>
-          </p:cNvPr>
+          <p:cNvPr id="6" name="Slide Number Placeholder 6"/>
           <p:cNvSpPr>
             <a:spLocks noGrp="1"/>
           </p:cNvSpPr>
@@ -2453,7 +4920,7 @@
     </p:spTree>
     <p:extLst>
       <p:ext uri="{BB962C8B-B14F-4D97-AF65-F5344CB8AC3E}">
-        <p14:creationId xmlns:p14="http://schemas.microsoft.com/office/powerpoint/2010/main" val="2568587157"/>
+        <p14:creationId xmlns:p14="http://schemas.microsoft.com/office/powerpoint/2010/main" val="107144236"/>
       </p:ext>
     </p:extLst>
   </p:cSld>
@@ -2482,13 +4949,7 @@
       </p:grpSpPr>
       <p:sp>
         <p:nvSpPr>
-          <p:cNvPr id="2" name="Title 1">
-            <a:extLst>
-              <a:ext uri="{FF2B5EF4-FFF2-40B4-BE49-F238E27FC236}">
-                <a16:creationId xmlns:a16="http://schemas.microsoft.com/office/drawing/2014/main" id="{F8523B30-5E58-F5BF-F22A-14A8595F2BA2}"/>
-              </a:ext>
-            </a:extLst>
-          </p:cNvPr>
+          <p:cNvPr id="2" name="Title 1"/>
           <p:cNvSpPr>
             <a:spLocks noGrp="1"/>
           </p:cNvSpPr>
@@ -2498,36 +4959,33 @@
         </p:nvSpPr>
         <p:spPr>
           <a:xfrm>
-            <a:off x="839788" y="457200"/>
-            <a:ext cx="3932237" cy="1600200"/>
+            <a:off x="1153907" y="1854192"/>
+            <a:ext cx="5092906" cy="1574808"/>
           </a:xfrm>
         </p:spPr>
         <p:txBody>
-          <a:bodyPr anchor="b"/>
+          <a:bodyPr anchor="b">
+            <a:normAutofit/>
+          </a:bodyPr>
           <a:lstStyle>
-            <a:lvl1pPr>
-              <a:defRPr sz="3200"/>
+            <a:lvl1pPr algn="l">
+              <a:defRPr sz="3600" b="0"/>
             </a:lvl1pPr>
           </a:lstStyle>
           <a:p>
             <a:r>
-              <a:rPr lang="en-US"/>
+              <a:rPr lang="en-US" smtClean="0"/>
               <a:t>Click to edit Master title style</a:t>
             </a:r>
-          </a:p>
-        </p:txBody>
-      </p:sp>
-      <p:sp>
-        <p:nvSpPr>
-          <p:cNvPr id="3" name="Picture Placeholder 2">
-            <a:extLst>
-              <a:ext uri="{FF2B5EF4-FFF2-40B4-BE49-F238E27FC236}">
-                <a16:creationId xmlns:a16="http://schemas.microsoft.com/office/drawing/2014/main" id="{23B36A82-FCE6-CCDC-F6B2-DD6A61B10EC9}"/>
-              </a:ext>
-            </a:extLst>
-          </p:cNvPr>
-          <p:cNvSpPr>
-            <a:spLocks noGrp="1"/>
+            <a:endParaRPr lang="en-US" dirty="0"/>
+          </a:p>
+        </p:txBody>
+      </p:sp>
+      <p:sp>
+        <p:nvSpPr>
+          <p:cNvPr id="3" name="Picture Placeholder 2"/>
+          <p:cNvSpPr>
+            <a:spLocks noGrp="1" noChangeAspect="1"/>
           </p:cNvSpPr>
           <p:nvPr>
             <p:ph type="pic" idx="1"/>
@@ -2535,135 +4993,143 @@
         </p:nvSpPr>
         <p:spPr>
           <a:xfrm>
-            <a:off x="5183188" y="987425"/>
-            <a:ext cx="6172200" cy="4873625"/>
+            <a:off x="6949546" y="1143000"/>
+            <a:ext cx="3200400" cy="4572000"/>
           </a:xfrm>
+          <a:prstGeom prst="roundRect">
+            <a:avLst>
+              <a:gd name="adj" fmla="val 1858"/>
+            </a:avLst>
+          </a:prstGeom>
+          <a:effectLst>
+            <a:outerShdw blurRad="50800" dist="50800" dir="5400000" algn="tl" rotWithShape="0">
+              <a:srgbClr val="000000">
+                <a:alpha val="43000"/>
+              </a:srgbClr>
+            </a:outerShdw>
+          </a:effectLst>
         </p:spPr>
         <p:txBody>
-          <a:bodyPr/>
+          <a:bodyPr anchor="t">
+            <a:normAutofit/>
+          </a:bodyPr>
           <a:lstStyle>
-            <a:lvl1pPr marL="0" indent="0">
-              <a:buNone/>
-              <a:defRPr sz="3200"/>
-            </a:lvl1pPr>
-            <a:lvl2pPr marL="457200" indent="0">
-              <a:buNone/>
-              <a:defRPr sz="2800"/>
-            </a:lvl2pPr>
-            <a:lvl3pPr marL="914400" indent="0">
-              <a:buNone/>
-              <a:defRPr sz="2400"/>
-            </a:lvl3pPr>
-            <a:lvl4pPr marL="1371600" indent="0">
-              <a:buNone/>
-              <a:defRPr sz="2000"/>
-            </a:lvl4pPr>
-            <a:lvl5pPr marL="1828800" indent="0">
-              <a:buNone/>
-              <a:defRPr sz="2000"/>
-            </a:lvl5pPr>
-            <a:lvl6pPr marL="2286000" indent="0">
-              <a:buNone/>
-              <a:defRPr sz="2000"/>
-            </a:lvl6pPr>
-            <a:lvl7pPr marL="2743200" indent="0">
-              <a:buNone/>
-              <a:defRPr sz="2000"/>
-            </a:lvl7pPr>
-            <a:lvl8pPr marL="3200400" indent="0">
-              <a:buNone/>
-              <a:defRPr sz="2000"/>
-            </a:lvl8pPr>
-            <a:lvl9pPr marL="3657600" indent="0">
-              <a:buNone/>
-              <a:defRPr sz="2000"/>
-            </a:lvl9pPr>
-          </a:lstStyle>
-          <a:p>
-            <a:endParaRPr lang="en-US"/>
-          </a:p>
-        </p:txBody>
-      </p:sp>
-      <p:sp>
-        <p:nvSpPr>
-          <p:cNvPr id="4" name="Text Placeholder 3">
-            <a:extLst>
-              <a:ext uri="{FF2B5EF4-FFF2-40B4-BE49-F238E27FC236}">
-                <a16:creationId xmlns:a16="http://schemas.microsoft.com/office/drawing/2014/main" id="{3343E8CC-BE48-7613-7B35-90A1B75DBFE8}"/>
-              </a:ext>
-            </a:extLst>
-          </p:cNvPr>
-          <p:cNvSpPr>
-            <a:spLocks noGrp="1"/>
-          </p:cNvSpPr>
-          <p:nvPr>
-            <p:ph type="body" sz="half" idx="2"/>
-          </p:nvPr>
-        </p:nvSpPr>
-        <p:spPr>
-          <a:xfrm>
-            <a:off x="839788" y="2057400"/>
-            <a:ext cx="3932237" cy="3811588"/>
-          </a:xfrm>
-        </p:spPr>
-        <p:txBody>
-          <a:bodyPr/>
-          <a:lstStyle>
-            <a:lvl1pPr marL="0" indent="0">
+            <a:lvl1pPr marL="0" indent="0" algn="ctr">
               <a:buNone/>
               <a:defRPr sz="1600"/>
             </a:lvl1pPr>
             <a:lvl2pPr marL="457200" indent="0">
               <a:buNone/>
-              <a:defRPr sz="1400"/>
+              <a:defRPr sz="1600"/>
             </a:lvl2pPr>
             <a:lvl3pPr marL="914400" indent="0">
               <a:buNone/>
-              <a:defRPr sz="1200"/>
+              <a:defRPr sz="1600"/>
             </a:lvl3pPr>
             <a:lvl4pPr marL="1371600" indent="0">
               <a:buNone/>
-              <a:defRPr sz="1000"/>
+              <a:defRPr sz="1600"/>
             </a:lvl4pPr>
             <a:lvl5pPr marL="1828800" indent="0">
               <a:buNone/>
-              <a:defRPr sz="1000"/>
+              <a:defRPr sz="1600"/>
             </a:lvl5pPr>
             <a:lvl6pPr marL="2286000" indent="0">
               <a:buNone/>
-              <a:defRPr sz="1000"/>
+              <a:defRPr sz="1600"/>
             </a:lvl6pPr>
             <a:lvl7pPr marL="2743200" indent="0">
               <a:buNone/>
-              <a:defRPr sz="1000"/>
+              <a:defRPr sz="1600"/>
             </a:lvl7pPr>
             <a:lvl8pPr marL="3200400" indent="0">
               <a:buNone/>
-              <a:defRPr sz="1000"/>
+              <a:defRPr sz="1600"/>
             </a:lvl8pPr>
             <a:lvl9pPr marL="3657600" indent="0">
               <a:buNone/>
-              <a:defRPr sz="1000"/>
+              <a:defRPr sz="1600"/>
             </a:lvl9pPr>
           </a:lstStyle>
           <a:p>
+            <a:r>
+              <a:rPr lang="en-US" smtClean="0"/>
+              <a:t>Click icon to add picture</a:t>
+            </a:r>
+            <a:endParaRPr lang="en-US" dirty="0"/>
+          </a:p>
+        </p:txBody>
+      </p:sp>
+      <p:sp>
+        <p:nvSpPr>
+          <p:cNvPr id="4" name="Text Placeholder 3"/>
+          <p:cNvSpPr>
+            <a:spLocks noGrp="1"/>
+          </p:cNvSpPr>
+          <p:nvPr>
+            <p:ph type="body" sz="half" idx="2"/>
+          </p:nvPr>
+        </p:nvSpPr>
+        <p:spPr>
+          <a:xfrm>
+            <a:off x="1154954" y="3657600"/>
+            <a:ext cx="5084979" cy="1371600"/>
+          </a:xfrm>
+        </p:spPr>
+        <p:txBody>
+          <a:bodyPr>
+            <a:normAutofit/>
+          </a:bodyPr>
+          <a:lstStyle>
+            <a:lvl1pPr marL="0" indent="0">
+              <a:buNone/>
+              <a:defRPr sz="1400"/>
+            </a:lvl1pPr>
+            <a:lvl2pPr marL="457200" indent="0">
+              <a:buNone/>
+              <a:defRPr sz="1200"/>
+            </a:lvl2pPr>
+            <a:lvl3pPr marL="914400" indent="0">
+              <a:buNone/>
+              <a:defRPr sz="1000"/>
+            </a:lvl3pPr>
+            <a:lvl4pPr marL="1371600" indent="0">
+              <a:buNone/>
+              <a:defRPr sz="900"/>
+            </a:lvl4pPr>
+            <a:lvl5pPr marL="1828800" indent="0">
+              <a:buNone/>
+              <a:defRPr sz="900"/>
+            </a:lvl5pPr>
+            <a:lvl6pPr marL="2286000" indent="0">
+              <a:buNone/>
+              <a:defRPr sz="900"/>
+            </a:lvl6pPr>
+            <a:lvl7pPr marL="2743200" indent="0">
+              <a:buNone/>
+              <a:defRPr sz="900"/>
+            </a:lvl7pPr>
+            <a:lvl8pPr marL="3200400" indent="0">
+              <a:buNone/>
+              <a:defRPr sz="900"/>
+            </a:lvl8pPr>
+            <a:lvl9pPr marL="3657600" indent="0">
+              <a:buNone/>
+              <a:defRPr sz="900"/>
+            </a:lvl9pPr>
+          </a:lstStyle>
+          <a:p>
             <a:pPr lvl="0"/>
             <a:r>
-              <a:rPr lang="en-US"/>
-              <a:t>Click to edit Master text styles</a:t>
-            </a:r>
-          </a:p>
-        </p:txBody>
-      </p:sp>
-      <p:sp>
-        <p:nvSpPr>
-          <p:cNvPr id="5" name="Date Placeholder 4">
-            <a:extLst>
-              <a:ext uri="{FF2B5EF4-FFF2-40B4-BE49-F238E27FC236}">
-                <a16:creationId xmlns:a16="http://schemas.microsoft.com/office/drawing/2014/main" id="{44009724-55A4-0287-1577-AE990ADC4B8E}"/>
-              </a:ext>
-            </a:extLst>
-          </p:cNvPr>
+              <a:rPr lang="en-US" smtClean="0"/>
+              <a:t>Edit Master text styles</a:t>
+            </a:r>
+          </a:p>
+        </p:txBody>
+      </p:sp>
+      <p:sp>
+        <p:nvSpPr>
+          <p:cNvPr id="5" name="Date Placeholder 4"/>
           <p:cNvSpPr>
             <a:spLocks noGrp="1"/>
           </p:cNvSpPr>
@@ -2686,13 +5152,7 @@
       </p:sp>
       <p:sp>
         <p:nvSpPr>
-          <p:cNvPr id="6" name="Footer Placeholder 5">
-            <a:extLst>
-              <a:ext uri="{FF2B5EF4-FFF2-40B4-BE49-F238E27FC236}">
-                <a16:creationId xmlns:a16="http://schemas.microsoft.com/office/drawing/2014/main" id="{D343903D-23A3-7414-F104-55D2380D9A10}"/>
-              </a:ext>
-            </a:extLst>
-          </p:cNvPr>
+          <p:cNvPr id="6" name="Footer Placeholder 5"/>
           <p:cNvSpPr>
             <a:spLocks noGrp="1"/>
           </p:cNvSpPr>
@@ -2711,13 +5171,7 @@
       </p:sp>
       <p:sp>
         <p:nvSpPr>
-          <p:cNvPr id="7" name="Slide Number Placeholder 6">
-            <a:extLst>
-              <a:ext uri="{FF2B5EF4-FFF2-40B4-BE49-F238E27FC236}">
-                <a16:creationId xmlns:a16="http://schemas.microsoft.com/office/drawing/2014/main" id="{8CA1603F-7688-ED95-0CBF-9A930EC1B9FD}"/>
-              </a:ext>
-            </a:extLst>
-          </p:cNvPr>
+          <p:cNvPr id="7" name="Slide Number Placeholder 6"/>
           <p:cNvSpPr>
             <a:spLocks noGrp="1"/>
           </p:cNvSpPr>
@@ -2741,7 +5195,7 @@
     </p:spTree>
     <p:extLst>
       <p:ext uri="{BB962C8B-B14F-4D97-AF65-F5344CB8AC3E}">
-        <p14:creationId xmlns:p14="http://schemas.microsoft.com/office/powerpoint/2010/main" val="3502880946"/>
+        <p14:creationId xmlns:p14="http://schemas.microsoft.com/office/powerpoint/2010/main" val="370584968"/>
       </p:ext>
     </p:extLst>
   </p:cSld>
@@ -2755,8 +5209,8 @@
 <p:sldMaster xmlns:a="http://schemas.openxmlformats.org/drawingml/2006/main" xmlns:r="http://schemas.openxmlformats.org/officeDocument/2006/relationships" xmlns:p="http://schemas.openxmlformats.org/presentationml/2006/main">
   <p:cSld>
     <p:bg>
-      <p:bgRef idx="1001">
-        <a:schemeClr val="bg1"/>
+      <p:bgRef idx="1003">
+        <a:schemeClr val="bg2"/>
       </p:bgRef>
     </p:bg>
     <p:spTree>
@@ -2773,240 +5227,429 @@
           <a:chExt cx="0" cy="0"/>
         </a:xfrm>
       </p:grpSpPr>
-      <p:sp>
-        <p:nvSpPr>
-          <p:cNvPr id="2" name="Title Placeholder 1">
+      <p:pic>
+        <p:nvPicPr>
+          <p:cNvPr id="8" name="Picture 7"/>
+          <p:cNvPicPr>
+            <a:picLocks noChangeAspect="1"/>
+          </p:cNvPicPr>
+          <p:nvPr/>
+        </p:nvPicPr>
+        <p:blipFill rotWithShape="1">
+          <a:blip r:embed="rId19">
             <a:extLst>
-              <a:ext uri="{FF2B5EF4-FFF2-40B4-BE49-F238E27FC236}">
-                <a16:creationId xmlns:a16="http://schemas.microsoft.com/office/drawing/2014/main" id="{E323C295-1E69-C3C6-D193-53CFA44275E8}"/>
+              <a:ext uri="{28A0092B-C50C-407E-A947-70E740481C1C}">
+                <a14:useLocalDpi xmlns:a14="http://schemas.microsoft.com/office/drawing/2010/main" val="0"/>
               </a:ext>
             </a:extLst>
-          </p:cNvPr>
-          <p:cNvSpPr>
-            <a:spLocks noGrp="1"/>
-          </p:cNvSpPr>
-          <p:nvPr>
-            <p:ph type="title"/>
-          </p:nvPr>
-        </p:nvSpPr>
+          </a:blip>
+          <a:srcRect l="3613"/>
+          <a:stretch/>
+        </p:blipFill>
         <p:spPr>
           <a:xfrm>
-            <a:off x="838200" y="365125"/>
-            <a:ext cx="10515600" cy="1325563"/>
+            <a:off x="0" y="2669685"/>
+            <a:ext cx="4037012" cy="4188315"/>
           </a:xfrm>
           <a:prstGeom prst="rect">
             <a:avLst/>
           </a:prstGeom>
         </p:spPr>
-        <p:txBody>
-          <a:bodyPr vert="horz" lIns="91440" tIns="45720" rIns="91440" bIns="45720" rtlCol="0" anchor="ctr">
-            <a:normAutofit/>
-          </a:bodyPr>
-          <a:lstStyle/>
-          <a:p>
-            <a:r>
-              <a:rPr lang="en-US"/>
-              <a:t>Click to edit Master title style</a:t>
-            </a:r>
-          </a:p>
-        </p:txBody>
-      </p:sp>
-      <p:sp>
-        <p:nvSpPr>
-          <p:cNvPr id="3" name="Text Placeholder 2">
+      </p:pic>
+      <p:pic>
+        <p:nvPicPr>
+          <p:cNvPr id="7" name="Picture 6"/>
+          <p:cNvPicPr>
+            <a:picLocks noChangeAspect="1"/>
+          </p:cNvPicPr>
+          <p:nvPr/>
+        </p:nvPicPr>
+        <p:blipFill rotWithShape="1">
+          <a:blip r:embed="rId20">
             <a:extLst>
-              <a:ext uri="{FF2B5EF4-FFF2-40B4-BE49-F238E27FC236}">
-                <a16:creationId xmlns:a16="http://schemas.microsoft.com/office/drawing/2014/main" id="{DEF415C7-5A44-93E5-4128-6189546A77E6}"/>
+              <a:ext uri="{28A0092B-C50C-407E-A947-70E740481C1C}">
+                <a14:useLocalDpi xmlns:a14="http://schemas.microsoft.com/office/drawing/2010/main" val="0"/>
               </a:ext>
             </a:extLst>
-          </p:cNvPr>
-          <p:cNvSpPr>
-            <a:spLocks noGrp="1"/>
-          </p:cNvSpPr>
-          <p:nvPr>
-            <p:ph type="body" idx="1"/>
-          </p:nvPr>
-        </p:nvSpPr>
+          </a:blip>
+          <a:srcRect l="35640"/>
+          <a:stretch/>
+        </p:blipFill>
         <p:spPr>
           <a:xfrm>
-            <a:off x="838200" y="1825625"/>
-            <a:ext cx="10515600" cy="4351338"/>
+            <a:off x="0" y="2892347"/>
+            <a:ext cx="1522412" cy="2365453"/>
           </a:xfrm>
           <a:prstGeom prst="rect">
             <a:avLst/>
           </a:prstGeom>
         </p:spPr>
-        <p:txBody>
-          <a:bodyPr vert="horz" lIns="91440" tIns="45720" rIns="91440" bIns="45720" rtlCol="0">
-            <a:normAutofit/>
-          </a:bodyPr>
-          <a:lstStyle/>
-          <a:p>
-            <a:pPr lvl="0"/>
-            <a:r>
-              <a:rPr lang="en-US"/>
-              <a:t>Click to edit Master text styles</a:t>
-            </a:r>
-          </a:p>
-          <a:p>
-            <a:pPr lvl="1"/>
-            <a:r>
-              <a:rPr lang="en-US"/>
-              <a:t>Second level</a:t>
-            </a:r>
-          </a:p>
-          <a:p>
-            <a:pPr lvl="2"/>
-            <a:r>
-              <a:rPr lang="en-US"/>
-              <a:t>Third level</a:t>
-            </a:r>
-          </a:p>
-          <a:p>
-            <a:pPr lvl="3"/>
-            <a:r>
-              <a:rPr lang="en-US"/>
-              <a:t>Fourth level</a:t>
-            </a:r>
-          </a:p>
-          <a:p>
-            <a:pPr lvl="4"/>
-            <a:r>
-              <a:rPr lang="en-US"/>
-              <a:t>Fifth level</a:t>
-            </a:r>
-          </a:p>
-        </p:txBody>
-      </p:sp>
-      <p:sp>
-        <p:nvSpPr>
-          <p:cNvPr id="4" name="Date Placeholder 3">
+      </p:pic>
+      <p:sp>
+        <p:nvSpPr>
+          <p:cNvPr id="16" name="Oval 15"/>
+          <p:cNvSpPr/>
+          <p:nvPr/>
+        </p:nvSpPr>
+        <p:spPr>
+          <a:xfrm>
+            <a:off x="8609012" y="1676400"/>
+            <a:ext cx="2819400" cy="2819400"/>
+          </a:xfrm>
+          <a:prstGeom prst="ellipse">
+            <a:avLst/>
+          </a:prstGeom>
+          <a:gradFill flip="none" rotWithShape="1">
+            <a:gsLst>
+              <a:gs pos="0">
+                <a:schemeClr val="bg2">
+                  <a:lumMod val="60000"/>
+                  <a:lumOff val="40000"/>
+                  <a:alpha val="7000"/>
+                </a:schemeClr>
+              </a:gs>
+              <a:gs pos="69000">
+                <a:schemeClr val="bg2">
+                  <a:lumMod val="60000"/>
+                  <a:lumOff val="40000"/>
+                  <a:alpha val="0"/>
+                </a:schemeClr>
+              </a:gs>
+              <a:gs pos="36000">
+                <a:schemeClr val="bg2">
+                  <a:lumMod val="60000"/>
+                  <a:lumOff val="40000"/>
+                  <a:alpha val="6000"/>
+                </a:schemeClr>
+              </a:gs>
+            </a:gsLst>
+            <a:path path="circle">
+              <a:fillToRect l="50000" t="50000" r="50000" b="50000"/>
+            </a:path>
+            <a:tileRect/>
+          </a:gradFill>
+          <a:ln>
+            <a:noFill/>
+          </a:ln>
+          <a:effectLst/>
+        </p:spPr>
+        <p:style>
+          <a:lnRef idx="1">
+            <a:schemeClr val="accent1"/>
+          </a:lnRef>
+          <a:fillRef idx="3">
+            <a:schemeClr val="accent1"/>
+          </a:fillRef>
+          <a:effectRef idx="2">
+            <a:schemeClr val="accent1"/>
+          </a:effectRef>
+          <a:fontRef idx="minor">
+            <a:schemeClr val="lt1"/>
+          </a:fontRef>
+        </p:style>
+      </p:sp>
+      <p:pic>
+        <p:nvPicPr>
+          <p:cNvPr id="9" name="Picture 8"/>
+          <p:cNvPicPr>
+            <a:picLocks noChangeAspect="1"/>
+          </p:cNvPicPr>
+          <p:nvPr/>
+        </p:nvPicPr>
+        <p:blipFill rotWithShape="1">
+          <a:blip r:embed="rId21">
             <a:extLst>
-              <a:ext uri="{FF2B5EF4-FFF2-40B4-BE49-F238E27FC236}">
-                <a16:creationId xmlns:a16="http://schemas.microsoft.com/office/drawing/2014/main" id="{F818C51A-F6CE-7ED0-50AA-AF87520F6490}"/>
+              <a:ext uri="{28A0092B-C50C-407E-A947-70E740481C1C}">
+                <a14:useLocalDpi xmlns:a14="http://schemas.microsoft.com/office/drawing/2010/main" val="0"/>
               </a:ext>
             </a:extLst>
-          </p:cNvPr>
-          <p:cNvSpPr>
-            <a:spLocks noGrp="1"/>
-          </p:cNvSpPr>
-          <p:nvPr>
-            <p:ph type="dt" sz="half" idx="2"/>
-          </p:nvPr>
-        </p:nvSpPr>
+          </a:blip>
+          <a:srcRect t="28813"/>
+          <a:stretch/>
+        </p:blipFill>
         <p:spPr>
           <a:xfrm>
-            <a:off x="838200" y="6356350"/>
-            <a:ext cx="2743200" cy="365125"/>
+            <a:off x="7999412" y="0"/>
+            <a:ext cx="1603387" cy="1141407"/>
           </a:xfrm>
           <a:prstGeom prst="rect">
             <a:avLst/>
           </a:prstGeom>
         </p:spPr>
-        <p:txBody>
-          <a:bodyPr vert="horz" lIns="91440" tIns="45720" rIns="91440" bIns="45720" rtlCol="0" anchor="ctr"/>
-          <a:lstStyle>
-            <a:lvl1pPr algn="l">
-              <a:defRPr sz="1200">
-                <a:solidFill>
-                  <a:schemeClr val="tx1">
-                    <a:tint val="82000"/>
-                  </a:schemeClr>
-                </a:solidFill>
-              </a:defRPr>
-            </a:lvl1pPr>
-          </a:lstStyle>
-          <a:p>
-            <a:fld id="{A1421AF3-02C3-42CC-BF7E-19BA98888225}" type="datetimeFigureOut">
-              <a:rPr lang="en-US" smtClean="0"/>
-              <a:t>4/14/2025</a:t>
-            </a:fld>
-            <a:endParaRPr lang="en-US"/>
-          </a:p>
-        </p:txBody>
-      </p:sp>
-      <p:sp>
-        <p:nvSpPr>
-          <p:cNvPr id="5" name="Footer Placeholder 4">
+      </p:pic>
+      <p:pic>
+        <p:nvPicPr>
+          <p:cNvPr id="10" name="Picture 9"/>
+          <p:cNvPicPr>
+            <a:picLocks noChangeAspect="1"/>
+          </p:cNvPicPr>
+          <p:nvPr/>
+        </p:nvPicPr>
+        <p:blipFill rotWithShape="1">
+          <a:blip r:embed="rId22">
             <a:extLst>
-              <a:ext uri="{FF2B5EF4-FFF2-40B4-BE49-F238E27FC236}">
-                <a16:creationId xmlns:a16="http://schemas.microsoft.com/office/drawing/2014/main" id="{6B7C3842-FE5F-E84F-AE58-DE46F294457B}"/>
+              <a:ext uri="{28A0092B-C50C-407E-A947-70E740481C1C}">
+                <a14:useLocalDpi xmlns:a14="http://schemas.microsoft.com/office/drawing/2010/main" val="0"/>
               </a:ext>
             </a:extLst>
-          </p:cNvPr>
-          <p:cNvSpPr>
-            <a:spLocks noGrp="1"/>
-          </p:cNvSpPr>
-          <p:nvPr>
-            <p:ph type="ftr" sz="quarter" idx="3"/>
-          </p:nvPr>
-        </p:nvSpPr>
+          </a:blip>
+          <a:srcRect b="23320"/>
+          <a:stretch/>
+        </p:blipFill>
         <p:spPr>
           <a:xfrm>
-            <a:off x="4038600" y="6356350"/>
-            <a:ext cx="4114800" cy="365125"/>
+            <a:off x="8605878" y="6096000"/>
+            <a:ext cx="993734" cy="762000"/>
           </a:xfrm>
           <a:prstGeom prst="rect">
             <a:avLst/>
           </a:prstGeom>
         </p:spPr>
-        <p:txBody>
-          <a:bodyPr vert="horz" lIns="91440" tIns="45720" rIns="91440" bIns="45720" rtlCol="0" anchor="ctr"/>
-          <a:lstStyle>
-            <a:lvl1pPr algn="ctr">
-              <a:defRPr sz="1200">
-                <a:solidFill>
-                  <a:schemeClr val="tx1">
-                    <a:tint val="82000"/>
-                  </a:schemeClr>
-                </a:solidFill>
-              </a:defRPr>
-            </a:lvl1pPr>
-          </a:lstStyle>
-          <a:p>
-            <a:endParaRPr lang="en-US"/>
-          </a:p>
-        </p:txBody>
-      </p:sp>
-      <p:sp>
-        <p:nvSpPr>
-          <p:cNvPr id="6" name="Slide Number Placeholder 5">
-            <a:extLst>
-              <a:ext uri="{FF2B5EF4-FFF2-40B4-BE49-F238E27FC236}">
-                <a16:creationId xmlns:a16="http://schemas.microsoft.com/office/drawing/2014/main" id="{B9128533-528C-F4BA-9231-1DFF84E44269}"/>
-              </a:ext>
-            </a:extLst>
-          </p:cNvPr>
-          <p:cNvSpPr>
-            <a:spLocks noGrp="1"/>
-          </p:cNvSpPr>
-          <p:nvPr>
-            <p:ph type="sldNum" sz="quarter" idx="4"/>
-          </p:nvPr>
+      </p:pic>
+      <p:sp>
+        <p:nvSpPr>
+          <p:cNvPr id="14" name="Rectangle 13"/>
+          <p:cNvSpPr/>
+          <p:nvPr/>
         </p:nvSpPr>
         <p:spPr>
           <a:xfrm>
-            <a:off x="8610600" y="6356350"/>
-            <a:ext cx="2743200" cy="365125"/>
+            <a:off x="10437812" y="0"/>
+            <a:ext cx="685800" cy="1143000"/>
+          </a:xfrm>
+          <a:prstGeom prst="rect">
+            <a:avLst/>
+          </a:prstGeom>
+          <a:solidFill>
+            <a:schemeClr val="accent1"/>
+          </a:solidFill>
+          <a:ln>
+            <a:noFill/>
+          </a:ln>
+        </p:spPr>
+        <p:style>
+          <a:lnRef idx="1">
+            <a:schemeClr val="accent1"/>
+          </a:lnRef>
+          <a:fillRef idx="3">
+            <a:schemeClr val="accent1"/>
+          </a:fillRef>
+          <a:effectRef idx="2">
+            <a:schemeClr val="accent1"/>
+          </a:effectRef>
+          <a:fontRef idx="minor">
+            <a:schemeClr val="lt1"/>
+          </a:fontRef>
+        </p:style>
+      </p:sp>
+      <p:sp>
+        <p:nvSpPr>
+          <p:cNvPr id="2" name="Title Placeholder 1"/>
+          <p:cNvSpPr>
+            <a:spLocks noGrp="1"/>
+          </p:cNvSpPr>
+          <p:nvPr>
+            <p:ph type="title"/>
+          </p:nvPr>
+        </p:nvSpPr>
+        <p:spPr>
+          <a:xfrm>
+            <a:off x="646111" y="452718"/>
+            <a:ext cx="9404723" cy="1400530"/>
           </a:xfrm>
           <a:prstGeom prst="rect">
             <a:avLst/>
           </a:prstGeom>
         </p:spPr>
         <p:txBody>
-          <a:bodyPr vert="horz" lIns="91440" tIns="45720" rIns="91440" bIns="45720" rtlCol="0" anchor="ctr"/>
+          <a:bodyPr vert="horz" lIns="91440" tIns="45720" rIns="91440" bIns="45720" rtlCol="0" anchor="t">
+            <a:noAutofit/>
+          </a:bodyPr>
+          <a:lstStyle/>
+          <a:p>
+            <a:r>
+              <a:rPr lang="en-US" smtClean="0"/>
+              <a:t>Click to edit Master title style</a:t>
+            </a:r>
+            <a:endParaRPr lang="en-US" dirty="0"/>
+          </a:p>
+        </p:txBody>
+      </p:sp>
+      <p:sp>
+        <p:nvSpPr>
+          <p:cNvPr id="3" name="Text Placeholder 2"/>
+          <p:cNvSpPr>
+            <a:spLocks noGrp="1"/>
+          </p:cNvSpPr>
+          <p:nvPr>
+            <p:ph type="body" idx="1"/>
+          </p:nvPr>
+        </p:nvSpPr>
+        <p:spPr>
+          <a:xfrm>
+            <a:off x="1103312" y="2052918"/>
+            <a:ext cx="8946541" cy="4195481"/>
+          </a:xfrm>
+          <a:prstGeom prst="rect">
+            <a:avLst/>
+          </a:prstGeom>
+        </p:spPr>
+        <p:txBody>
+          <a:bodyPr vert="horz" lIns="91440" tIns="45720" rIns="91440" bIns="45720" rtlCol="0">
+            <a:normAutofit/>
+          </a:bodyPr>
+          <a:lstStyle/>
+          <a:p>
+            <a:pPr lvl="0"/>
+            <a:r>
+              <a:rPr lang="en-US" smtClean="0"/>
+              <a:t>Edit Master text styles</a:t>
+            </a:r>
+          </a:p>
+          <a:p>
+            <a:pPr lvl="1"/>
+            <a:r>
+              <a:rPr lang="en-US" smtClean="0"/>
+              <a:t>Second level</a:t>
+            </a:r>
+          </a:p>
+          <a:p>
+            <a:pPr lvl="2"/>
+            <a:r>
+              <a:rPr lang="en-US" smtClean="0"/>
+              <a:t>Third level</a:t>
+            </a:r>
+          </a:p>
+          <a:p>
+            <a:pPr lvl="3"/>
+            <a:r>
+              <a:rPr lang="en-US" smtClean="0"/>
+              <a:t>Fourth level</a:t>
+            </a:r>
+          </a:p>
+          <a:p>
+            <a:pPr lvl="4"/>
+            <a:r>
+              <a:rPr lang="en-US" smtClean="0"/>
+              <a:t>Fifth level</a:t>
+            </a:r>
+            <a:endParaRPr lang="en-US" dirty="0"/>
+          </a:p>
+        </p:txBody>
+      </p:sp>
+      <p:sp>
+        <p:nvSpPr>
+          <p:cNvPr id="4" name="Date Placeholder 3"/>
+          <p:cNvSpPr>
+            <a:spLocks noGrp="1"/>
+          </p:cNvSpPr>
+          <p:nvPr>
+            <p:ph type="dt" sz="half" idx="2"/>
+          </p:nvPr>
+        </p:nvSpPr>
+        <p:spPr>
+          <a:xfrm rot="5400000">
+            <a:off x="10155639" y="1790701"/>
+            <a:ext cx="990599" cy="304799"/>
+          </a:xfrm>
+          <a:prstGeom prst="rect">
+            <a:avLst/>
+          </a:prstGeom>
+        </p:spPr>
+        <p:txBody>
+          <a:bodyPr vert="horz" lIns="91440" tIns="45720" rIns="91440" bIns="45720" rtlCol="0" anchor="t"/>
           <a:lstStyle>
-            <a:lvl1pPr algn="r">
-              <a:defRPr sz="1200">
+            <a:lvl1pPr algn="l">
+              <a:defRPr sz="1100" b="0" i="0">
                 <a:solidFill>
                   <a:schemeClr val="tx1">
-                    <a:tint val="82000"/>
+                    <a:tint val="75000"/>
+                    <a:alpha val="60000"/>
                   </a:schemeClr>
                 </a:solidFill>
               </a:defRPr>
             </a:lvl1pPr>
           </a:lstStyle>
           <a:p>
+            <a:fld id="{A1421AF3-02C3-42CC-BF7E-19BA98888225}" type="datetimeFigureOut">
+              <a:rPr lang="en-US" smtClean="0"/>
+              <a:t>4/14/2025</a:t>
+            </a:fld>
+            <a:endParaRPr lang="en-US"/>
+          </a:p>
+        </p:txBody>
+      </p:sp>
+      <p:sp>
+        <p:nvSpPr>
+          <p:cNvPr id="5" name="Footer Placeholder 4"/>
+          <p:cNvSpPr>
+            <a:spLocks noGrp="1"/>
+          </p:cNvSpPr>
+          <p:nvPr>
+            <p:ph type="ftr" sz="quarter" idx="3"/>
+          </p:nvPr>
+        </p:nvSpPr>
+        <p:spPr>
+          <a:xfrm rot="5400000">
+            <a:off x="8951573" y="3225297"/>
+            <a:ext cx="3859795" cy="304801"/>
+          </a:xfrm>
+          <a:prstGeom prst="rect">
+            <a:avLst/>
+          </a:prstGeom>
+        </p:spPr>
+        <p:txBody>
+          <a:bodyPr vert="horz" lIns="91440" tIns="45720" rIns="91440" bIns="45720" rtlCol="0" anchor="b"/>
+          <a:lstStyle>
+            <a:lvl1pPr algn="l">
+              <a:defRPr sz="1100" b="0" i="0">
+                <a:solidFill>
+                  <a:schemeClr val="tx1">
+                    <a:tint val="75000"/>
+                    <a:alpha val="60000"/>
+                  </a:schemeClr>
+                </a:solidFill>
+              </a:defRPr>
+            </a:lvl1pPr>
+          </a:lstStyle>
+          <a:p>
+            <a:endParaRPr lang="en-US"/>
+          </a:p>
+        </p:txBody>
+      </p:sp>
+      <p:sp>
+        <p:nvSpPr>
+          <p:cNvPr id="6" name="Slide Number Placeholder 5"/>
+          <p:cNvSpPr>
+            <a:spLocks noGrp="1"/>
+          </p:cNvSpPr>
+          <p:nvPr>
+            <p:ph type="sldNum" sz="quarter" idx="4"/>
+          </p:nvPr>
+        </p:nvSpPr>
+        <p:spPr bwMode="gray">
+          <a:xfrm>
+            <a:off x="10352540" y="295729"/>
+            <a:ext cx="838199" cy="767687"/>
+          </a:xfrm>
+          <a:prstGeom prst="rect">
+            <a:avLst/>
+          </a:prstGeom>
+        </p:spPr>
+        <p:txBody>
+          <a:bodyPr vert="horz" lIns="91440" tIns="45720" rIns="91440" bIns="45720" rtlCol="0" anchor="b"/>
+          <a:lstStyle>
+            <a:lvl1pPr algn="ctr">
+              <a:defRPr sz="2800" b="0" i="0">
+                <a:solidFill>
+                  <a:schemeClr val="tx1">
+                    <a:tint val="75000"/>
+                  </a:schemeClr>
+                </a:solidFill>
+              </a:defRPr>
+            </a:lvl1pPr>
+          </a:lstStyle>
+          <a:p>
             <a:fld id="{582FC3B6-09A2-4C22-83B5-27217B3E17AF}" type="slidenum">
               <a:rPr lang="en-US" smtClean="0"/>
               <a:t>‹#›</a:t>
@@ -3018,35 +5661,121 @@
     </p:spTree>
     <p:extLst>
       <p:ext uri="{BB962C8B-B14F-4D97-AF65-F5344CB8AC3E}">
-        <p14:creationId xmlns:p14="http://schemas.microsoft.com/office/powerpoint/2010/main" val="718821077"/>
+        <p14:creationId xmlns:p14="http://schemas.microsoft.com/office/powerpoint/2010/main" val="3033946489"/>
       </p:ext>
     </p:extLst>
   </p:cSld>
-  <p:clrMap bg1="lt1" tx1="dk1" bg2="lt2" tx2="dk2" accent1="accent1" accent2="accent2" accent3="accent3" accent4="accent4" accent5="accent5" accent6="accent6" hlink="hlink" folHlink="folHlink"/>
+  <p:clrMap bg1="dk1" tx1="lt1" bg2="dk2" tx2="lt2" accent1="accent1" accent2="accent2" accent3="accent3" accent4="accent4" accent5="accent5" accent6="accent6" hlink="hlink" folHlink="folHlink"/>
   <p:sldLayoutIdLst>
-    <p:sldLayoutId id="2147483649" r:id="rId1"/>
-    <p:sldLayoutId id="2147483650" r:id="rId2"/>
-    <p:sldLayoutId id="2147483651" r:id="rId3"/>
-    <p:sldLayoutId id="2147483652" r:id="rId4"/>
-    <p:sldLayoutId id="2147483653" r:id="rId5"/>
-    <p:sldLayoutId id="2147483654" r:id="rId6"/>
-    <p:sldLayoutId id="2147483655" r:id="rId7"/>
-    <p:sldLayoutId id="2147483656" r:id="rId8"/>
-    <p:sldLayoutId id="2147483657" r:id="rId9"/>
-    <p:sldLayoutId id="2147483658" r:id="rId10"/>
-    <p:sldLayoutId id="2147483659" r:id="rId11"/>
+    <p:sldLayoutId id="2147483678" r:id="rId1"/>
+    <p:sldLayoutId id="2147483679" r:id="rId2"/>
+    <p:sldLayoutId id="2147483680" r:id="rId3"/>
+    <p:sldLayoutId id="2147483681" r:id="rId4"/>
+    <p:sldLayoutId id="2147483682" r:id="rId5"/>
+    <p:sldLayoutId id="2147483683" r:id="rId6"/>
+    <p:sldLayoutId id="2147483684" r:id="rId7"/>
+    <p:sldLayoutId id="2147483685" r:id="rId8"/>
+    <p:sldLayoutId id="2147483686" r:id="rId9"/>
+    <p:sldLayoutId id="2147483687" r:id="rId10"/>
+    <p:sldLayoutId id="2147483688" r:id="rId11"/>
+    <p:sldLayoutId id="2147483689" r:id="rId12"/>
+    <p:sldLayoutId id="2147483690" r:id="rId13"/>
+    <p:sldLayoutId id="2147483691" r:id="rId14"/>
+    <p:sldLayoutId id="2147483692" r:id="rId15"/>
+    <p:sldLayoutId id="2147483693" r:id="rId16"/>
+    <p:sldLayoutId id="2147483694" r:id="rId17"/>
   </p:sldLayoutIdLst>
   <p:txStyles>
     <p:titleStyle>
-      <a:lvl1pPr algn="l" defTabSz="914400" rtl="0" eaLnBrk="1" latinLnBrk="0" hangingPunct="1">
-        <a:lnSpc>
-          <a:spcPct val="90000"/>
-        </a:lnSpc>
+      <a:lvl1pPr algn="l" defTabSz="457200" rtl="0" eaLnBrk="1" latinLnBrk="0" hangingPunct="1">
         <a:spcBef>
           <a:spcPct val="0"/>
         </a:spcBef>
         <a:buNone/>
-        <a:defRPr sz="4400" kern="1200">
+        <a:defRPr sz="4200" b="0" i="0" kern="1200">
+          <a:solidFill>
+            <a:schemeClr val="tx2"/>
+          </a:solidFill>
+          <a:latin typeface="+mj-lt"/>
+          <a:ea typeface="+mj-ea"/>
+          <a:cs typeface="+mj-cs"/>
+        </a:defRPr>
+      </a:lvl1pPr>
+      <a:lvl2pPr eaLnBrk="1" hangingPunct="1">
+        <a:defRPr>
+          <a:solidFill>
+            <a:schemeClr val="tx2"/>
+          </a:solidFill>
+        </a:defRPr>
+      </a:lvl2pPr>
+      <a:lvl3pPr eaLnBrk="1" hangingPunct="1">
+        <a:defRPr>
+          <a:solidFill>
+            <a:schemeClr val="tx2"/>
+          </a:solidFill>
+        </a:defRPr>
+      </a:lvl3pPr>
+      <a:lvl4pPr eaLnBrk="1" hangingPunct="1">
+        <a:defRPr>
+          <a:solidFill>
+            <a:schemeClr val="tx2"/>
+          </a:solidFill>
+        </a:defRPr>
+      </a:lvl4pPr>
+      <a:lvl5pPr eaLnBrk="1" hangingPunct="1">
+        <a:defRPr>
+          <a:solidFill>
+            <a:schemeClr val="tx2"/>
+          </a:solidFill>
+        </a:defRPr>
+      </a:lvl5pPr>
+      <a:lvl6pPr eaLnBrk="1" hangingPunct="1">
+        <a:defRPr>
+          <a:solidFill>
+            <a:schemeClr val="tx2"/>
+          </a:solidFill>
+        </a:defRPr>
+      </a:lvl6pPr>
+      <a:lvl7pPr eaLnBrk="1" hangingPunct="1">
+        <a:defRPr>
+          <a:solidFill>
+            <a:schemeClr val="tx2"/>
+          </a:solidFill>
+        </a:defRPr>
+      </a:lvl7pPr>
+      <a:lvl8pPr eaLnBrk="1" hangingPunct="1">
+        <a:defRPr>
+          <a:solidFill>
+            <a:schemeClr val="tx2"/>
+          </a:solidFill>
+        </a:defRPr>
+      </a:lvl8pPr>
+      <a:lvl9pPr eaLnBrk="1" hangingPunct="1">
+        <a:defRPr>
+          <a:solidFill>
+            <a:schemeClr val="tx2"/>
+          </a:solidFill>
+        </a:defRPr>
+      </a:lvl9pPr>
+    </p:titleStyle>
+    <p:bodyStyle>
+      <a:lvl1pPr marL="342900" indent="-342900" algn="l" defTabSz="457200" rtl="0" eaLnBrk="1" latinLnBrk="0" hangingPunct="1">
+        <a:spcBef>
+          <a:spcPts val="1000"/>
+        </a:spcBef>
+        <a:spcAft>
+          <a:spcPts val="0"/>
+        </a:spcAft>
+        <a:buClr>
+          <a:schemeClr val="bg2">
+            <a:lumMod val="40000"/>
+            <a:lumOff val="60000"/>
+          </a:schemeClr>
+        </a:buClr>
+        <a:buSzPct val="80000"/>
+        <a:buFont typeface="Wingdings 3" charset="2"/>
+        <a:buChar char=""/>
+        <a:defRPr sz="2000" b="0" i="0" kern="1200">
           <a:solidFill>
             <a:schemeClr val="tx1"/>
           </a:solidFill>
@@ -3055,18 +5784,213 @@
           <a:cs typeface="+mj-cs"/>
         </a:defRPr>
       </a:lvl1pPr>
-    </p:titleStyle>
-    <p:bodyStyle>
-      <a:lvl1pPr marL="228600" indent="-228600" algn="l" defTabSz="914400" rtl="0" eaLnBrk="1" latinLnBrk="0" hangingPunct="1">
-        <a:lnSpc>
-          <a:spcPct val="90000"/>
-        </a:lnSpc>
+      <a:lvl2pPr marL="742950" indent="-285750" algn="l" defTabSz="457200" rtl="0" eaLnBrk="1" latinLnBrk="0" hangingPunct="1">
         <a:spcBef>
           <a:spcPts val="1000"/>
         </a:spcBef>
-        <a:buFont typeface="Arial" panose="020B0604020202020204" pitchFamily="34" charset="0"/>
-        <a:buChar char="•"/>
-        <a:defRPr sz="2800" kern="1200">
+        <a:spcAft>
+          <a:spcPts val="0"/>
+        </a:spcAft>
+        <a:buClr>
+          <a:schemeClr val="bg2">
+            <a:lumMod val="40000"/>
+            <a:lumOff val="60000"/>
+          </a:schemeClr>
+        </a:buClr>
+        <a:buSzPct val="80000"/>
+        <a:buFont typeface="Wingdings 3" charset="2"/>
+        <a:buChar char=""/>
+        <a:defRPr sz="1800" b="0" i="0" kern="1200">
+          <a:solidFill>
+            <a:schemeClr val="tx1"/>
+          </a:solidFill>
+          <a:latin typeface="+mj-lt"/>
+          <a:ea typeface="+mj-ea"/>
+          <a:cs typeface="+mj-cs"/>
+        </a:defRPr>
+      </a:lvl2pPr>
+      <a:lvl3pPr marL="1143000" indent="-228600" algn="l" defTabSz="457200" rtl="0" eaLnBrk="1" latinLnBrk="0" hangingPunct="1">
+        <a:spcBef>
+          <a:spcPts val="1000"/>
+        </a:spcBef>
+        <a:spcAft>
+          <a:spcPts val="0"/>
+        </a:spcAft>
+        <a:buClr>
+          <a:schemeClr val="bg2">
+            <a:lumMod val="40000"/>
+            <a:lumOff val="60000"/>
+          </a:schemeClr>
+        </a:buClr>
+        <a:buSzPct val="80000"/>
+        <a:buFont typeface="Wingdings 3" charset="2"/>
+        <a:buChar char=""/>
+        <a:defRPr sz="1600" b="0" i="0" kern="1200">
+          <a:solidFill>
+            <a:schemeClr val="tx1"/>
+          </a:solidFill>
+          <a:latin typeface="+mj-lt"/>
+          <a:ea typeface="+mj-ea"/>
+          <a:cs typeface="+mj-cs"/>
+        </a:defRPr>
+      </a:lvl3pPr>
+      <a:lvl4pPr marL="1600200" indent="-228600" algn="l" defTabSz="457200" rtl="0" eaLnBrk="1" latinLnBrk="0" hangingPunct="1">
+        <a:spcBef>
+          <a:spcPts val="1000"/>
+        </a:spcBef>
+        <a:spcAft>
+          <a:spcPts val="0"/>
+        </a:spcAft>
+        <a:buClr>
+          <a:schemeClr val="bg2">
+            <a:lumMod val="40000"/>
+            <a:lumOff val="60000"/>
+          </a:schemeClr>
+        </a:buClr>
+        <a:buSzPct val="80000"/>
+        <a:buFont typeface="Wingdings 3" charset="2"/>
+        <a:buChar char=""/>
+        <a:defRPr sz="1400" b="0" i="0" kern="1200">
+          <a:solidFill>
+            <a:schemeClr val="tx1"/>
+          </a:solidFill>
+          <a:latin typeface="+mj-lt"/>
+          <a:ea typeface="+mj-ea"/>
+          <a:cs typeface="+mj-cs"/>
+        </a:defRPr>
+      </a:lvl4pPr>
+      <a:lvl5pPr marL="2057400" indent="-228600" algn="l" defTabSz="457200" rtl="0" eaLnBrk="1" latinLnBrk="0" hangingPunct="1">
+        <a:spcBef>
+          <a:spcPts val="1000"/>
+        </a:spcBef>
+        <a:spcAft>
+          <a:spcPts val="0"/>
+        </a:spcAft>
+        <a:buClr>
+          <a:schemeClr val="bg2">
+            <a:lumMod val="40000"/>
+            <a:lumOff val="60000"/>
+          </a:schemeClr>
+        </a:buClr>
+        <a:buSzPct val="80000"/>
+        <a:buFont typeface="Wingdings 3" charset="2"/>
+        <a:buChar char=""/>
+        <a:defRPr sz="1400" b="0" i="0" kern="1200">
+          <a:solidFill>
+            <a:schemeClr val="tx1"/>
+          </a:solidFill>
+          <a:latin typeface="+mj-lt"/>
+          <a:ea typeface="+mj-ea"/>
+          <a:cs typeface="+mj-cs"/>
+        </a:defRPr>
+      </a:lvl5pPr>
+      <a:lvl6pPr marL="2506000" indent="-228600" algn="l" defTabSz="457200" rtl="0" eaLnBrk="1" latinLnBrk="0" hangingPunct="1">
+        <a:spcBef>
+          <a:spcPts val="1000"/>
+        </a:spcBef>
+        <a:spcAft>
+          <a:spcPts val="0"/>
+        </a:spcAft>
+        <a:buClr>
+          <a:schemeClr val="bg2">
+            <a:lumMod val="40000"/>
+            <a:lumOff val="60000"/>
+          </a:schemeClr>
+        </a:buClr>
+        <a:buSzPct val="80000"/>
+        <a:buFont typeface="Wingdings 3" charset="2"/>
+        <a:buChar char=""/>
+        <a:defRPr sz="1400" b="0" i="0" kern="1200">
+          <a:solidFill>
+            <a:schemeClr val="tx1"/>
+          </a:solidFill>
+          <a:latin typeface="+mj-lt"/>
+          <a:ea typeface="+mj-ea"/>
+          <a:cs typeface="+mj-cs"/>
+        </a:defRPr>
+      </a:lvl6pPr>
+      <a:lvl7pPr marL="2971800" indent="-228600" algn="l" defTabSz="457200" rtl="0" eaLnBrk="1" latinLnBrk="0" hangingPunct="1">
+        <a:spcBef>
+          <a:spcPts val="1000"/>
+        </a:spcBef>
+        <a:spcAft>
+          <a:spcPts val="0"/>
+        </a:spcAft>
+        <a:buClr>
+          <a:schemeClr val="bg2">
+            <a:lumMod val="40000"/>
+            <a:lumOff val="60000"/>
+          </a:schemeClr>
+        </a:buClr>
+        <a:buSzPct val="80000"/>
+        <a:buFont typeface="Wingdings 3" charset="2"/>
+        <a:buChar char=""/>
+        <a:defRPr sz="1400" b="0" i="0" kern="1200">
+          <a:solidFill>
+            <a:schemeClr val="tx1"/>
+          </a:solidFill>
+          <a:latin typeface="+mj-lt"/>
+          <a:ea typeface="+mj-ea"/>
+          <a:cs typeface="+mj-cs"/>
+        </a:defRPr>
+      </a:lvl7pPr>
+      <a:lvl8pPr marL="3429000" indent="-228600" algn="l" defTabSz="457200" rtl="0" eaLnBrk="1" latinLnBrk="0" hangingPunct="1">
+        <a:spcBef>
+          <a:spcPts val="1000"/>
+        </a:spcBef>
+        <a:spcAft>
+          <a:spcPts val="0"/>
+        </a:spcAft>
+        <a:buClr>
+          <a:schemeClr val="bg2">
+            <a:lumMod val="40000"/>
+            <a:lumOff val="60000"/>
+          </a:schemeClr>
+        </a:buClr>
+        <a:buSzPct val="80000"/>
+        <a:buFont typeface="Wingdings 3" charset="2"/>
+        <a:buChar char=""/>
+        <a:defRPr sz="1400" b="0" i="0" kern="1200">
+          <a:solidFill>
+            <a:schemeClr val="tx1"/>
+          </a:solidFill>
+          <a:latin typeface="+mj-lt"/>
+          <a:ea typeface="+mj-ea"/>
+          <a:cs typeface="+mj-cs"/>
+        </a:defRPr>
+      </a:lvl8pPr>
+      <a:lvl9pPr marL="3886200" indent="-228600" algn="l" defTabSz="457200" rtl="0" eaLnBrk="1" latinLnBrk="0" hangingPunct="1">
+        <a:spcBef>
+          <a:spcPts val="1000"/>
+        </a:spcBef>
+        <a:spcAft>
+          <a:spcPts val="0"/>
+        </a:spcAft>
+        <a:buClr>
+          <a:schemeClr val="bg2">
+            <a:lumMod val="40000"/>
+            <a:lumOff val="60000"/>
+          </a:schemeClr>
+        </a:buClr>
+        <a:buSzPct val="80000"/>
+        <a:buFont typeface="Wingdings 3" charset="2"/>
+        <a:buChar char=""/>
+        <a:defRPr sz="1400" b="0" i="0" kern="1200">
+          <a:solidFill>
+            <a:schemeClr val="tx1"/>
+          </a:solidFill>
+          <a:latin typeface="+mj-lt"/>
+          <a:ea typeface="+mj-ea"/>
+          <a:cs typeface="+mj-cs"/>
+        </a:defRPr>
+      </a:lvl9pPr>
+    </p:bodyStyle>
+    <p:otherStyle>
+      <a:defPPr>
+        <a:defRPr lang="en-US"/>
+      </a:defPPr>
+      <a:lvl1pPr marL="0" algn="l" defTabSz="457200" rtl="0" eaLnBrk="1" latinLnBrk="0" hangingPunct="1">
+        <a:defRPr sz="1800" kern="1200">
           <a:solidFill>
             <a:schemeClr val="tx1"/>
           </a:solidFill>
@@ -3075,16 +5999,8 @@
           <a:cs typeface="+mn-cs"/>
         </a:defRPr>
       </a:lvl1pPr>
-      <a:lvl2pPr marL="685800" indent="-228600" algn="l" defTabSz="914400" rtl="0" eaLnBrk="1" latinLnBrk="0" hangingPunct="1">
-        <a:lnSpc>
-          <a:spcPct val="90000"/>
-        </a:lnSpc>
-        <a:spcBef>
-          <a:spcPts val="500"/>
-        </a:spcBef>
-        <a:buFont typeface="Arial" panose="020B0604020202020204" pitchFamily="34" charset="0"/>
-        <a:buChar char="•"/>
-        <a:defRPr sz="2400" kern="1200">
+      <a:lvl2pPr marL="457200" algn="l" defTabSz="457200" rtl="0" eaLnBrk="1" latinLnBrk="0" hangingPunct="1">
+        <a:defRPr sz="1800" kern="1200">
           <a:solidFill>
             <a:schemeClr val="tx1"/>
           </a:solidFill>
@@ -3093,16 +6009,8 @@
           <a:cs typeface="+mn-cs"/>
         </a:defRPr>
       </a:lvl2pPr>
-      <a:lvl3pPr marL="1143000" indent="-228600" algn="l" defTabSz="914400" rtl="0" eaLnBrk="1" latinLnBrk="0" hangingPunct="1">
-        <a:lnSpc>
-          <a:spcPct val="90000"/>
-        </a:lnSpc>
-        <a:spcBef>
-          <a:spcPts val="500"/>
-        </a:spcBef>
-        <a:buFont typeface="Arial" panose="020B0604020202020204" pitchFamily="34" charset="0"/>
-        <a:buChar char="•"/>
-        <a:defRPr sz="2000" kern="1200">
+      <a:lvl3pPr marL="914400" algn="l" defTabSz="457200" rtl="0" eaLnBrk="1" latinLnBrk="0" hangingPunct="1">
+        <a:defRPr sz="1800" kern="1200">
           <a:solidFill>
             <a:schemeClr val="tx1"/>
           </a:solidFill>
@@ -3111,15 +6019,7 @@
           <a:cs typeface="+mn-cs"/>
         </a:defRPr>
       </a:lvl3pPr>
-      <a:lvl4pPr marL="1600200" indent="-228600" algn="l" defTabSz="914400" rtl="0" eaLnBrk="1" latinLnBrk="0" hangingPunct="1">
-        <a:lnSpc>
-          <a:spcPct val="90000"/>
-        </a:lnSpc>
-        <a:spcBef>
-          <a:spcPts val="500"/>
-        </a:spcBef>
-        <a:buFont typeface="Arial" panose="020B0604020202020204" pitchFamily="34" charset="0"/>
-        <a:buChar char="•"/>
+      <a:lvl4pPr marL="1371600" algn="l" defTabSz="457200" rtl="0" eaLnBrk="1" latinLnBrk="0" hangingPunct="1">
         <a:defRPr sz="1800" kern="1200">
           <a:solidFill>
             <a:schemeClr val="tx1"/>
@@ -3129,15 +6029,7 @@
           <a:cs typeface="+mn-cs"/>
         </a:defRPr>
       </a:lvl4pPr>
-      <a:lvl5pPr marL="2057400" indent="-228600" algn="l" defTabSz="914400" rtl="0" eaLnBrk="1" latinLnBrk="0" hangingPunct="1">
-        <a:lnSpc>
-          <a:spcPct val="90000"/>
-        </a:lnSpc>
-        <a:spcBef>
-          <a:spcPts val="500"/>
-        </a:spcBef>
-        <a:buFont typeface="Arial" panose="020B0604020202020204" pitchFamily="34" charset="0"/>
-        <a:buChar char="•"/>
+      <a:lvl5pPr marL="1828800" algn="l" defTabSz="457200" rtl="0" eaLnBrk="1" latinLnBrk="0" hangingPunct="1">
         <a:defRPr sz="1800" kern="1200">
           <a:solidFill>
             <a:schemeClr val="tx1"/>
@@ -3147,15 +6039,7 @@
           <a:cs typeface="+mn-cs"/>
         </a:defRPr>
       </a:lvl5pPr>
-      <a:lvl6pPr marL="2514600" indent="-228600" algn="l" defTabSz="914400" rtl="0" eaLnBrk="1" latinLnBrk="0" hangingPunct="1">
-        <a:lnSpc>
-          <a:spcPct val="90000"/>
-        </a:lnSpc>
-        <a:spcBef>
-          <a:spcPts val="500"/>
-        </a:spcBef>
-        <a:buFont typeface="Arial" panose="020B0604020202020204" pitchFamily="34" charset="0"/>
-        <a:buChar char="•"/>
+      <a:lvl6pPr marL="2286000" algn="l" defTabSz="457200" rtl="0" eaLnBrk="1" latinLnBrk="0" hangingPunct="1">
         <a:defRPr sz="1800" kern="1200">
           <a:solidFill>
             <a:schemeClr val="tx1"/>
@@ -3165,15 +6049,7 @@
           <a:cs typeface="+mn-cs"/>
         </a:defRPr>
       </a:lvl6pPr>
-      <a:lvl7pPr marL="2971800" indent="-228600" algn="l" defTabSz="914400" rtl="0" eaLnBrk="1" latinLnBrk="0" hangingPunct="1">
-        <a:lnSpc>
-          <a:spcPct val="90000"/>
-        </a:lnSpc>
-        <a:spcBef>
-          <a:spcPts val="500"/>
-        </a:spcBef>
-        <a:buFont typeface="Arial" panose="020B0604020202020204" pitchFamily="34" charset="0"/>
-        <a:buChar char="•"/>
+      <a:lvl7pPr marL="2743200" algn="l" defTabSz="457200" rtl="0" eaLnBrk="1" latinLnBrk="0" hangingPunct="1">
         <a:defRPr sz="1800" kern="1200">
           <a:solidFill>
             <a:schemeClr val="tx1"/>
@@ -3183,15 +6059,7 @@
           <a:cs typeface="+mn-cs"/>
         </a:defRPr>
       </a:lvl7pPr>
-      <a:lvl8pPr marL="3429000" indent="-228600" algn="l" defTabSz="914400" rtl="0" eaLnBrk="1" latinLnBrk="0" hangingPunct="1">
-        <a:lnSpc>
-          <a:spcPct val="90000"/>
-        </a:lnSpc>
-        <a:spcBef>
-          <a:spcPts val="500"/>
-        </a:spcBef>
-        <a:buFont typeface="Arial" panose="020B0604020202020204" pitchFamily="34" charset="0"/>
-        <a:buChar char="•"/>
+      <a:lvl8pPr marL="3200400" algn="l" defTabSz="457200" rtl="0" eaLnBrk="1" latinLnBrk="0" hangingPunct="1">
         <a:defRPr sz="1800" kern="1200">
           <a:solidFill>
             <a:schemeClr val="tx1"/>
@@ -3201,110 +6069,7 @@
           <a:cs typeface="+mn-cs"/>
         </a:defRPr>
       </a:lvl8pPr>
-      <a:lvl9pPr marL="3886200" indent="-228600" algn="l" defTabSz="914400" rtl="0" eaLnBrk="1" latinLnBrk="0" hangingPunct="1">
-        <a:lnSpc>
-          <a:spcPct val="90000"/>
-        </a:lnSpc>
-        <a:spcBef>
-          <a:spcPts val="500"/>
-        </a:spcBef>
-        <a:buFont typeface="Arial" panose="020B0604020202020204" pitchFamily="34" charset="0"/>
-        <a:buChar char="•"/>
-        <a:defRPr sz="1800" kern="1200">
-          <a:solidFill>
-            <a:schemeClr val="tx1"/>
-          </a:solidFill>
-          <a:latin typeface="+mn-lt"/>
-          <a:ea typeface="+mn-ea"/>
-          <a:cs typeface="+mn-cs"/>
-        </a:defRPr>
-      </a:lvl9pPr>
-    </p:bodyStyle>
-    <p:otherStyle>
-      <a:defPPr>
-        <a:defRPr lang="en-US"/>
-      </a:defPPr>
-      <a:lvl1pPr marL="0" algn="l" defTabSz="914400" rtl="0" eaLnBrk="1" latinLnBrk="0" hangingPunct="1">
-        <a:defRPr sz="1800" kern="1200">
-          <a:solidFill>
-            <a:schemeClr val="tx1"/>
-          </a:solidFill>
-          <a:latin typeface="+mn-lt"/>
-          <a:ea typeface="+mn-ea"/>
-          <a:cs typeface="+mn-cs"/>
-        </a:defRPr>
-      </a:lvl1pPr>
-      <a:lvl2pPr marL="457200" algn="l" defTabSz="914400" rtl="0" eaLnBrk="1" latinLnBrk="0" hangingPunct="1">
-        <a:defRPr sz="1800" kern="1200">
-          <a:solidFill>
-            <a:schemeClr val="tx1"/>
-          </a:solidFill>
-          <a:latin typeface="+mn-lt"/>
-          <a:ea typeface="+mn-ea"/>
-          <a:cs typeface="+mn-cs"/>
-        </a:defRPr>
-      </a:lvl2pPr>
-      <a:lvl3pPr marL="914400" algn="l" defTabSz="914400" rtl="0" eaLnBrk="1" latinLnBrk="0" hangingPunct="1">
-        <a:defRPr sz="1800" kern="1200">
-          <a:solidFill>
-            <a:schemeClr val="tx1"/>
-          </a:solidFill>
-          <a:latin typeface="+mn-lt"/>
-          <a:ea typeface="+mn-ea"/>
-          <a:cs typeface="+mn-cs"/>
-        </a:defRPr>
-      </a:lvl3pPr>
-      <a:lvl4pPr marL="1371600" algn="l" defTabSz="914400" rtl="0" eaLnBrk="1" latinLnBrk="0" hangingPunct="1">
-        <a:defRPr sz="1800" kern="1200">
-          <a:solidFill>
-            <a:schemeClr val="tx1"/>
-          </a:solidFill>
-          <a:latin typeface="+mn-lt"/>
-          <a:ea typeface="+mn-ea"/>
-          <a:cs typeface="+mn-cs"/>
-        </a:defRPr>
-      </a:lvl4pPr>
-      <a:lvl5pPr marL="1828800" algn="l" defTabSz="914400" rtl="0" eaLnBrk="1" latinLnBrk="0" hangingPunct="1">
-        <a:defRPr sz="1800" kern="1200">
-          <a:solidFill>
-            <a:schemeClr val="tx1"/>
-          </a:solidFill>
-          <a:latin typeface="+mn-lt"/>
-          <a:ea typeface="+mn-ea"/>
-          <a:cs typeface="+mn-cs"/>
-        </a:defRPr>
-      </a:lvl5pPr>
-      <a:lvl6pPr marL="2286000" algn="l" defTabSz="914400" rtl="0" eaLnBrk="1" latinLnBrk="0" hangingPunct="1">
-        <a:defRPr sz="1800" kern="1200">
-          <a:solidFill>
-            <a:schemeClr val="tx1"/>
-          </a:solidFill>
-          <a:latin typeface="+mn-lt"/>
-          <a:ea typeface="+mn-ea"/>
-          <a:cs typeface="+mn-cs"/>
-        </a:defRPr>
-      </a:lvl6pPr>
-      <a:lvl7pPr marL="2743200" algn="l" defTabSz="914400" rtl="0" eaLnBrk="1" latinLnBrk="0" hangingPunct="1">
-        <a:defRPr sz="1800" kern="1200">
-          <a:solidFill>
-            <a:schemeClr val="tx1"/>
-          </a:solidFill>
-          <a:latin typeface="+mn-lt"/>
-          <a:ea typeface="+mn-ea"/>
-          <a:cs typeface="+mn-cs"/>
-        </a:defRPr>
-      </a:lvl7pPr>
-      <a:lvl8pPr marL="3200400" algn="l" defTabSz="914400" rtl="0" eaLnBrk="1" latinLnBrk="0" hangingPunct="1">
-        <a:defRPr sz="1800" kern="1200">
-          <a:solidFill>
-            <a:schemeClr val="tx1"/>
-          </a:solidFill>
-          <a:latin typeface="+mn-lt"/>
-          <a:ea typeface="+mn-ea"/>
-          <a:cs typeface="+mn-cs"/>
-        </a:defRPr>
-      </a:lvl8pPr>
-      <a:lvl9pPr marL="3657600" algn="l" defTabSz="914400" rtl="0" eaLnBrk="1" latinLnBrk="0" hangingPunct="1">
+      <a:lvl9pPr marL="3657600" algn="l" defTabSz="457200" rtl="0" eaLnBrk="1" latinLnBrk="0" hangingPunct="1">
         <a:defRPr sz="1800" kern="1200">
           <a:solidFill>
             <a:schemeClr val="tx1"/>
@@ -3352,12 +6117,17 @@
             <p:ph type="ctrTitle"/>
           </p:nvPr>
         </p:nvSpPr>
-        <p:spPr/>
+        <p:spPr>
+          <a:xfrm>
+            <a:off x="429767" y="996697"/>
+            <a:ext cx="10588753" cy="2130552"/>
+          </a:xfrm>
+        </p:spPr>
         <p:txBody>
           <a:bodyPr/>
           <a:lstStyle/>
           <a:p>
-            <a:pPr algn="l"/>
+            <a:pPr algn="ctr"/>
             <a:r>
               <a:rPr lang="en-US" b="1" dirty="0">
                 <a:solidFill>
@@ -3366,7 +6136,17 @@
                 <a:latin typeface="Segoe UI Black" panose="020B0A02040204020203" pitchFamily="34" charset="0"/>
                 <a:ea typeface="Segoe UI Black" panose="020B0A02040204020203" pitchFamily="34" charset="0"/>
               </a:rPr>
-              <a:t>Fashion Retail Analysis</a:t>
+              <a:t>Fashion </a:t>
+            </a:r>
+            <a:r>
+              <a:rPr lang="en-US" b="1" dirty="0" smtClean="0">
+                <a:solidFill>
+                  <a:srgbClr val="1F2328"/>
+                </a:solidFill>
+                <a:latin typeface="Segoe UI Black" panose="020B0A02040204020203" pitchFamily="34" charset="0"/>
+                <a:ea typeface="Segoe UI Black" panose="020B0A02040204020203" pitchFamily="34" charset="0"/>
+              </a:rPr>
+              <a:t>Retail Analysis</a:t>
             </a:r>
             <a:endParaRPr lang="en-US" b="1" dirty="0">
               <a:latin typeface="Segoe UI Black" panose="020B0A02040204020203" pitchFamily="34" charset="0"/>
@@ -3410,7 +6190,15 @@
             </a:r>
             <a:r>
               <a:rPr lang="en-US" dirty="0"/>
-              <a:t>: DVG Analytics</a:t>
+              <a:t>: </a:t>
+            </a:r>
+            <a:r>
+              <a:rPr lang="en-US" b="1" dirty="0">
+                <a:solidFill>
+                  <a:schemeClr val="bg1"/>
+                </a:solidFill>
+              </a:rPr>
+              <a:t>DVG Analytics</a:t>
             </a:r>
           </a:p>
           <a:p>
@@ -3427,7 +6215,10 @@
           <a:p>
             <a:pPr lvl="1" algn="l"/>
             <a:r>
-              <a:rPr lang="en-US" dirty="0" smtClean="0">
+              <a:rPr lang="en-US" b="1" dirty="0" smtClean="0">
+                <a:solidFill>
+                  <a:schemeClr val="bg1"/>
+                </a:solidFill>
                 <a:latin typeface="Arial" panose="020B0604020202020204" pitchFamily="34" charset="0"/>
                 <a:cs typeface="Arial" panose="020B0604020202020204" pitchFamily="34" charset="0"/>
               </a:rPr>
@@ -3437,14 +6228,20 @@
           <a:p>
             <a:pPr lvl="1" algn="l"/>
             <a:r>
-              <a:rPr lang="en-US" dirty="0" smtClean="0">
+              <a:rPr lang="en-US" b="1" dirty="0" smtClean="0">
+                <a:solidFill>
+                  <a:schemeClr val="bg1"/>
+                </a:solidFill>
                 <a:latin typeface="Arial" panose="020B0604020202020204" pitchFamily="34" charset="0"/>
                 <a:cs typeface="Arial" panose="020B0604020202020204" pitchFamily="34" charset="0"/>
               </a:rPr>
               <a:t>2. </a:t>
             </a:r>
             <a:r>
-              <a:rPr lang="en-US" dirty="0" smtClean="0">
+              <a:rPr lang="en-US" b="1" dirty="0" smtClean="0">
+                <a:solidFill>
+                  <a:schemeClr val="bg1"/>
+                </a:solidFill>
                 <a:latin typeface="Arial" panose="020B0604020202020204" pitchFamily="34" charset="0"/>
                 <a:cs typeface="Arial" panose="020B0604020202020204" pitchFamily="34" charset="0"/>
               </a:rPr>
@@ -3454,20 +6251,29 @@
           <a:p>
             <a:pPr lvl="1" algn="l"/>
             <a:r>
-              <a:rPr lang="en-US" dirty="0" smtClean="0">
+              <a:rPr lang="en-US" b="1" dirty="0" smtClean="0">
+                <a:solidFill>
+                  <a:schemeClr val="bg1"/>
+                </a:solidFill>
                 <a:latin typeface="Arial" panose="020B0604020202020204" pitchFamily="34" charset="0"/>
                 <a:cs typeface="Arial" panose="020B0604020202020204" pitchFamily="34" charset="0"/>
               </a:rPr>
               <a:t>3. </a:t>
             </a:r>
             <a:r>
-              <a:rPr lang="en-US" dirty="0" smtClean="0">
+              <a:rPr lang="en-US" b="1" dirty="0" smtClean="0">
+                <a:solidFill>
+                  <a:schemeClr val="bg1"/>
+                </a:solidFill>
                 <a:latin typeface="Arial" panose="020B0604020202020204" pitchFamily="34" charset="0"/>
                 <a:cs typeface="Arial" panose="020B0604020202020204" pitchFamily="34" charset="0"/>
               </a:rPr>
               <a:t>Gerald</a:t>
             </a:r>
-            <a:endParaRPr lang="en-US" dirty="0">
+            <a:endParaRPr lang="en-US" b="1" dirty="0">
+              <a:solidFill>
+                <a:schemeClr val="bg1"/>
+              </a:solidFill>
               <a:latin typeface="Arial" panose="020B0604020202020204" pitchFamily="34" charset="0"/>
               <a:cs typeface="Arial" panose="020B0604020202020204" pitchFamily="34" charset="0"/>
             </a:endParaRPr>
@@ -3527,6 +6333,9 @@
           <a:p>
             <a:r>
               <a:rPr lang="en-US" b="1" dirty="0">
+                <a:solidFill>
+                  <a:schemeClr val="bg1"/>
+                </a:solidFill>
                 <a:latin typeface="Segoe UI Semibold" panose="020B0702040204020203" pitchFamily="34" charset="0"/>
                 <a:cs typeface="Segoe UI Semibold" panose="020B0702040204020203" pitchFamily="34" charset="0"/>
               </a:rPr>
@@ -3534,6 +6343,9 @@
             </a:r>
             <a:r>
               <a:rPr lang="en-US" dirty="0">
+                <a:solidFill>
+                  <a:schemeClr val="bg1"/>
+                </a:solidFill>
                 <a:latin typeface="Segoe UI Semibold" panose="020B0702040204020203" pitchFamily="34" charset="0"/>
                 <a:cs typeface="Segoe UI Semibold" panose="020B0702040204020203" pitchFamily="34" charset="0"/>
               </a:rPr>
@@ -3541,12 +6353,18 @@
             </a:r>
             <a:r>
               <a:rPr lang="en-US" b="1" dirty="0">
+                <a:solidFill>
+                  <a:schemeClr val="bg1"/>
+                </a:solidFill>
                 <a:latin typeface="Segoe UI Semibold" panose="020B0702040204020203" pitchFamily="34" charset="0"/>
                 <a:cs typeface="Segoe UI Semibold" panose="020B0702040204020203" pitchFamily="34" charset="0"/>
               </a:rPr>
               <a:t>)</a:t>
             </a:r>
             <a:endParaRPr lang="en-US" dirty="0">
+              <a:solidFill>
+                <a:schemeClr val="bg1"/>
+              </a:solidFill>
               <a:latin typeface="Segoe UI Semibold" panose="020B0702040204020203" pitchFamily="34" charset="0"/>
               <a:cs typeface="Segoe UI Semibold" panose="020B0702040204020203" pitchFamily="34" charset="0"/>
             </a:endParaRPr>
@@ -3705,6 +6523,9 @@
           <a:p>
             <a:r>
               <a:rPr lang="en-US" dirty="0">
+                <a:solidFill>
+                  <a:schemeClr val="bg1"/>
+                </a:solidFill>
                 <a:latin typeface="Segoe UI Semibold" panose="020B0702040204020203" pitchFamily="34" charset="0"/>
                 <a:cs typeface="Segoe UI Semibold" panose="020B0702040204020203" pitchFamily="34" charset="0"/>
               </a:rPr>
@@ -3801,7 +6622,7 @@
                   <a:noFill/>
                 </a:ln>
                 <a:solidFill>
-                  <a:schemeClr val="tx1"/>
+                  <a:schemeClr val="bg1"/>
                 </a:solidFill>
                 <a:effectLst/>
                 <a:latin typeface="Arial" panose="020B0604020202020204" pitchFamily="34" charset="0"/>
@@ -3815,7 +6636,7 @@
                   <a:noFill/>
                 </a:ln>
                 <a:solidFill>
-                  <a:schemeClr val="tx1"/>
+                  <a:schemeClr val="bg1"/>
                 </a:solidFill>
                 <a:effectLst/>
                 <a:latin typeface="Arial" panose="020B0604020202020204" pitchFamily="34" charset="0"/>
@@ -3884,7 +6705,7 @@
                   <a:noFill/>
                 </a:ln>
                 <a:solidFill>
-                  <a:schemeClr val="tx1"/>
+                  <a:schemeClr val="bg1"/>
                 </a:solidFill>
                 <a:effectLst/>
                 <a:latin typeface="Arial" panose="020B0604020202020204" pitchFamily="34" charset="0"/>
@@ -3898,7 +6719,7 @@
                   <a:noFill/>
                 </a:ln>
                 <a:solidFill>
-                  <a:schemeClr val="tx1"/>
+                  <a:schemeClr val="bg1"/>
                 </a:solidFill>
                 <a:effectLst/>
                 <a:latin typeface="Arial" panose="020B0604020202020204" pitchFamily="34" charset="0"/>
@@ -3960,7 +6781,7 @@
                   <a:noFill/>
                 </a:ln>
                 <a:solidFill>
-                  <a:schemeClr val="tx1"/>
+                  <a:schemeClr val="bg1"/>
                 </a:solidFill>
                 <a:effectLst/>
                 <a:latin typeface="Arial" panose="020B0604020202020204" pitchFamily="34" charset="0"/>
@@ -3974,7 +6795,7 @@
                   <a:noFill/>
                 </a:ln>
                 <a:solidFill>
-                  <a:schemeClr val="tx1"/>
+                  <a:schemeClr val="bg1"/>
                 </a:solidFill>
                 <a:effectLst/>
                 <a:latin typeface="Arial" panose="020B0604020202020204" pitchFamily="34" charset="0"/>
@@ -4036,7 +6857,7 @@
                   <a:noFill/>
                 </a:ln>
                 <a:solidFill>
-                  <a:schemeClr val="tx1"/>
+                  <a:schemeClr val="bg1"/>
                 </a:solidFill>
                 <a:effectLst/>
                 <a:latin typeface="Arial" panose="020B0604020202020204" pitchFamily="34" charset="0"/>
@@ -4050,7 +6871,7 @@
                   <a:noFill/>
                 </a:ln>
                 <a:solidFill>
-                  <a:schemeClr val="tx1"/>
+                  <a:schemeClr val="bg1"/>
                 </a:solidFill>
                 <a:effectLst/>
                 <a:latin typeface="Arial" panose="020B0604020202020204" pitchFamily="34" charset="0"/>
@@ -4112,7 +6933,7 @@
                   <a:noFill/>
                 </a:ln>
                 <a:solidFill>
-                  <a:schemeClr val="tx1"/>
+                  <a:schemeClr val="bg1"/>
                 </a:solidFill>
                 <a:effectLst/>
                 <a:latin typeface="Arial" panose="020B0604020202020204" pitchFamily="34" charset="0"/>
@@ -4126,7 +6947,7 @@
                   <a:noFill/>
                 </a:ln>
                 <a:solidFill>
-                  <a:schemeClr val="tx1"/>
+                  <a:schemeClr val="bg1"/>
                 </a:solidFill>
                 <a:effectLst/>
                 <a:latin typeface="Arial" panose="020B0604020202020204" pitchFamily="34" charset="0"/>
@@ -4140,7 +6961,7 @@
                   <a:noFill/>
                 </a:ln>
                 <a:solidFill>
-                  <a:schemeClr val="tx1"/>
+                  <a:schemeClr val="bg1"/>
                 </a:solidFill>
                 <a:effectLst/>
                 <a:latin typeface="Arial" panose="020B0604020202020204" pitchFamily="34" charset="0"/>
@@ -4154,7 +6975,7 @@
                   <a:noFill/>
                 </a:ln>
                 <a:solidFill>
-                  <a:schemeClr val="tx1"/>
+                  <a:schemeClr val="bg1"/>
                 </a:solidFill>
                 <a:effectLst/>
                 <a:latin typeface="Arial" panose="020B0604020202020204" pitchFamily="34" charset="0"/>
@@ -4244,7 +7065,7 @@
                   <a:noFill/>
                 </a:ln>
                 <a:solidFill>
-                  <a:schemeClr val="tx1"/>
+                  <a:schemeClr val="bg1"/>
                 </a:solidFill>
                 <a:effectLst/>
                 <a:latin typeface="Arial" panose="020B0604020202020204" pitchFamily="34" charset="0"/>
@@ -4258,7 +7079,7 @@
                   <a:noFill/>
                 </a:ln>
                 <a:solidFill>
-                  <a:schemeClr val="tx1"/>
+                  <a:schemeClr val="bg1"/>
                 </a:solidFill>
                 <a:effectLst/>
                 <a:latin typeface="Arial" panose="020B0604020202020204" pitchFamily="34" charset="0"/>
@@ -4382,6 +7203,9 @@
           <a:p>
             <a:r>
               <a:rPr lang="en-US" dirty="0">
+                <a:solidFill>
+                  <a:schemeClr val="bg1"/>
+                </a:solidFill>
                 <a:latin typeface="Segoe UI Semibold" panose="020B0702040204020203" pitchFamily="34" charset="0"/>
                 <a:cs typeface="Segoe UI Semibold" panose="020B0702040204020203" pitchFamily="34" charset="0"/>
               </a:rPr>
@@ -4606,6 +7430,9 @@
           <a:p>
             <a:r>
               <a:rPr lang="en-US" dirty="0">
+                <a:solidFill>
+                  <a:schemeClr val="bg1"/>
+                </a:solidFill>
                 <a:latin typeface="Segoe UI Semibold" panose="020B0702040204020203" pitchFamily="34" charset="0"/>
                 <a:cs typeface="Segoe UI Semibold" panose="020B0702040204020203" pitchFamily="34" charset="0"/>
               </a:rPr>
@@ -4750,6 +7577,9 @@
           <a:p>
             <a:r>
               <a:rPr lang="en-US" dirty="0">
+                <a:solidFill>
+                  <a:schemeClr val="bg1"/>
+                </a:solidFill>
                 <a:latin typeface="Segoe UI Semibold" panose="020B0702040204020203" pitchFamily="34" charset="0"/>
                 <a:cs typeface="Segoe UI Semibold" panose="020B0702040204020203" pitchFamily="34" charset="0"/>
               </a:rPr>
@@ -4884,6 +7714,9 @@
           <a:p>
             <a:r>
               <a:rPr lang="en-US" dirty="0">
+                <a:solidFill>
+                  <a:schemeClr val="bg1"/>
+                </a:solidFill>
                 <a:latin typeface="Segoe UI Semibold" panose="020B0702040204020203" pitchFamily="34" charset="0"/>
                 <a:cs typeface="Segoe UI Semibold" panose="020B0702040204020203" pitchFamily="34" charset="0"/>
               </a:rPr>
@@ -5034,6 +7867,9 @@
           <a:p>
             <a:r>
               <a:rPr lang="en-US" dirty="0">
+                <a:solidFill>
+                  <a:schemeClr val="bg1"/>
+                </a:solidFill>
                 <a:latin typeface="Segoe UI Semibold" panose="020B0702040204020203" pitchFamily="34" charset="0"/>
                 <a:cs typeface="Segoe UI Semibold" panose="020B0702040204020203" pitchFamily="34" charset="0"/>
               </a:rPr>
@@ -5604,12 +8440,18 @@
           <a:p>
             <a:r>
               <a:rPr lang="en-GB" dirty="0">
+                <a:solidFill>
+                  <a:schemeClr val="bg1"/>
+                </a:solidFill>
                 <a:latin typeface="Segoe UI Semibold" panose="020B0702040204020203" pitchFamily="34" charset="0"/>
                 <a:cs typeface="Segoe UI Semibold" panose="020B0702040204020203" pitchFamily="34" charset="0"/>
               </a:rPr>
               <a:t>Custom question</a:t>
             </a:r>
             <a:endParaRPr lang="en-KE" dirty="0">
+              <a:solidFill>
+                <a:schemeClr val="bg1"/>
+              </a:solidFill>
               <a:latin typeface="Segoe UI Semibold" panose="020B0702040204020203" pitchFamily="34" charset="0"/>
               <a:cs typeface="Segoe UI Semibold" panose="020B0702040204020203" pitchFamily="34" charset="0"/>
             </a:endParaRPr>
@@ -5632,7 +8474,12 @@
             <p:ph idx="1"/>
           </p:nvPr>
         </p:nvSpPr>
-        <p:spPr/>
+        <p:spPr>
+          <a:xfrm>
+            <a:off x="335216" y="1924902"/>
+            <a:ext cx="8946541" cy="4195481"/>
+          </a:xfrm>
+        </p:spPr>
         <p:txBody>
           <a:bodyPr/>
           <a:lstStyle/>
@@ -6120,7 +8967,7 @@
         </p:blipFill>
         <p:spPr bwMode="auto">
           <a:xfrm>
-            <a:off x="4051495" y="3429000"/>
+            <a:off x="3950100" y="2496312"/>
             <a:ext cx="5331657" cy="3429000"/>
           </a:xfrm>
           <a:prstGeom prst="rect">
@@ -6152,9 +8999,9 @@
 </file>
 
 <file path=ppt/theme/theme1.xml><?xml version="1.0" encoding="utf-8"?>
-<a:theme xmlns:a="http://schemas.openxmlformats.org/drawingml/2006/main" name="Office Theme">
+<a:theme xmlns:a="http://schemas.openxmlformats.org/drawingml/2006/main" name="Ion">
   <a:themeElements>
-    <a:clrScheme name="Office">
+    <a:clrScheme name="Ion">
       <a:dk1>
         <a:sysClr val="windowText" lastClr="000000"/>
       </a:dk1>
@@ -6162,44 +9009,44 @@
         <a:sysClr val="window" lastClr="FFFFFF"/>
       </a:lt1>
       <a:dk2>
-        <a:srgbClr val="0E2841"/>
+        <a:srgbClr val="1E5155"/>
       </a:dk2>
       <a:lt2>
-        <a:srgbClr val="E8E8E8"/>
+        <a:srgbClr val="EBEBEB"/>
       </a:lt2>
       <a:accent1>
-        <a:srgbClr val="156082"/>
+        <a:srgbClr val="B01513"/>
       </a:accent1>
       <a:accent2>
-        <a:srgbClr val="E97132"/>
+        <a:srgbClr val="EA6312"/>
       </a:accent2>
       <a:accent3>
-        <a:srgbClr val="196B24"/>
+        <a:srgbClr val="E6B729"/>
       </a:accent3>
       <a:accent4>
-        <a:srgbClr val="0F9ED5"/>
+        <a:srgbClr val="6AAC90"/>
       </a:accent4>
       <a:accent5>
-        <a:srgbClr val="A02B93"/>
+        <a:srgbClr val="54849A"/>
       </a:accent5>
       <a:accent6>
-        <a:srgbClr val="4EA72E"/>
+        <a:srgbClr val="9E5E9B"/>
       </a:accent6>
       <a:hlink>
-        <a:srgbClr val="467886"/>
+        <a:srgbClr val="58C1BA"/>
       </a:hlink>
       <a:folHlink>
-        <a:srgbClr val="96607D"/>
+        <a:srgbClr val="9DFFCB"/>
       </a:folHlink>
     </a:clrScheme>
-    <a:fontScheme name="Office">
+    <a:fontScheme name="Ion">
       <a:majorFont>
-        <a:latin typeface="Aptos Display" panose="02110004020202020204"/>
+        <a:latin typeface="Century Gothic" panose="020B0502020202020204"/>
         <a:ea typeface=""/>
         <a:cs typeface=""/>
-        <a:font script="Jpan" typeface="游ゴシック Light"/>
+        <a:font script="Jpan" typeface="メイリオ"/>
         <a:font script="Hang" typeface="맑은 고딕"/>
-        <a:font script="Hans" typeface="等线 Light"/>
+        <a:font script="Hans" typeface="宋体"/>
         <a:font script="Hant" typeface="新細明體"/>
         <a:font script="Arab" typeface="Times New Roman"/>
         <a:font script="Hebr" typeface="Times New Roman"/>
@@ -6227,31 +9074,14 @@
         <a:font script="Viet" typeface="Times New Roman"/>
         <a:font script="Uigh" typeface="Microsoft Uighur"/>
         <a:font script="Geor" typeface="Sylfaen"/>
-        <a:font script="Armn" typeface="Arial"/>
-        <a:font script="Bugi" typeface="Leelawadee UI"/>
-        <a:font script="Bopo" typeface="Microsoft JhengHei"/>
-        <a:font script="Java" typeface="Javanese Text"/>
-        <a:font script="Lisu" typeface="Segoe UI"/>
-        <a:font script="Mymr" typeface="Myanmar Text"/>
-        <a:font script="Nkoo" typeface="Ebrima"/>
-        <a:font script="Olck" typeface="Nirmala UI"/>
-        <a:font script="Osma" typeface="Ebrima"/>
-        <a:font script="Phag" typeface="Phagspa"/>
-        <a:font script="Syrn" typeface="Estrangelo Edessa"/>
-        <a:font script="Syrj" typeface="Estrangelo Edessa"/>
-        <a:font script="Syre" typeface="Estrangelo Edessa"/>
-        <a:font script="Sora" typeface="Nirmala UI"/>
-        <a:font script="Tale" typeface="Microsoft Tai Le"/>
-        <a:font script="Talu" typeface="Microsoft New Tai Lue"/>
-        <a:font script="Tfng" typeface="Ebrima"/>
       </a:majorFont>
       <a:minorFont>
-        <a:latin typeface="Aptos" panose="02110004020202020204"/>
+        <a:latin typeface="Century Gothic" panose="020B0502020202020204"/>
         <a:ea typeface=""/>
         <a:cs typeface=""/>
-        <a:font script="Jpan" typeface="游ゴシック"/>
+        <a:font script="Jpan" typeface="メイリオ"/>
         <a:font script="Hang" typeface="맑은 고딕"/>
-        <a:font script="Hans" typeface="等线"/>
+        <a:font script="Hans" typeface="宋体"/>
         <a:font script="Hant" typeface="新細明體"/>
         <a:font script="Arab" typeface="Arial"/>
         <a:font script="Hebr" typeface="Arial"/>
@@ -6279,26 +9109,9 @@
         <a:font script="Viet" typeface="Arial"/>
         <a:font script="Uigh" typeface="Microsoft Uighur"/>
         <a:font script="Geor" typeface="Sylfaen"/>
-        <a:font script="Armn" typeface="Arial"/>
-        <a:font script="Bugi" typeface="Leelawadee UI"/>
-        <a:font script="Bopo" typeface="Microsoft JhengHei"/>
-        <a:font script="Java" typeface="Javanese Text"/>
-        <a:font script="Lisu" typeface="Segoe UI"/>
-        <a:font script="Mymr" typeface="Myanmar Text"/>
-        <a:font script="Nkoo" typeface="Ebrima"/>
-        <a:font script="Olck" typeface="Nirmala UI"/>
-        <a:font script="Osma" typeface="Ebrima"/>
-        <a:font script="Phag" typeface="Phagspa"/>
-        <a:font script="Syrn" typeface="Estrangelo Edessa"/>
-        <a:font script="Syrj" typeface="Estrangelo Edessa"/>
-        <a:font script="Syre" typeface="Estrangelo Edessa"/>
-        <a:font script="Sora" typeface="Nirmala UI"/>
-        <a:font script="Tale" typeface="Microsoft Tai Le"/>
-        <a:font script="Talu" typeface="Microsoft New Tai Lue"/>
-        <a:font script="Tfng" typeface="Ebrima"/>
       </a:minorFont>
     </a:fontScheme>
-    <a:fmtScheme name="Office">
+    <a:fmtScheme name="Ion">
       <a:fillStyleLst>
         <a:solidFill>
           <a:schemeClr val="phClr"/>
@@ -6307,23 +9120,15 @@
           <a:gsLst>
             <a:gs pos="0">
               <a:schemeClr val="phClr">
-                <a:lumMod val="110000"/>
-                <a:satMod val="105000"/>
-                <a:tint val="67000"/>
-              </a:schemeClr>
-            </a:gs>
-            <a:gs pos="50000">
-              <a:schemeClr val="phClr">
-                <a:lumMod val="105000"/>
-                <a:satMod val="103000"/>
-                <a:tint val="73000"/>
+                <a:tint val="64000"/>
+                <a:lumMod val="118000"/>
               </a:schemeClr>
             </a:gs>
             <a:gs pos="100000">
               <a:schemeClr val="phClr">
-                <a:lumMod val="105000"/>
-                <a:satMod val="109000"/>
-                <a:tint val="81000"/>
+                <a:tint val="92000"/>
+                <a:alpha val="100000"/>
+                <a:lumMod val="110000"/>
               </a:schemeClr>
             </a:gs>
           </a:gsLst>
@@ -6333,23 +9138,14 @@
           <a:gsLst>
             <a:gs pos="0">
               <a:schemeClr val="phClr">
-                <a:satMod val="103000"/>
-                <a:lumMod val="102000"/>
-                <a:tint val="94000"/>
-              </a:schemeClr>
-            </a:gs>
-            <a:gs pos="50000">
-              <a:schemeClr val="phClr">
-                <a:satMod val="110000"/>
-                <a:lumMod val="100000"/>
-                <a:shade val="100000"/>
+                <a:tint val="98000"/>
+                <a:lumMod val="114000"/>
               </a:schemeClr>
             </a:gs>
             <a:gs pos="100000">
               <a:schemeClr val="phClr">
-                <a:lumMod val="99000"/>
-                <a:satMod val="120000"/>
-                <a:shade val="78000"/>
+                <a:shade val="90000"/>
+                <a:lumMod val="84000"/>
               </a:schemeClr>
             </a:gs>
           </a:gsLst>
@@ -6357,26 +9153,23 @@
         </a:gradFill>
       </a:fillStyleLst>
       <a:lnStyleLst>
-        <a:ln w="12700" cap="flat" cmpd="sng" algn="ctr">
+        <a:ln w="9525" cap="rnd" cmpd="sng" algn="ctr">
           <a:solidFill>
             <a:schemeClr val="phClr"/>
           </a:solidFill>
           <a:prstDash val="solid"/>
-          <a:miter lim="800000"/>
         </a:ln>
-        <a:ln w="19050" cap="flat" cmpd="sng" algn="ctr">
+        <a:ln w="19050" cap="rnd" cmpd="sng" algn="ctr">
           <a:solidFill>
             <a:schemeClr val="phClr"/>
           </a:solidFill>
           <a:prstDash val="solid"/>
-          <a:miter lim="800000"/>
         </a:ln>
-        <a:ln w="25400" cap="flat" cmpd="sng" algn="ctr">
+        <a:ln w="28575" cap="rnd" cmpd="sng" algn="ctr">
           <a:solidFill>
             <a:schemeClr val="phClr"/>
           </a:solidFill>
           <a:prstDash val="solid"/>
-          <a:miter lim="800000"/>
         </a:ln>
       </a:lnStyleLst>
       <a:effectStyleLst>
@@ -6384,83 +9177,88 @@
           <a:effectLst/>
         </a:effectStyle>
         <a:effectStyle>
-          <a:effectLst/>
+          <a:effectLst>
+            <a:outerShdw blurRad="38100" dist="25400" dir="5400000" rotWithShape="0">
+              <a:srgbClr val="000000">
+                <a:alpha val="45000"/>
+              </a:srgbClr>
+            </a:outerShdw>
+          </a:effectLst>
         </a:effectStyle>
         <a:effectStyle>
           <a:effectLst>
-            <a:outerShdw blurRad="57150" dist="19050" dir="5400000" algn="ctr" rotWithShape="0">
+            <a:outerShdw blurRad="63500" dist="38100" dir="5400000" rotWithShape="0">
               <a:srgbClr val="000000">
-                <a:alpha val="63000"/>
+                <a:alpha val="60000"/>
               </a:srgbClr>
             </a:outerShdw>
           </a:effectLst>
+          <a:scene3d>
+            <a:camera prst="orthographicFront">
+              <a:rot lat="0" lon="0" rev="0"/>
+            </a:camera>
+            <a:lightRig rig="threePt" dir="tl"/>
+          </a:scene3d>
+          <a:sp3d prstMaterial="plastic">
+            <a:bevelT w="0" h="0"/>
+          </a:sp3d>
         </a:effectStyle>
       </a:effectStyleLst>
       <a:bgFillStyleLst>
         <a:solidFill>
           <a:schemeClr val="phClr"/>
         </a:solidFill>
-        <a:solidFill>
-          <a:schemeClr val="phClr">
-            <a:tint val="95000"/>
-            <a:satMod val="170000"/>
-          </a:schemeClr>
-        </a:solidFill>
         <a:gradFill rotWithShape="1">
           <a:gsLst>
             <a:gs pos="0">
               <a:schemeClr val="phClr">
-                <a:tint val="93000"/>
-                <a:satMod val="150000"/>
-                <a:shade val="98000"/>
-                <a:lumMod val="102000"/>
-              </a:schemeClr>
-            </a:gs>
-            <a:gs pos="50000">
-              <a:schemeClr val="phClr">
-                <a:tint val="98000"/>
+                <a:tint val="97000"/>
+                <a:hueMod val="88000"/>
                 <a:satMod val="130000"/>
-                <a:shade val="90000"/>
-                <a:lumMod val="103000"/>
+                <a:lumMod val="124000"/>
               </a:schemeClr>
             </a:gs>
             <a:gs pos="100000">
               <a:schemeClr val="phClr">
-                <a:shade val="63000"/>
-                <a:satMod val="120000"/>
+                <a:tint val="96000"/>
+                <a:shade val="88000"/>
+                <a:hueMod val="108000"/>
+                <a:satMod val="164000"/>
+                <a:lumMod val="76000"/>
               </a:schemeClr>
             </a:gs>
           </a:gsLst>
-          <a:lin ang="5400000" scaled="0"/>
+          <a:path path="circle">
+            <a:fillToRect l="45000" t="65000" r="125000" b="100000"/>
+          </a:path>
         </a:gradFill>
+        <a:blipFill rotWithShape="1">
+          <a:blip xmlns:r="http://schemas.openxmlformats.org/officeDocument/2006/relationships" r:embed="rId1">
+            <a:duotone>
+              <a:schemeClr val="phClr">
+                <a:shade val="69000"/>
+                <a:hueMod val="108000"/>
+                <a:satMod val="164000"/>
+                <a:lumMod val="74000"/>
+              </a:schemeClr>
+              <a:schemeClr val="phClr">
+                <a:tint val="96000"/>
+                <a:hueMod val="88000"/>
+                <a:satMod val="140000"/>
+                <a:lumMod val="132000"/>
+              </a:schemeClr>
+            </a:duotone>
+          </a:blip>
+          <a:stretch/>
+        </a:blipFill>
       </a:bgFillStyleLst>
     </a:fmtScheme>
   </a:themeElements>
-  <a:objectDefaults>
-    <a:lnDef>
-      <a:spPr/>
-      <a:bodyPr/>
-      <a:lstStyle/>
-      <a:style>
-        <a:lnRef idx="2">
-          <a:schemeClr val="accent1"/>
-        </a:lnRef>
-        <a:fillRef idx="0">
-          <a:schemeClr val="accent1"/>
-        </a:fillRef>
-        <a:effectRef idx="1">
-          <a:schemeClr val="accent1"/>
-        </a:effectRef>
-        <a:fontRef idx="minor">
-          <a:schemeClr val="tx1"/>
-        </a:fontRef>
-      </a:style>
-    </a:lnDef>
-  </a:objectDefaults>
+  <a:objectDefaults/>
   <a:extraClrSchemeLst/>
   <a:extLst>
     <a:ext uri="{05A4C25C-085E-4340-85A3-A5531E510DB2}">
-      <thm15:themeFamily xmlns:thm15="http://schemas.microsoft.com/office/thememl/2012/main" name="Office Theme" id="{2E142A2C-CD16-42D6-873A-C26D2A0506FA}" vid="{1BDDFF52-6CD6-40A5-AB3C-68EB2F1E4D0A}"/>
+      <thm15:themeFamily xmlns:thm15="http://schemas.microsoft.com/office/thememl/2012/main" name="Ion" id="{B8441ADB-2E43-4AF7-B97A-BD870242C6A8}" vid="{292E63A9-BB86-4E3D-B92A-7223C6510D2E}"/>
     </a:ext>
   </a:extLst>
 </a:theme>

--- a/Fashion Retail Analysis 1 updated.pptx
+++ b/Fashion Retail Analysis 1 updated.pptx
@@ -6224,9 +6224,6 @@
               </a:rPr>
               <a:t>1. Dennis </a:t>
             </a:r>
-          </a:p>
-          <a:p>
-            <a:pPr lvl="1" algn="l"/>
             <a:r>
               <a:rPr lang="en-US" b="1" dirty="0" smtClean="0">
                 <a:solidFill>
@@ -6235,8 +6232,18 @@
                 <a:latin typeface="Arial" panose="020B0604020202020204" pitchFamily="34" charset="0"/>
                 <a:cs typeface="Arial" panose="020B0604020202020204" pitchFamily="34" charset="0"/>
               </a:rPr>
-              <a:t>2. </a:t>
-            </a:r>
+              <a:t>Kirimi</a:t>
+            </a:r>
+            <a:endParaRPr lang="en-US" b="1" dirty="0" smtClean="0">
+              <a:solidFill>
+                <a:schemeClr val="bg1"/>
+              </a:solidFill>
+              <a:latin typeface="Arial" panose="020B0604020202020204" pitchFamily="34" charset="0"/>
+              <a:cs typeface="Arial" panose="020B0604020202020204" pitchFamily="34" charset="0"/>
+            </a:endParaRPr>
+          </a:p>
+          <a:p>
+            <a:pPr lvl="1" algn="l"/>
             <a:r>
               <a:rPr lang="en-US" b="1" dirty="0" smtClean="0">
                 <a:solidFill>
@@ -6245,21 +6252,28 @@
                 <a:latin typeface="Arial" panose="020B0604020202020204" pitchFamily="34" charset="0"/>
                 <a:cs typeface="Arial" panose="020B0604020202020204" pitchFamily="34" charset="0"/>
               </a:rPr>
-              <a:t>Victor </a:t>
-            </a:r>
-          </a:p>
-          <a:p>
-            <a:pPr lvl="1" algn="l"/>
-            <a:r>
-              <a:rPr lang="en-US" b="1" dirty="0" smtClean="0">
+              <a:t>2. Victor </a:t>
+            </a:r>
+            <a:r>
+              <a:rPr lang="en-US" b="1" dirty="0" err="1" smtClean="0">
                 <a:solidFill>
                   <a:schemeClr val="bg1"/>
                 </a:solidFill>
                 <a:latin typeface="Arial" panose="020B0604020202020204" pitchFamily="34" charset="0"/>
                 <a:cs typeface="Arial" panose="020B0604020202020204" pitchFamily="34" charset="0"/>
               </a:rPr>
-              <a:t>3. </a:t>
-            </a:r>
+              <a:t>Mwenda</a:t>
+            </a:r>
+            <a:endParaRPr lang="en-US" b="1" dirty="0" smtClean="0">
+              <a:solidFill>
+                <a:schemeClr val="bg1"/>
+              </a:solidFill>
+              <a:latin typeface="Arial" panose="020B0604020202020204" pitchFamily="34" charset="0"/>
+              <a:cs typeface="Arial" panose="020B0604020202020204" pitchFamily="34" charset="0"/>
+            </a:endParaRPr>
+          </a:p>
+          <a:p>
+            <a:pPr lvl="1" algn="l"/>
             <a:r>
               <a:rPr lang="en-US" b="1" dirty="0" smtClean="0">
                 <a:solidFill>
@@ -6268,7 +6282,17 @@
                 <a:latin typeface="Arial" panose="020B0604020202020204" pitchFamily="34" charset="0"/>
                 <a:cs typeface="Arial" panose="020B0604020202020204" pitchFamily="34" charset="0"/>
               </a:rPr>
-              <a:t>Gerald</a:t>
+              <a:t>3. </a:t>
+            </a:r>
+            <a:r>
+              <a:rPr lang="en-US" b="1" smtClean="0">
+                <a:solidFill>
+                  <a:schemeClr val="bg1"/>
+                </a:solidFill>
+                <a:latin typeface="Arial" panose="020B0604020202020204" pitchFamily="34" charset="0"/>
+                <a:cs typeface="Arial" panose="020B0604020202020204" pitchFamily="34" charset="0"/>
+              </a:rPr>
+              <a:t>Gerald Mayanja</a:t>
             </a:r>
             <a:endParaRPr lang="en-US" b="1" dirty="0">
               <a:solidFill>
@@ -7232,8 +7256,8 @@
         </p:nvSpPr>
         <p:spPr bwMode="auto">
           <a:xfrm>
-            <a:off x="838199" y="2279731"/>
-            <a:ext cx="10515599" cy="922304"/>
+            <a:off x="838199" y="1707267"/>
+            <a:ext cx="10515599" cy="2067233"/>
           </a:xfrm>
           <a:prstGeom prst="rect">
             <a:avLst/>
@@ -7293,19 +7317,37 @@
               </a:spcAft>
             </a:pPr>
             <a:r>
-              <a:rPr kumimoji="0" lang="en-US" altLang="en-US" sz="2400" b="0" i="0" u="none" strike="noStrike" cap="none" normalizeH="0" baseline="0" dirty="0">
-                <a:ln>
-                  <a:noFill/>
-                </a:ln>
-                <a:solidFill>
-                  <a:schemeClr val="tx1"/>
-                </a:solidFill>
-                <a:effectLst/>
+              <a:rPr lang="en-GB" sz="2400" dirty="0">
                 <a:latin typeface="Arial" panose="020B0604020202020204" pitchFamily="34" charset="0"/>
                 <a:cs typeface="Arial" panose="020B0604020202020204" pitchFamily="34" charset="0"/>
               </a:rPr>
-              <a:t>Analyze fashion retail data</a:t>
-            </a:r>
+              <a:t>This project aims to </a:t>
+            </a:r>
+            <a:r>
+              <a:rPr lang="en-GB" sz="2400" dirty="0" smtClean="0">
+                <a:latin typeface="Arial" panose="020B0604020202020204" pitchFamily="34" charset="0"/>
+                <a:cs typeface="Arial" panose="020B0604020202020204" pitchFamily="34" charset="0"/>
+              </a:rPr>
+              <a:t>analyse sales </a:t>
+            </a:r>
+            <a:r>
+              <a:rPr lang="en-GB" sz="2400" dirty="0">
+                <a:latin typeface="Arial" panose="020B0604020202020204" pitchFamily="34" charset="0"/>
+                <a:cs typeface="Arial" panose="020B0604020202020204" pitchFamily="34" charset="0"/>
+              </a:rPr>
+              <a:t>data for a fashion retail business to uncover actionable insights about products, customers, time-based trends, and inventory management. The goal is to help the business improve decision-making and maximize profitability.</a:t>
+            </a:r>
+            <a:endParaRPr kumimoji="0" lang="en-US" altLang="en-US" sz="2400" b="0" i="0" u="none" strike="noStrike" cap="none" normalizeH="0" baseline="0" dirty="0">
+              <a:ln>
+                <a:noFill/>
+              </a:ln>
+              <a:solidFill>
+                <a:schemeClr val="tx1"/>
+              </a:solidFill>
+              <a:effectLst/>
+              <a:latin typeface="Arial" panose="020B0604020202020204" pitchFamily="34" charset="0"/>
+              <a:cs typeface="Arial" panose="020B0604020202020204" pitchFamily="34" charset="0"/>
+            </a:endParaRPr>
           </a:p>
           <a:p>
             <a:pPr>
@@ -7460,7 +7502,7 @@
         <p:spPr>
           <a:xfrm>
             <a:off x="838200" y="1825625"/>
-            <a:ext cx="4117258" cy="4351338"/>
+            <a:ext cx="3697224" cy="4351338"/>
           </a:xfrm>
         </p:spPr>
         <p:txBody>
@@ -7472,8 +7514,81 @@
                 <a:latin typeface="Arial" panose="020B0604020202020204" pitchFamily="34" charset="0"/>
                 <a:cs typeface="Arial" panose="020B0604020202020204" pitchFamily="34" charset="0"/>
               </a:rPr>
-              <a:t>Product categories such as accessories and shoes generated the most revenue.</a:t>
-            </a:r>
+              <a:t>Product categories such as accessories and shoes generated the most revenue</a:t>
+            </a:r>
+            <a:r>
+              <a:rPr lang="en-US" dirty="0" smtClean="0">
+                <a:latin typeface="Arial" panose="020B0604020202020204" pitchFamily="34" charset="0"/>
+                <a:cs typeface="Arial" panose="020B0604020202020204" pitchFamily="34" charset="0"/>
+              </a:rPr>
+              <a:t>.</a:t>
+            </a:r>
+          </a:p>
+          <a:p>
+            <a:r>
+              <a:rPr lang="en-GB" b="1" dirty="0" smtClean="0">
+                <a:latin typeface="Arial" panose="020B0604020202020204" pitchFamily="34" charset="0"/>
+                <a:cs typeface="Arial" panose="020B0604020202020204" pitchFamily="34" charset="0"/>
+              </a:rPr>
+              <a:t>Recommendation:</a:t>
+            </a:r>
+            <a:endParaRPr lang="en-US" b="1" dirty="0">
+              <a:latin typeface="Arial" panose="020B0604020202020204" pitchFamily="34" charset="0"/>
+              <a:cs typeface="Arial" panose="020B0604020202020204" pitchFamily="34" charset="0"/>
+            </a:endParaRPr>
+          </a:p>
+          <a:p>
+            <a:pPr marL="0" indent="0">
+              <a:buNone/>
+            </a:pPr>
+            <a:r>
+              <a:rPr lang="en-GB" b="1" i="1" dirty="0" smtClean="0">
+                <a:solidFill>
+                  <a:schemeClr val="bg1"/>
+                </a:solidFill>
+                <a:latin typeface="Arial" panose="020B0604020202020204" pitchFamily="34" charset="0"/>
+                <a:cs typeface="Arial" panose="020B0604020202020204" pitchFamily="34" charset="0"/>
+              </a:rPr>
+              <a:t>Prioritize </a:t>
+            </a:r>
+            <a:r>
+              <a:rPr lang="en-GB" b="1" i="1" dirty="0">
+                <a:solidFill>
+                  <a:schemeClr val="bg1"/>
+                </a:solidFill>
+                <a:latin typeface="Arial" panose="020B0604020202020204" pitchFamily="34" charset="0"/>
+                <a:cs typeface="Arial" panose="020B0604020202020204" pitchFamily="34" charset="0"/>
+              </a:rPr>
+              <a:t>Inventory for High-Demand </a:t>
+            </a:r>
+            <a:r>
+              <a:rPr lang="en-GB" b="1" i="1" dirty="0" smtClean="0">
+                <a:solidFill>
+                  <a:schemeClr val="bg1"/>
+                </a:solidFill>
+                <a:latin typeface="Arial" panose="020B0604020202020204" pitchFamily="34" charset="0"/>
+                <a:cs typeface="Arial" panose="020B0604020202020204" pitchFamily="34" charset="0"/>
+              </a:rPr>
+              <a:t>Categories- </a:t>
+            </a:r>
+            <a:r>
+              <a:rPr lang="en-GB" dirty="0" smtClean="0">
+                <a:latin typeface="Arial" panose="020B0604020202020204" pitchFamily="34" charset="0"/>
+                <a:cs typeface="Arial" panose="020B0604020202020204" pitchFamily="34" charset="0"/>
+              </a:rPr>
+              <a:t>Ensure </a:t>
+            </a:r>
+            <a:r>
+              <a:rPr lang="en-GB" dirty="0">
+                <a:latin typeface="Arial" panose="020B0604020202020204" pitchFamily="34" charset="0"/>
+                <a:cs typeface="Arial" panose="020B0604020202020204" pitchFamily="34" charset="0"/>
+              </a:rPr>
+              <a:t>accessories and shoes are always well-stocked to avoid missed sales opportunities, especially during high-traffic seasons.</a:t>
+            </a:r>
+            <a:endParaRPr lang="en-US" dirty="0">
+              <a:latin typeface="Arial" panose="020B0604020202020204" pitchFamily="34" charset="0"/>
+              <a:cs typeface="Arial" panose="020B0604020202020204" pitchFamily="34" charset="0"/>
+            </a:endParaRPr>
           </a:p>
         </p:txBody>
       </p:sp>
@@ -7607,7 +7722,7 @@
         <p:spPr>
           <a:xfrm>
             <a:off x="838200" y="1825625"/>
-            <a:ext cx="4776216" cy="4351338"/>
+            <a:ext cx="4500418" cy="4351338"/>
           </a:xfrm>
         </p:spPr>
         <p:txBody>
@@ -7656,8 +7771,52 @@
                 <a:latin typeface="Arial" panose="020B0604020202020204" pitchFamily="34" charset="0"/>
                 <a:cs typeface="Arial" panose="020B0604020202020204" pitchFamily="34" charset="0"/>
               </a:rPr>
-              <a:t> below 20,000 total revenue</a:t>
-            </a:r>
+              <a:t> below 20,000 total </a:t>
+            </a:r>
+            <a:r>
+              <a:rPr lang="en-US" dirty="0" smtClean="0">
+                <a:latin typeface="Arial" panose="020B0604020202020204" pitchFamily="34" charset="0"/>
+                <a:cs typeface="Arial" panose="020B0604020202020204" pitchFamily="34" charset="0"/>
+              </a:rPr>
+              <a:t>revenue</a:t>
+            </a:r>
+          </a:p>
+          <a:p>
+            <a:r>
+              <a:rPr lang="en-GB" b="1" dirty="0" smtClean="0">
+                <a:latin typeface="Arial" panose="020B0604020202020204" pitchFamily="34" charset="0"/>
+                <a:cs typeface="Arial" panose="020B0604020202020204" pitchFamily="34" charset="0"/>
+              </a:rPr>
+              <a:t>Recommendation</a:t>
+            </a:r>
+            <a:r>
+              <a:rPr lang="en-GB" dirty="0" smtClean="0">
+                <a:latin typeface="Arial" panose="020B0604020202020204" pitchFamily="34" charset="0"/>
+                <a:cs typeface="Arial" panose="020B0604020202020204" pitchFamily="34" charset="0"/>
+              </a:rPr>
+              <a:t>:</a:t>
+            </a:r>
+          </a:p>
+          <a:p>
+            <a:pPr marL="0" indent="0">
+              <a:buNone/>
+            </a:pPr>
+            <a:r>
+              <a:rPr lang="en-GB" dirty="0"/>
+              <a:t>Plan major product launches and </a:t>
+            </a:r>
+            <a:r>
+              <a:rPr lang="en-GB" dirty="0" smtClean="0"/>
+              <a:t>promotions/ discounts </a:t>
+            </a:r>
+            <a:r>
+              <a:rPr lang="en-GB" dirty="0"/>
+              <a:t>around January, April, and October to maximize revenue.</a:t>
+            </a:r>
+            <a:endParaRPr lang="en-US" dirty="0" smtClean="0">
+              <a:latin typeface="Arial" panose="020B0604020202020204" pitchFamily="34" charset="0"/>
+              <a:cs typeface="Arial" panose="020B0604020202020204" pitchFamily="34" charset="0"/>
+            </a:endParaRPr>
           </a:p>
         </p:txBody>
       </p:sp>
@@ -7748,7 +7907,9 @@
           </a:xfrm>
         </p:spPr>
         <p:txBody>
-          <a:bodyPr/>
+          <a:bodyPr>
+            <a:normAutofit/>
+          </a:bodyPr>
           <a:lstStyle/>
           <a:p>
             <a:endParaRPr lang="en-US" dirty="0">
@@ -7762,8 +7923,75 @@
                 <a:latin typeface="Arial" panose="020B0604020202020204" pitchFamily="34" charset="0"/>
                 <a:cs typeface="Arial" panose="020B0604020202020204" pitchFamily="34" charset="0"/>
               </a:rPr>
-              <a:t>Friday is the best the day of the week with the highest revenue of 118733.37 </a:t>
-            </a:r>
+              <a:t>Friday </a:t>
+            </a:r>
+            <a:r>
+              <a:rPr lang="en-US" dirty="0" smtClean="0">
+                <a:latin typeface="Arial" panose="020B0604020202020204" pitchFamily="34" charset="0"/>
+                <a:cs typeface="Arial" panose="020B0604020202020204" pitchFamily="34" charset="0"/>
+              </a:rPr>
+              <a:t>had the </a:t>
+            </a:r>
+            <a:r>
+              <a:rPr lang="en-US" dirty="0" smtClean="0">
+                <a:latin typeface="Arial" panose="020B0604020202020204" pitchFamily="34" charset="0"/>
+                <a:cs typeface="Arial" panose="020B0604020202020204" pitchFamily="34" charset="0"/>
+              </a:rPr>
+              <a:t>highest </a:t>
+            </a:r>
+            <a:r>
+              <a:rPr lang="en-US" dirty="0">
+                <a:latin typeface="Arial" panose="020B0604020202020204" pitchFamily="34" charset="0"/>
+                <a:cs typeface="Arial" panose="020B0604020202020204" pitchFamily="34" charset="0"/>
+              </a:rPr>
+              <a:t>revenue of </a:t>
+            </a:r>
+            <a:r>
+              <a:rPr lang="en-US" dirty="0" smtClean="0">
+                <a:latin typeface="Arial" panose="020B0604020202020204" pitchFamily="34" charset="0"/>
+                <a:cs typeface="Arial" panose="020B0604020202020204" pitchFamily="34" charset="0"/>
+              </a:rPr>
+              <a:t>118733.37. </a:t>
+            </a:r>
+          </a:p>
+          <a:p>
+            <a:r>
+              <a:rPr lang="en-US" b="1" dirty="0" smtClean="0">
+                <a:latin typeface="Arial" panose="020B0604020202020204" pitchFamily="34" charset="0"/>
+                <a:cs typeface="Arial" panose="020B0604020202020204" pitchFamily="34" charset="0"/>
+              </a:rPr>
+              <a:t>Recommendation</a:t>
+            </a:r>
+            <a:r>
+              <a:rPr lang="en-US" dirty="0" smtClean="0">
+                <a:latin typeface="Arial" panose="020B0604020202020204" pitchFamily="34" charset="0"/>
+                <a:cs typeface="Arial" panose="020B0604020202020204" pitchFamily="34" charset="0"/>
+              </a:rPr>
+              <a:t>:</a:t>
+            </a:r>
+          </a:p>
+          <a:p>
+            <a:pPr marL="0" indent="0">
+              <a:buNone/>
+            </a:pPr>
+            <a:r>
+              <a:rPr lang="en-GB" dirty="0">
+                <a:latin typeface="Arial" panose="020B0604020202020204" pitchFamily="34" charset="0"/>
+                <a:cs typeface="Arial" panose="020B0604020202020204" pitchFamily="34" charset="0"/>
+              </a:rPr>
+              <a:t>Focus marketing campaigns, promotions, and new product launches on Fridays to capitalize on high customer activity.</a:t>
+            </a:r>
+            <a:r>
+              <a:rPr lang="en-US" dirty="0" smtClean="0">
+                <a:latin typeface="Arial" panose="020B0604020202020204" pitchFamily="34" charset="0"/>
+                <a:cs typeface="Arial" panose="020B0604020202020204" pitchFamily="34" charset="0"/>
+              </a:rPr>
+              <a:t> </a:t>
+            </a:r>
+            <a:endParaRPr lang="en-US" dirty="0">
+              <a:latin typeface="Arial" panose="020B0604020202020204" pitchFamily="34" charset="0"/>
+              <a:cs typeface="Arial" panose="020B0604020202020204" pitchFamily="34" charset="0"/>
+            </a:endParaRPr>
           </a:p>
         </p:txBody>
       </p:sp>
